--- a/Slides/14. Exibição de Texto.pptx
+++ b/Slides/14. Exibição de Texto.pptx
@@ -138,7 +138,7 @@
 <file path=ppt/revisionInfo.xml><?xml version="1.0" encoding="utf-8"?>
 <p1510:revInfo xmlns:a="http://schemas.openxmlformats.org/drawingml/2006/main" xmlns:r="http://schemas.openxmlformats.org/officeDocument/2006/relationships" xmlns:p1510="http://schemas.microsoft.com/office/powerpoint/2015/10/main">
   <p1510:revLst>
-    <p1510:client id="{FFAA4E79-6910-4B1D-87A7-B966BEEDEA95}" v="3" dt="2019-06-24T21:19:20.972"/>
+    <p1510:client id="{0A713CBE-A65F-47BA-AB82-B03953A3BBCF}" v="19" dt="2021-09-09T00:23:22.217"/>
   </p1510:revLst>
 </p1510:revInfo>
 </file>
@@ -406,6 +406,581 @@
       </pc:sldMasterChg>
     </pc:docChg>
   </pc:docChgLst>
+  <pc:docChgLst>
+    <pc:chgData name="Judson Santiago" userId="ebb108da2f256286" providerId="LiveId" clId="{0A713CBE-A65F-47BA-AB82-B03953A3BBCF}"/>
+    <pc:docChg chg="undo custSel modSld modMainMaster">
+      <pc:chgData name="Judson Santiago" userId="ebb108da2f256286" providerId="LiveId" clId="{0A713CBE-A65F-47BA-AB82-B03953A3BBCF}" dt="2021-09-09T00:25:51.156" v="498" actId="21"/>
+      <pc:docMkLst>
+        <pc:docMk/>
+      </pc:docMkLst>
+      <pc:sldChg chg="modSp mod">
+        <pc:chgData name="Judson Santiago" userId="ebb108da2f256286" providerId="LiveId" clId="{0A713CBE-A65F-47BA-AB82-B03953A3BBCF}" dt="2021-09-08T23:28:40.963" v="38" actId="403"/>
+        <pc:sldMkLst>
+          <pc:docMk/>
+          <pc:sldMk cId="0" sldId="256"/>
+        </pc:sldMkLst>
+        <pc:spChg chg="mod">
+          <ac:chgData name="Judson Santiago" userId="ebb108da2f256286" providerId="LiveId" clId="{0A713CBE-A65F-47BA-AB82-B03953A3BBCF}" dt="2021-09-08T23:28:36.223" v="35" actId="403"/>
+          <ac:spMkLst>
+            <pc:docMk/>
+            <pc:sldMk cId="0" sldId="256"/>
+            <ac:spMk id="2" creationId="{00000000-0000-0000-0000-000000000000}"/>
+          </ac:spMkLst>
+        </pc:spChg>
+        <pc:spChg chg="mod">
+          <ac:chgData name="Judson Santiago" userId="ebb108da2f256286" providerId="LiveId" clId="{0A713CBE-A65F-47BA-AB82-B03953A3BBCF}" dt="2021-09-08T23:28:40.963" v="38" actId="403"/>
+          <ac:spMkLst>
+            <pc:docMk/>
+            <pc:sldMk cId="0" sldId="256"/>
+            <ac:spMk id="3" creationId="{00000000-0000-0000-0000-000000000000}"/>
+          </ac:spMkLst>
+        </pc:spChg>
+      </pc:sldChg>
+      <pc:sldChg chg="modSp mod">
+        <pc:chgData name="Judson Santiago" userId="ebb108da2f256286" providerId="LiveId" clId="{0A713CBE-A65F-47BA-AB82-B03953A3BBCF}" dt="2021-09-09T00:25:05.997" v="497" actId="20577"/>
+        <pc:sldMkLst>
+          <pc:docMk/>
+          <pc:sldMk cId="904695914" sldId="325"/>
+        </pc:sldMkLst>
+        <pc:spChg chg="mod">
+          <ac:chgData name="Judson Santiago" userId="ebb108da2f256286" providerId="LiveId" clId="{0A713CBE-A65F-47BA-AB82-B03953A3BBCF}" dt="2021-09-09T00:25:05.997" v="497" actId="20577"/>
+          <ac:spMkLst>
+            <pc:docMk/>
+            <pc:sldMk cId="904695914" sldId="325"/>
+            <ac:spMk id="2" creationId="{00000000-0000-0000-0000-000000000000}"/>
+          </ac:spMkLst>
+        </pc:spChg>
+      </pc:sldChg>
+      <pc:sldChg chg="modNotesTx">
+        <pc:chgData name="Judson Santiago" userId="ebb108da2f256286" providerId="LiveId" clId="{0A713CBE-A65F-47BA-AB82-B03953A3BBCF}" dt="2021-09-08T23:50:57.471" v="184" actId="114"/>
+        <pc:sldMkLst>
+          <pc:docMk/>
+          <pc:sldMk cId="4101990644" sldId="327"/>
+        </pc:sldMkLst>
+      </pc:sldChg>
+      <pc:sldChg chg="modSp mod">
+        <pc:chgData name="Judson Santiago" userId="ebb108da2f256286" providerId="LiveId" clId="{0A713CBE-A65F-47BA-AB82-B03953A3BBCF}" dt="2021-09-08T23:34:45.652" v="42" actId="15"/>
+        <pc:sldMkLst>
+          <pc:docMk/>
+          <pc:sldMk cId="3679855998" sldId="334"/>
+        </pc:sldMkLst>
+        <pc:spChg chg="mod">
+          <ac:chgData name="Judson Santiago" userId="ebb108da2f256286" providerId="LiveId" clId="{0A713CBE-A65F-47BA-AB82-B03953A3BBCF}" dt="2021-09-08T23:34:45.652" v="42" actId="15"/>
+          <ac:spMkLst>
+            <pc:docMk/>
+            <pc:sldMk cId="3679855998" sldId="334"/>
+            <ac:spMk id="2" creationId="{00000000-0000-0000-0000-000000000000}"/>
+          </ac:spMkLst>
+        </pc:spChg>
+      </pc:sldChg>
+      <pc:sldChg chg="modSp mod modNotesTx">
+        <pc:chgData name="Judson Santiago" userId="ebb108da2f256286" providerId="LiveId" clId="{0A713CBE-A65F-47BA-AB82-B03953A3BBCF}" dt="2021-09-08T23:59:40.699" v="322" actId="20577"/>
+        <pc:sldMkLst>
+          <pc:docMk/>
+          <pc:sldMk cId="1722652911" sldId="335"/>
+        </pc:sldMkLst>
+        <pc:spChg chg="mod">
+          <ac:chgData name="Judson Santiago" userId="ebb108da2f256286" providerId="LiveId" clId="{0A713CBE-A65F-47BA-AB82-B03953A3BBCF}" dt="2021-09-08T23:51:09" v="185" actId="20577"/>
+          <ac:spMkLst>
+            <pc:docMk/>
+            <pc:sldMk cId="1722652911" sldId="335"/>
+            <ac:spMk id="2" creationId="{00000000-0000-0000-0000-000000000000}"/>
+          </ac:spMkLst>
+        </pc:spChg>
+        <pc:spChg chg="mod">
+          <ac:chgData name="Judson Santiago" userId="ebb108da2f256286" providerId="LiveId" clId="{0A713CBE-A65F-47BA-AB82-B03953A3BBCF}" dt="2021-09-08T23:57:13.790" v="187" actId="6549"/>
+          <ac:spMkLst>
+            <pc:docMk/>
+            <pc:sldMk cId="1722652911" sldId="335"/>
+            <ac:spMk id="5" creationId="{00000000-0000-0000-0000-000000000000}"/>
+          </ac:spMkLst>
+        </pc:spChg>
+      </pc:sldChg>
+      <pc:sldChg chg="addSp delSp modSp mod">
+        <pc:chgData name="Judson Santiago" userId="ebb108da2f256286" providerId="LiveId" clId="{0A713CBE-A65F-47BA-AB82-B03953A3BBCF}" dt="2021-09-09T00:24:00.476" v="496" actId="1076"/>
+        <pc:sldMkLst>
+          <pc:docMk/>
+          <pc:sldMk cId="915500996" sldId="341"/>
+        </pc:sldMkLst>
+        <pc:spChg chg="mod">
+          <ac:chgData name="Judson Santiago" userId="ebb108da2f256286" providerId="LiveId" clId="{0A713CBE-A65F-47BA-AB82-B03953A3BBCF}" dt="2021-09-09T00:00:05.250" v="323" actId="20577"/>
+          <ac:spMkLst>
+            <pc:docMk/>
+            <pc:sldMk cId="915500996" sldId="341"/>
+            <ac:spMk id="2" creationId="{00000000-0000-0000-0000-000000000000}"/>
+          </ac:spMkLst>
+        </pc:spChg>
+        <pc:spChg chg="add mod">
+          <ac:chgData name="Judson Santiago" userId="ebb108da2f256286" providerId="LiveId" clId="{0A713CBE-A65F-47BA-AB82-B03953A3BBCF}" dt="2021-09-09T00:11:02.344" v="379" actId="404"/>
+          <ac:spMkLst>
+            <pc:docMk/>
+            <pc:sldMk cId="915500996" sldId="341"/>
+            <ac:spMk id="13" creationId="{941BEA52-AB43-4096-929D-4753F71811EE}"/>
+          </ac:spMkLst>
+        </pc:spChg>
+        <pc:spChg chg="add mod">
+          <ac:chgData name="Judson Santiago" userId="ebb108da2f256286" providerId="LiveId" clId="{0A713CBE-A65F-47BA-AB82-B03953A3BBCF}" dt="2021-09-09T00:19:30.477" v="456" actId="207"/>
+          <ac:spMkLst>
+            <pc:docMk/>
+            <pc:sldMk cId="915500996" sldId="341"/>
+            <ac:spMk id="14" creationId="{3C751714-F46F-426F-B20A-B308BE2E4961}"/>
+          </ac:spMkLst>
+        </pc:spChg>
+        <pc:spChg chg="add mod">
+          <ac:chgData name="Judson Santiago" userId="ebb108da2f256286" providerId="LiveId" clId="{0A713CBE-A65F-47BA-AB82-B03953A3BBCF}" dt="2021-09-09T00:11:02.344" v="379" actId="404"/>
+          <ac:spMkLst>
+            <pc:docMk/>
+            <pc:sldMk cId="915500996" sldId="341"/>
+            <ac:spMk id="20" creationId="{83F327DF-0E81-464D-B0F4-F94DDF562831}"/>
+          </ac:spMkLst>
+        </pc:spChg>
+        <pc:spChg chg="add mod">
+          <ac:chgData name="Judson Santiago" userId="ebb108da2f256286" providerId="LiveId" clId="{0A713CBE-A65F-47BA-AB82-B03953A3BBCF}" dt="2021-09-09T00:11:02.344" v="379" actId="404"/>
+          <ac:spMkLst>
+            <pc:docMk/>
+            <pc:sldMk cId="915500996" sldId="341"/>
+            <ac:spMk id="21" creationId="{E9126E5B-837D-417A-9CB8-13187889084F}"/>
+          </ac:spMkLst>
+        </pc:spChg>
+        <pc:spChg chg="add mod">
+          <ac:chgData name="Judson Santiago" userId="ebb108da2f256286" providerId="LiveId" clId="{0A713CBE-A65F-47BA-AB82-B03953A3BBCF}" dt="2021-09-09T00:18:16.457" v="439" actId="164"/>
+          <ac:spMkLst>
+            <pc:docMk/>
+            <pc:sldMk cId="915500996" sldId="341"/>
+            <ac:spMk id="23" creationId="{5A1FD039-B59A-406E-8841-B07AFB433871}"/>
+          </ac:spMkLst>
+        </pc:spChg>
+        <pc:spChg chg="add mod">
+          <ac:chgData name="Judson Santiago" userId="ebb108da2f256286" providerId="LiveId" clId="{0A713CBE-A65F-47BA-AB82-B03953A3BBCF}" dt="2021-09-09T00:18:16.457" v="439" actId="164"/>
+          <ac:spMkLst>
+            <pc:docMk/>
+            <pc:sldMk cId="915500996" sldId="341"/>
+            <ac:spMk id="32" creationId="{E03F7B50-E888-4677-B3F1-B04EB39D7B54}"/>
+          </ac:spMkLst>
+        </pc:spChg>
+        <pc:spChg chg="add mod">
+          <ac:chgData name="Judson Santiago" userId="ebb108da2f256286" providerId="LiveId" clId="{0A713CBE-A65F-47BA-AB82-B03953A3BBCF}" dt="2021-09-09T00:22:42.228" v="485" actId="1076"/>
+          <ac:spMkLst>
+            <pc:docMk/>
+            <pc:sldMk cId="915500996" sldId="341"/>
+            <ac:spMk id="35" creationId="{A7F2FB16-E6BA-4A68-8763-4D4DBAB3B27C}"/>
+          </ac:spMkLst>
+        </pc:spChg>
+        <pc:spChg chg="add mod">
+          <ac:chgData name="Judson Santiago" userId="ebb108da2f256286" providerId="LiveId" clId="{0A713CBE-A65F-47BA-AB82-B03953A3BBCF}" dt="2021-09-09T00:22:42.228" v="485" actId="1076"/>
+          <ac:spMkLst>
+            <pc:docMk/>
+            <pc:sldMk cId="915500996" sldId="341"/>
+            <ac:spMk id="36" creationId="{3E995ECE-FE5A-4498-AABA-24CE0F6F2933}"/>
+          </ac:spMkLst>
+        </pc:spChg>
+        <pc:spChg chg="add mod">
+          <ac:chgData name="Judson Santiago" userId="ebb108da2f256286" providerId="LiveId" clId="{0A713CBE-A65F-47BA-AB82-B03953A3BBCF}" dt="2021-09-09T00:22:51.797" v="486" actId="1076"/>
+          <ac:spMkLst>
+            <pc:docMk/>
+            <pc:sldMk cId="915500996" sldId="341"/>
+            <ac:spMk id="37" creationId="{DE5620A2-57D7-4035-AA80-8DC15EC86134}"/>
+          </ac:spMkLst>
+        </pc:spChg>
+        <pc:spChg chg="add mod">
+          <ac:chgData name="Judson Santiago" userId="ebb108da2f256286" providerId="LiveId" clId="{0A713CBE-A65F-47BA-AB82-B03953A3BBCF}" dt="2021-09-09T00:22:56.027" v="487" actId="1076"/>
+          <ac:spMkLst>
+            <pc:docMk/>
+            <pc:sldMk cId="915500996" sldId="341"/>
+            <ac:spMk id="38" creationId="{B4A28A4E-1118-4E50-9EF7-5911F7D69974}"/>
+          </ac:spMkLst>
+        </pc:spChg>
+        <pc:grpChg chg="add mod">
+          <ac:chgData name="Judson Santiago" userId="ebb108da2f256286" providerId="LiveId" clId="{0A713CBE-A65F-47BA-AB82-B03953A3BBCF}" dt="2021-09-09T00:10:43.038" v="372" actId="164"/>
+          <ac:grpSpMkLst>
+            <pc:docMk/>
+            <pc:sldMk cId="915500996" sldId="341"/>
+            <ac:grpSpMk id="22" creationId="{538F05C3-0A1D-4CE4-A7C8-F2F95160903E}"/>
+          </ac:grpSpMkLst>
+        </pc:grpChg>
+        <pc:grpChg chg="add mod">
+          <ac:chgData name="Judson Santiago" userId="ebb108da2f256286" providerId="LiveId" clId="{0A713CBE-A65F-47BA-AB82-B03953A3BBCF}" dt="2021-09-09T00:18:16.457" v="439" actId="164"/>
+          <ac:grpSpMkLst>
+            <pc:docMk/>
+            <pc:sldMk cId="915500996" sldId="341"/>
+            <ac:grpSpMk id="24" creationId="{FDD7F5DA-FE9F-41CE-819E-3040ED1CEF8D}"/>
+          </ac:grpSpMkLst>
+        </pc:grpChg>
+        <pc:grpChg chg="add mod">
+          <ac:chgData name="Judson Santiago" userId="ebb108da2f256286" providerId="LiveId" clId="{0A713CBE-A65F-47BA-AB82-B03953A3BBCF}" dt="2021-09-09T00:18:16.457" v="439" actId="164"/>
+          <ac:grpSpMkLst>
+            <pc:docMk/>
+            <pc:sldMk cId="915500996" sldId="341"/>
+            <ac:grpSpMk id="28" creationId="{2C466669-5006-455D-833A-D57BBCF457B7}"/>
+          </ac:grpSpMkLst>
+        </pc:grpChg>
+        <pc:grpChg chg="add mod">
+          <ac:chgData name="Judson Santiago" userId="ebb108da2f256286" providerId="LiveId" clId="{0A713CBE-A65F-47BA-AB82-B03953A3BBCF}" dt="2021-09-09T00:22:42.228" v="485" actId="1076"/>
+          <ac:grpSpMkLst>
+            <pc:docMk/>
+            <pc:sldMk cId="915500996" sldId="341"/>
+            <ac:grpSpMk id="33" creationId="{1166EB71-28EF-4AC8-A9AD-40C8AA930EAA}"/>
+          </ac:grpSpMkLst>
+        </pc:grpChg>
+        <pc:picChg chg="del mod modCrop">
+          <ac:chgData name="Judson Santiago" userId="ebb108da2f256286" providerId="LiveId" clId="{0A713CBE-A65F-47BA-AB82-B03953A3BBCF}" dt="2021-09-09T00:23:17.066" v="488" actId="478"/>
+          <ac:picMkLst>
+            <pc:docMk/>
+            <pc:sldMk cId="915500996" sldId="341"/>
+            <ac:picMk id="4" creationId="{00000000-0000-0000-0000-000000000000}"/>
+          </ac:picMkLst>
+        </pc:picChg>
+        <pc:picChg chg="add mod modCrop">
+          <ac:chgData name="Judson Santiago" userId="ebb108da2f256286" providerId="LiveId" clId="{0A713CBE-A65F-47BA-AB82-B03953A3BBCF}" dt="2021-09-09T00:24:00.476" v="496" actId="1076"/>
+          <ac:picMkLst>
+            <pc:docMk/>
+            <pc:sldMk cId="915500996" sldId="341"/>
+            <ac:picMk id="39" creationId="{3D31AF20-1066-4C77-994E-73EAB052B774}"/>
+          </ac:picMkLst>
+        </pc:picChg>
+        <pc:cxnChg chg="add mod">
+          <ac:chgData name="Judson Santiago" userId="ebb108da2f256286" providerId="LiveId" clId="{0A713CBE-A65F-47BA-AB82-B03953A3BBCF}" dt="2021-09-09T00:10:43.038" v="372" actId="164"/>
+          <ac:cxnSpMkLst>
+            <pc:docMk/>
+            <pc:sldMk cId="915500996" sldId="341"/>
+            <ac:cxnSpMk id="10" creationId="{E30A3BB6-F417-4168-937C-404BF3ECD19D}"/>
+          </ac:cxnSpMkLst>
+        </pc:cxnChg>
+        <pc:cxnChg chg="add mod">
+          <ac:chgData name="Judson Santiago" userId="ebb108da2f256286" providerId="LiveId" clId="{0A713CBE-A65F-47BA-AB82-B03953A3BBCF}" dt="2021-09-09T00:10:43.038" v="372" actId="164"/>
+          <ac:cxnSpMkLst>
+            <pc:docMk/>
+            <pc:sldMk cId="915500996" sldId="341"/>
+            <ac:cxnSpMk id="11" creationId="{7150B5F9-AFC9-40FF-96F3-29492BCA3D92}"/>
+          </ac:cxnSpMkLst>
+        </pc:cxnChg>
+        <pc:cxnChg chg="add mod">
+          <ac:chgData name="Judson Santiago" userId="ebb108da2f256286" providerId="LiveId" clId="{0A713CBE-A65F-47BA-AB82-B03953A3BBCF}" dt="2021-09-09T00:10:43.038" v="372" actId="164"/>
+          <ac:cxnSpMkLst>
+            <pc:docMk/>
+            <pc:sldMk cId="915500996" sldId="341"/>
+            <ac:cxnSpMk id="16" creationId="{1C961F3B-7F7C-491C-9DDC-41549C540CEF}"/>
+          </ac:cxnSpMkLst>
+        </pc:cxnChg>
+        <pc:cxnChg chg="add mod">
+          <ac:chgData name="Judson Santiago" userId="ebb108da2f256286" providerId="LiveId" clId="{0A713CBE-A65F-47BA-AB82-B03953A3BBCF}" dt="2021-09-09T00:14:41.088" v="411" actId="14100"/>
+          <ac:cxnSpMkLst>
+            <pc:docMk/>
+            <pc:sldMk cId="915500996" sldId="341"/>
+            <ac:cxnSpMk id="25" creationId="{983C9CF3-A317-41F2-BA0C-7A7A23EB5BDC}"/>
+          </ac:cxnSpMkLst>
+        </pc:cxnChg>
+        <pc:cxnChg chg="add mod">
+          <ac:chgData name="Judson Santiago" userId="ebb108da2f256286" providerId="LiveId" clId="{0A713CBE-A65F-47BA-AB82-B03953A3BBCF}" dt="2021-09-09T00:19:59.807" v="457" actId="1582"/>
+          <ac:cxnSpMkLst>
+            <pc:docMk/>
+            <pc:sldMk cId="915500996" sldId="341"/>
+            <ac:cxnSpMk id="26" creationId="{15FF15EF-7069-4793-ABC8-FB4C3CFDE65B}"/>
+          </ac:cxnSpMkLst>
+        </pc:cxnChg>
+        <pc:cxnChg chg="add mod">
+          <ac:chgData name="Judson Santiago" userId="ebb108da2f256286" providerId="LiveId" clId="{0A713CBE-A65F-47BA-AB82-B03953A3BBCF}" dt="2021-09-09T00:19:59.807" v="457" actId="1582"/>
+          <ac:cxnSpMkLst>
+            <pc:docMk/>
+            <pc:sldMk cId="915500996" sldId="341"/>
+            <ac:cxnSpMk id="27" creationId="{40B02538-3DAE-4A68-91A6-2B57CEBE6477}"/>
+          </ac:cxnSpMkLst>
+        </pc:cxnChg>
+      </pc:sldChg>
+      <pc:sldMasterChg chg="addSp delSp modSp mod delSldLayout modSldLayout">
+        <pc:chgData name="Judson Santiago" userId="ebb108da2f256286" providerId="LiveId" clId="{0A713CBE-A65F-47BA-AB82-B03953A3BBCF}" dt="2021-09-09T00:25:51.156" v="498" actId="21"/>
+        <pc:sldMasterMkLst>
+          <pc:docMk/>
+          <pc:sldMasterMk cId="0" sldId="2147483780"/>
+        </pc:sldMasterMkLst>
+        <pc:spChg chg="del">
+          <ac:chgData name="Judson Santiago" userId="ebb108da2f256286" providerId="LiveId" clId="{0A713CBE-A65F-47BA-AB82-B03953A3BBCF}" dt="2021-09-08T23:28:07.703" v="18" actId="478"/>
+          <ac:spMkLst>
+            <pc:docMk/>
+            <pc:sldMasterMk cId="0" sldId="2147483780"/>
+            <ac:spMk id="12" creationId="{00000000-0000-0000-0000-000000000000}"/>
+          </ac:spMkLst>
+        </pc:spChg>
+        <pc:spChg chg="del">
+          <ac:chgData name="Judson Santiago" userId="ebb108da2f256286" providerId="LiveId" clId="{0A713CBE-A65F-47BA-AB82-B03953A3BBCF}" dt="2021-09-08T23:28:06.763" v="17" actId="478"/>
+          <ac:spMkLst>
+            <pc:docMk/>
+            <pc:sldMasterMk cId="0" sldId="2147483780"/>
+            <ac:spMk id="13" creationId="{00000000-0000-0000-0000-000000000000}"/>
+          </ac:spMkLst>
+        </pc:spChg>
+        <pc:spChg chg="del">
+          <ac:chgData name="Judson Santiago" userId="ebb108da2f256286" providerId="LiveId" clId="{0A713CBE-A65F-47BA-AB82-B03953A3BBCF}" dt="2021-09-08T23:28:08.453" v="19" actId="478"/>
+          <ac:spMkLst>
+            <pc:docMk/>
+            <pc:sldMasterMk cId="0" sldId="2147483780"/>
+            <ac:spMk id="14" creationId="{00000000-0000-0000-0000-000000000000}"/>
+          </ac:spMkLst>
+        </pc:spChg>
+        <pc:spChg chg="mod">
+          <ac:chgData name="Judson Santiago" userId="ebb108da2f256286" providerId="LiveId" clId="{0A713CBE-A65F-47BA-AB82-B03953A3BBCF}" dt="2021-09-02T04:10:40.425" v="0"/>
+          <ac:spMkLst>
+            <pc:docMk/>
+            <pc:sldMasterMk cId="0" sldId="2147483780"/>
+            <ac:spMk id="16" creationId="{234BF76B-2AA2-407E-B699-9A7C5165F292}"/>
+          </ac:spMkLst>
+        </pc:spChg>
+        <pc:spChg chg="add mod ord">
+          <ac:chgData name="Judson Santiago" userId="ebb108da2f256286" providerId="LiveId" clId="{0A713CBE-A65F-47BA-AB82-B03953A3BBCF}" dt="2021-09-08T23:28:13.933" v="21" actId="167"/>
+          <ac:spMkLst>
+            <pc:docMk/>
+            <pc:sldMasterMk cId="0" sldId="2147483780"/>
+            <ac:spMk id="17" creationId="{04C0221B-C179-44FD-8A25-C1908A862038}"/>
+          </ac:spMkLst>
+        </pc:spChg>
+        <pc:spChg chg="mod">
+          <ac:chgData name="Judson Santiago" userId="ebb108da2f256286" providerId="LiveId" clId="{0A713CBE-A65F-47BA-AB82-B03953A3BBCF}" dt="2021-09-08T23:28:10.333" v="20"/>
+          <ac:spMkLst>
+            <pc:docMk/>
+            <pc:sldMasterMk cId="0" sldId="2147483780"/>
+            <ac:spMk id="20" creationId="{5852EC93-9AE5-41FD-BA32-C1CE3A7C956E}"/>
+          </ac:spMkLst>
+        </pc:spChg>
+        <pc:spChg chg="mod">
+          <ac:chgData name="Judson Santiago" userId="ebb108da2f256286" providerId="LiveId" clId="{0A713CBE-A65F-47BA-AB82-B03953A3BBCF}" dt="2021-09-08T23:28:10.333" v="20"/>
+          <ac:spMkLst>
+            <pc:docMk/>
+            <pc:sldMasterMk cId="0" sldId="2147483780"/>
+            <ac:spMk id="21" creationId="{2B2D9EB0-1207-466F-81C8-8DBA570CCDE5}"/>
+          </ac:spMkLst>
+        </pc:spChg>
+        <pc:spChg chg="mod">
+          <ac:chgData name="Judson Santiago" userId="ebb108da2f256286" providerId="LiveId" clId="{0A713CBE-A65F-47BA-AB82-B03953A3BBCF}" dt="2021-09-08T23:28:10.333" v="20"/>
+          <ac:spMkLst>
+            <pc:docMk/>
+            <pc:sldMasterMk cId="0" sldId="2147483780"/>
+            <ac:spMk id="23" creationId="{79A440B7-532C-42DB-AC48-B69839E90C93}"/>
+          </ac:spMkLst>
+        </pc:spChg>
+        <pc:grpChg chg="add del mod">
+          <ac:chgData name="Judson Santiago" userId="ebb108da2f256286" providerId="LiveId" clId="{0A713CBE-A65F-47BA-AB82-B03953A3BBCF}" dt="2021-09-09T00:25:51.156" v="498" actId="21"/>
+          <ac:grpSpMkLst>
+            <pc:docMk/>
+            <pc:sldMasterMk cId="0" sldId="2147483780"/>
+            <ac:grpSpMk id="11" creationId="{1A926D99-ABB9-4932-A279-D6332550B141}"/>
+          </ac:grpSpMkLst>
+        </pc:grpChg>
+        <pc:grpChg chg="add mod ord">
+          <ac:chgData name="Judson Santiago" userId="ebb108da2f256286" providerId="LiveId" clId="{0A713CBE-A65F-47BA-AB82-B03953A3BBCF}" dt="2021-09-08T23:28:13.933" v="21" actId="167"/>
+          <ac:grpSpMkLst>
+            <pc:docMk/>
+            <pc:sldMasterMk cId="0" sldId="2147483780"/>
+            <ac:grpSpMk id="19" creationId="{0D853663-B78E-4361-9813-BE8DB648808B}"/>
+          </ac:grpSpMkLst>
+        </pc:grpChg>
+        <pc:picChg chg="mod">
+          <ac:chgData name="Judson Santiago" userId="ebb108da2f256286" providerId="LiveId" clId="{0A713CBE-A65F-47BA-AB82-B03953A3BBCF}" dt="2021-09-02T04:10:40.425" v="0"/>
+          <ac:picMkLst>
+            <pc:docMk/>
+            <pc:sldMasterMk cId="0" sldId="2147483780"/>
+            <ac:picMk id="15" creationId="{98651060-AEC5-4608-8F3E-A482F3A4630E}"/>
+          </ac:picMkLst>
+        </pc:picChg>
+        <pc:sldLayoutChg chg="addSp delSp modSp mod">
+          <pc:chgData name="Judson Santiago" userId="ebb108da2f256286" providerId="LiveId" clId="{0A713CBE-A65F-47BA-AB82-B03953A3BBCF}" dt="2021-09-08T23:27:48.223" v="16" actId="167"/>
+          <pc:sldLayoutMkLst>
+            <pc:docMk/>
+            <pc:sldMasterMk cId="0" sldId="2147483780"/>
+            <pc:sldLayoutMk cId="0" sldId="2147483781"/>
+          </pc:sldLayoutMkLst>
+          <pc:spChg chg="mod">
+            <ac:chgData name="Judson Santiago" userId="ebb108da2f256286" providerId="LiveId" clId="{0A713CBE-A65F-47BA-AB82-B03953A3BBCF}" dt="2021-09-08T23:27:43.663" v="15"/>
+            <ac:spMkLst>
+              <pc:docMk/>
+              <pc:sldMasterMk cId="0" sldId="2147483780"/>
+              <pc:sldLayoutMk cId="0" sldId="2147483781"/>
+              <ac:spMk id="10" creationId="{69E29949-1E21-413A-AE2A-CD647475F8C5}"/>
+            </ac:spMkLst>
+          </pc:spChg>
+          <pc:spChg chg="del">
+            <ac:chgData name="Judson Santiago" userId="ebb108da2f256286" providerId="LiveId" clId="{0A713CBE-A65F-47BA-AB82-B03953A3BBCF}" dt="2021-09-08T23:27:39.323" v="11" actId="478"/>
+            <ac:spMkLst>
+              <pc:docMk/>
+              <pc:sldMasterMk cId="0" sldId="2147483780"/>
+              <pc:sldLayoutMk cId="0" sldId="2147483781"/>
+              <ac:spMk id="12" creationId="{84D2A981-AC3E-4719-9D60-96214BF502D4}"/>
+            </ac:spMkLst>
+          </pc:spChg>
+          <pc:spChg chg="mod">
+            <ac:chgData name="Judson Santiago" userId="ebb108da2f256286" providerId="LiveId" clId="{0A713CBE-A65F-47BA-AB82-B03953A3BBCF}" dt="2021-09-08T23:27:43.663" v="15"/>
+            <ac:spMkLst>
+              <pc:docMk/>
+              <pc:sldMasterMk cId="0" sldId="2147483780"/>
+              <pc:sldLayoutMk cId="0" sldId="2147483781"/>
+              <ac:spMk id="13" creationId="{C3DE0712-9B0A-4947-840B-58404B764FA0}"/>
+            </ac:spMkLst>
+          </pc:spChg>
+          <pc:spChg chg="mod">
+            <ac:chgData name="Judson Santiago" userId="ebb108da2f256286" providerId="LiveId" clId="{0A713CBE-A65F-47BA-AB82-B03953A3BBCF}" dt="2021-09-08T23:27:43.663" v="15"/>
+            <ac:spMkLst>
+              <pc:docMk/>
+              <pc:sldMasterMk cId="0" sldId="2147483780"/>
+              <pc:sldLayoutMk cId="0" sldId="2147483781"/>
+              <ac:spMk id="14" creationId="{3E61FA7A-01FF-4444-A5B6-B24B99E92348}"/>
+            </ac:spMkLst>
+          </pc:spChg>
+          <pc:spChg chg="mod">
+            <ac:chgData name="Judson Santiago" userId="ebb108da2f256286" providerId="LiveId" clId="{0A713CBE-A65F-47BA-AB82-B03953A3BBCF}" dt="2021-09-08T23:27:43.663" v="15"/>
+            <ac:spMkLst>
+              <pc:docMk/>
+              <pc:sldMasterMk cId="0" sldId="2147483780"/>
+              <pc:sldLayoutMk cId="0" sldId="2147483781"/>
+              <ac:spMk id="15" creationId="{7CC8721D-6934-4F35-95C2-B1860B804D17}"/>
+            </ac:spMkLst>
+          </pc:spChg>
+          <pc:spChg chg="mod">
+            <ac:chgData name="Judson Santiago" userId="ebb108da2f256286" providerId="LiveId" clId="{0A713CBE-A65F-47BA-AB82-B03953A3BBCF}" dt="2021-09-08T23:27:43.663" v="15"/>
+            <ac:spMkLst>
+              <pc:docMk/>
+              <pc:sldMasterMk cId="0" sldId="2147483780"/>
+              <pc:sldLayoutMk cId="0" sldId="2147483781"/>
+              <ac:spMk id="17" creationId="{7395D5CB-12E9-4E7B-86BA-E5E61CF6D805}"/>
+            </ac:spMkLst>
+          </pc:spChg>
+          <pc:spChg chg="del">
+            <ac:chgData name="Judson Santiago" userId="ebb108da2f256286" providerId="LiveId" clId="{0A713CBE-A65F-47BA-AB82-B03953A3BBCF}" dt="2021-09-08T23:27:38.163" v="10" actId="478"/>
+            <ac:spMkLst>
+              <pc:docMk/>
+              <pc:sldMasterMk cId="0" sldId="2147483780"/>
+              <pc:sldLayoutMk cId="0" sldId="2147483781"/>
+              <ac:spMk id="18" creationId="{2D818131-5D26-4FAB-9315-1AEE9F0D3D58}"/>
+            </ac:spMkLst>
+          </pc:spChg>
+          <pc:spChg chg="mod">
+            <ac:chgData name="Judson Santiago" userId="ebb108da2f256286" providerId="LiveId" clId="{0A713CBE-A65F-47BA-AB82-B03953A3BBCF}" dt="2021-09-08T23:27:43.663" v="15"/>
+            <ac:spMkLst>
+              <pc:docMk/>
+              <pc:sldMasterMk cId="0" sldId="2147483780"/>
+              <pc:sldLayoutMk cId="0" sldId="2147483781"/>
+              <ac:spMk id="19" creationId="{8824D98E-06E0-4F12-BAB0-CFC7B72BB414}"/>
+            </ac:spMkLst>
+          </pc:spChg>
+          <pc:spChg chg="add mod ord">
+            <ac:chgData name="Judson Santiago" userId="ebb108da2f256286" providerId="LiveId" clId="{0A713CBE-A65F-47BA-AB82-B03953A3BBCF}" dt="2021-09-08T23:27:48.223" v="16" actId="167"/>
+            <ac:spMkLst>
+              <pc:docMk/>
+              <pc:sldMasterMk cId="0" sldId="2147483780"/>
+              <pc:sldLayoutMk cId="0" sldId="2147483781"/>
+              <ac:spMk id="20" creationId="{9C4A7600-B246-4BED-9C3B-0C6105D016D4}"/>
+            </ac:spMkLst>
+          </pc:spChg>
+          <pc:spChg chg="del mod">
+            <ac:chgData name="Judson Santiago" userId="ebb108da2f256286" providerId="LiveId" clId="{0A713CBE-A65F-47BA-AB82-B03953A3BBCF}" dt="2021-09-08T23:27:42.273" v="14" actId="478"/>
+            <ac:spMkLst>
+              <pc:docMk/>
+              <pc:sldMasterMk cId="0" sldId="2147483780"/>
+              <pc:sldLayoutMk cId="0" sldId="2147483781"/>
+              <ac:spMk id="21" creationId="{4A6D751A-3406-41A5-A420-74290837B80A}"/>
+            </ac:spMkLst>
+          </pc:spChg>
+          <pc:spChg chg="del">
+            <ac:chgData name="Judson Santiago" userId="ebb108da2f256286" providerId="LiveId" clId="{0A713CBE-A65F-47BA-AB82-B03953A3BBCF}" dt="2021-09-08T23:27:40.413" v="12" actId="478"/>
+            <ac:spMkLst>
+              <pc:docMk/>
+              <pc:sldMasterMk cId="0" sldId="2147483780"/>
+              <pc:sldLayoutMk cId="0" sldId="2147483781"/>
+              <ac:spMk id="22" creationId="{41FE9344-B91B-473D-8466-C5397BAF80D0}"/>
+            </ac:spMkLst>
+          </pc:spChg>
+          <pc:grpChg chg="add mod ord">
+            <ac:chgData name="Judson Santiago" userId="ebb108da2f256286" providerId="LiveId" clId="{0A713CBE-A65F-47BA-AB82-B03953A3BBCF}" dt="2021-09-08T23:27:48.223" v="16" actId="167"/>
+            <ac:grpSpMkLst>
+              <pc:docMk/>
+              <pc:sldMasterMk cId="0" sldId="2147483780"/>
+              <pc:sldLayoutMk cId="0" sldId="2147483781"/>
+              <ac:grpSpMk id="9" creationId="{AE235ADA-00DC-4DBF-A984-6A08D121A13A}"/>
+            </ac:grpSpMkLst>
+          </pc:grpChg>
+          <pc:grpChg chg="add mod ord">
+            <ac:chgData name="Judson Santiago" userId="ebb108da2f256286" providerId="LiveId" clId="{0A713CBE-A65F-47BA-AB82-B03953A3BBCF}" dt="2021-09-08T23:27:48.223" v="16" actId="167"/>
+            <ac:grpSpMkLst>
+              <pc:docMk/>
+              <pc:sldMasterMk cId="0" sldId="2147483780"/>
+              <pc:sldLayoutMk cId="0" sldId="2147483781"/>
+              <ac:grpSpMk id="16" creationId="{FC4553B6-C553-4D34-9A77-266A6481E78C}"/>
+            </ac:grpSpMkLst>
+          </pc:grpChg>
+        </pc:sldLayoutChg>
+        <pc:sldLayoutChg chg="del">
+          <pc:chgData name="Judson Santiago" userId="ebb108da2f256286" providerId="LiveId" clId="{0A713CBE-A65F-47BA-AB82-B03953A3BBCF}" dt="2021-09-08T23:27:32.473" v="9" actId="2696"/>
+          <pc:sldLayoutMkLst>
+            <pc:docMk/>
+            <pc:sldMasterMk cId="0" sldId="2147483780"/>
+            <pc:sldLayoutMk cId="0" sldId="2147483783"/>
+          </pc:sldLayoutMkLst>
+        </pc:sldLayoutChg>
+        <pc:sldLayoutChg chg="del">
+          <pc:chgData name="Judson Santiago" userId="ebb108da2f256286" providerId="LiveId" clId="{0A713CBE-A65F-47BA-AB82-B03953A3BBCF}" dt="2021-09-08T23:27:32.463" v="8" actId="2696"/>
+          <pc:sldLayoutMkLst>
+            <pc:docMk/>
+            <pc:sldMasterMk cId="0" sldId="2147483780"/>
+            <pc:sldLayoutMk cId="0" sldId="2147483784"/>
+          </pc:sldLayoutMkLst>
+        </pc:sldLayoutChg>
+        <pc:sldLayoutChg chg="del">
+          <pc:chgData name="Judson Santiago" userId="ebb108da2f256286" providerId="LiveId" clId="{0A713CBE-A65F-47BA-AB82-B03953A3BBCF}" dt="2021-09-08T23:27:32.454" v="7" actId="2696"/>
+          <pc:sldLayoutMkLst>
+            <pc:docMk/>
+            <pc:sldMasterMk cId="0" sldId="2147483780"/>
+            <pc:sldLayoutMk cId="0" sldId="2147483785"/>
+          </pc:sldLayoutMkLst>
+        </pc:sldLayoutChg>
+        <pc:sldLayoutChg chg="del">
+          <pc:chgData name="Judson Santiago" userId="ebb108da2f256286" providerId="LiveId" clId="{0A713CBE-A65F-47BA-AB82-B03953A3BBCF}" dt="2021-09-08T23:27:32.447" v="6" actId="2696"/>
+          <pc:sldLayoutMkLst>
+            <pc:docMk/>
+            <pc:sldMasterMk cId="0" sldId="2147483780"/>
+            <pc:sldLayoutMk cId="0" sldId="2147483786"/>
+          </pc:sldLayoutMkLst>
+        </pc:sldLayoutChg>
+        <pc:sldLayoutChg chg="del">
+          <pc:chgData name="Judson Santiago" userId="ebb108da2f256286" providerId="LiveId" clId="{0A713CBE-A65F-47BA-AB82-B03953A3BBCF}" dt="2021-09-08T23:27:32.433" v="5" actId="2696"/>
+          <pc:sldLayoutMkLst>
+            <pc:docMk/>
+            <pc:sldMasterMk cId="0" sldId="2147483780"/>
+            <pc:sldLayoutMk cId="0" sldId="2147483787"/>
+          </pc:sldLayoutMkLst>
+        </pc:sldLayoutChg>
+        <pc:sldLayoutChg chg="del">
+          <pc:chgData name="Judson Santiago" userId="ebb108da2f256286" providerId="LiveId" clId="{0A713CBE-A65F-47BA-AB82-B03953A3BBCF}" dt="2021-09-08T23:27:32.433" v="4" actId="2696"/>
+          <pc:sldLayoutMkLst>
+            <pc:docMk/>
+            <pc:sldMasterMk cId="0" sldId="2147483780"/>
+            <pc:sldLayoutMk cId="0" sldId="2147483788"/>
+          </pc:sldLayoutMkLst>
+        </pc:sldLayoutChg>
+        <pc:sldLayoutChg chg="del">
+          <pc:chgData name="Judson Santiago" userId="ebb108da2f256286" providerId="LiveId" clId="{0A713CBE-A65F-47BA-AB82-B03953A3BBCF}" dt="2021-09-08T23:27:32.428" v="3" actId="2696"/>
+          <pc:sldLayoutMkLst>
+            <pc:docMk/>
+            <pc:sldMasterMk cId="0" sldId="2147483780"/>
+            <pc:sldLayoutMk cId="0" sldId="2147483789"/>
+          </pc:sldLayoutMkLst>
+        </pc:sldLayoutChg>
+        <pc:sldLayoutChg chg="del">
+          <pc:chgData name="Judson Santiago" userId="ebb108da2f256286" providerId="LiveId" clId="{0A713CBE-A65F-47BA-AB82-B03953A3BBCF}" dt="2021-09-08T23:27:32.423" v="2" actId="2696"/>
+          <pc:sldLayoutMkLst>
+            <pc:docMk/>
+            <pc:sldMasterMk cId="0" sldId="2147483780"/>
+            <pc:sldLayoutMk cId="0" sldId="2147483790"/>
+          </pc:sldLayoutMkLst>
+        </pc:sldLayoutChg>
+        <pc:sldLayoutChg chg="del">
+          <pc:chgData name="Judson Santiago" userId="ebb108da2f256286" providerId="LiveId" clId="{0A713CBE-A65F-47BA-AB82-B03953A3BBCF}" dt="2021-09-08T23:27:32.413" v="1" actId="2696"/>
+          <pc:sldLayoutMkLst>
+            <pc:docMk/>
+            <pc:sldMasterMk cId="0" sldId="2147483780"/>
+            <pc:sldLayoutMk cId="0" sldId="2147483791"/>
+          </pc:sldLayoutMkLst>
+        </pc:sldLayoutChg>
+      </pc:sldMasterChg>
+    </pc:docChg>
+  </pc:docChgLst>
 </pc:chgInfo>
 </file>
 
@@ -492,7 +1067,7 @@
             <a:fld id="{4C457FC9-8E1D-4A40-BFF1-0E630693B1AB}" type="datetimeFigureOut">
               <a:rPr lang="pt-BR" smtClean="0"/>
               <a:pPr/>
-              <a:t>24/06/2019</a:t>
+              <a:t>08/09/2021</a:t>
             </a:fld>
             <a:endParaRPr lang="pt-BR"/>
           </a:p>
@@ -892,13 +1467,8 @@
             </a:r>
             <a:r>
               <a:rPr lang="pt-BR" dirty="0"/>
-              <a:t> </a:t>
-            </a:r>
-            <a:r>
-              <a:rPr lang="pt-BR"/>
-              <a:t>(Byte Format)</a:t>
-            </a:r>
-            <a:endParaRPr lang="pt-BR" dirty="0"/>
+              <a:t> (Byte Format)</a:t>
+            </a:r>
           </a:p>
         </p:txBody>
       </p:sp>
@@ -983,6 +1553,195 @@
           <a:bodyPr/>
           <a:lstStyle/>
           <a:p>
+            <a:r>
+              <a:rPr lang="pt-BR" dirty="0"/>
+              <a:t>Espaço fixo fica melhor com fontes que possuem letras de mesmo tamanho. Essas fontes são chamadas de </a:t>
+            </a:r>
+            <a:r>
+              <a:rPr lang="pt-BR" i="1" dirty="0" err="1"/>
+              <a:t>monospaced</a:t>
+            </a:r>
+            <a:r>
+              <a:rPr lang="pt-BR" i="1" dirty="0"/>
+              <a:t> </a:t>
+            </a:r>
+            <a:r>
+              <a:rPr lang="pt-BR" i="1" dirty="0" err="1"/>
+              <a:t>fonts</a:t>
+            </a:r>
+            <a:endParaRPr lang="pt-BR" i="1" dirty="0"/>
+          </a:p>
+        </p:txBody>
+      </p:sp>
+      <p:sp>
+        <p:nvSpPr>
+          <p:cNvPr id="4" name="Espaço Reservado para Número de Slide 3"/>
+          <p:cNvSpPr>
+            <a:spLocks noGrp="1"/>
+          </p:cNvSpPr>
+          <p:nvPr>
+            <p:ph type="sldNum" sz="quarter" idx="5"/>
+          </p:nvPr>
+        </p:nvSpPr>
+        <p:spPr/>
+        <p:txBody>
+          <a:bodyPr/>
+          <a:lstStyle/>
+          <a:p>
+            <a:fld id="{EF334A8D-C5BE-432D-90D0-92D67DD437AB}" type="slidenum">
+              <a:rPr lang="pt-BR" smtClean="0"/>
+              <a:pPr/>
+              <a:t>7</a:t>
+            </a:fld>
+            <a:endParaRPr lang="pt-BR"/>
+          </a:p>
+        </p:txBody>
+      </p:sp>
+    </p:spTree>
+    <p:extLst>
+      <p:ext uri="{BB962C8B-B14F-4D97-AF65-F5344CB8AC3E}">
+        <p14:creationId xmlns:p14="http://schemas.microsoft.com/office/powerpoint/2010/main" val="1733964942"/>
+      </p:ext>
+    </p:extLst>
+  </p:cSld>
+  <p:clrMapOvr>
+    <a:masterClrMapping/>
+  </p:clrMapOvr>
+</p:notes>
+</file>
+
+<file path=ppt/notesSlides/notesSlide3.xml><?xml version="1.0" encoding="utf-8"?>
+<p:notes xmlns:a="http://schemas.openxmlformats.org/drawingml/2006/main" xmlns:r="http://schemas.openxmlformats.org/officeDocument/2006/relationships" xmlns:p="http://schemas.openxmlformats.org/presentationml/2006/main">
+  <p:cSld>
+    <p:spTree>
+      <p:nvGrpSpPr>
+        <p:cNvPr id="1" name=""/>
+        <p:cNvGrpSpPr/>
+        <p:nvPr/>
+      </p:nvGrpSpPr>
+      <p:grpSpPr>
+        <a:xfrm>
+          <a:off x="0" y="0"/>
+          <a:ext cx="0" cy="0"/>
+          <a:chOff x="0" y="0"/>
+          <a:chExt cx="0" cy="0"/>
+        </a:xfrm>
+      </p:grpSpPr>
+      <p:sp>
+        <p:nvSpPr>
+          <p:cNvPr id="2" name="Espaço Reservado para Imagem de Slide 1"/>
+          <p:cNvSpPr>
+            <a:spLocks noGrp="1" noRot="1" noChangeAspect="1"/>
+          </p:cNvSpPr>
+          <p:nvPr>
+            <p:ph type="sldImg"/>
+          </p:nvPr>
+        </p:nvSpPr>
+        <p:spPr/>
+      </p:sp>
+      <p:sp>
+        <p:nvSpPr>
+          <p:cNvPr id="3" name="Espaço Reservado para Anotações 2"/>
+          <p:cNvSpPr>
+            <a:spLocks noGrp="1"/>
+          </p:cNvSpPr>
+          <p:nvPr>
+            <p:ph type="body" idx="1"/>
+          </p:nvPr>
+        </p:nvSpPr>
+        <p:spPr/>
+        <p:txBody>
+          <a:bodyPr/>
+          <a:lstStyle/>
+          <a:p>
+            <a:r>
+              <a:rPr lang="pt-BR" dirty="0"/>
+              <a:t>No compilador do Visual Studio o tipo char é por padrão um tipo com sinal, variando de -127 a 128.</a:t>
+            </a:r>
+          </a:p>
+        </p:txBody>
+      </p:sp>
+      <p:sp>
+        <p:nvSpPr>
+          <p:cNvPr id="4" name="Espaço Reservado para Número de Slide 3"/>
+          <p:cNvSpPr>
+            <a:spLocks noGrp="1"/>
+          </p:cNvSpPr>
+          <p:nvPr>
+            <p:ph type="sldNum" sz="quarter" idx="5"/>
+          </p:nvPr>
+        </p:nvSpPr>
+        <p:spPr/>
+        <p:txBody>
+          <a:bodyPr/>
+          <a:lstStyle/>
+          <a:p>
+            <a:fld id="{EF334A8D-C5BE-432D-90D0-92D67DD437AB}" type="slidenum">
+              <a:rPr lang="pt-BR" smtClean="0"/>
+              <a:pPr/>
+              <a:t>8</a:t>
+            </a:fld>
+            <a:endParaRPr lang="pt-BR"/>
+          </a:p>
+        </p:txBody>
+      </p:sp>
+    </p:spTree>
+    <p:extLst>
+      <p:ext uri="{BB962C8B-B14F-4D97-AF65-F5344CB8AC3E}">
+        <p14:creationId xmlns:p14="http://schemas.microsoft.com/office/powerpoint/2010/main" val="762508978"/>
+      </p:ext>
+    </p:extLst>
+  </p:cSld>
+  <p:clrMapOvr>
+    <a:masterClrMapping/>
+  </p:clrMapOvr>
+</p:notes>
+</file>
+
+<file path=ppt/notesSlides/notesSlide4.xml><?xml version="1.0" encoding="utf-8"?>
+<p:notes xmlns:a="http://schemas.openxmlformats.org/drawingml/2006/main" xmlns:r="http://schemas.openxmlformats.org/officeDocument/2006/relationships" xmlns:p="http://schemas.openxmlformats.org/presentationml/2006/main">
+  <p:cSld>
+    <p:spTree>
+      <p:nvGrpSpPr>
+        <p:cNvPr id="1" name=""/>
+        <p:cNvGrpSpPr/>
+        <p:nvPr/>
+      </p:nvGrpSpPr>
+      <p:grpSpPr>
+        <a:xfrm>
+          <a:off x="0" y="0"/>
+          <a:ext cx="0" cy="0"/>
+          <a:chOff x="0" y="0"/>
+          <a:chExt cx="0" cy="0"/>
+        </a:xfrm>
+      </p:grpSpPr>
+      <p:sp>
+        <p:nvSpPr>
+          <p:cNvPr id="2" name="Espaço Reservado para Imagem de Slide 1"/>
+          <p:cNvSpPr>
+            <a:spLocks noGrp="1" noRot="1" noChangeAspect="1"/>
+          </p:cNvSpPr>
+          <p:nvPr>
+            <p:ph type="sldImg"/>
+          </p:nvPr>
+        </p:nvSpPr>
+        <p:spPr/>
+      </p:sp>
+      <p:sp>
+        <p:nvSpPr>
+          <p:cNvPr id="3" name="Espaço Reservado para Anotações 2"/>
+          <p:cNvSpPr>
+            <a:spLocks noGrp="1"/>
+          </p:cNvSpPr>
+          <p:nvPr>
+            <p:ph type="body" idx="1"/>
+          </p:nvPr>
+        </p:nvSpPr>
+        <p:spPr/>
+        <p:txBody>
+          <a:bodyPr/>
+          <a:lstStyle/>
+          <a:p>
             <a:pPr marL="0" marR="0" lvl="0" indent="0" algn="l" defTabSz="914400" rtl="0" eaLnBrk="1" fontAlgn="auto" latinLnBrk="0" hangingPunct="1">
               <a:lnSpc>
                 <a:spcPct val="100000"/>
@@ -1112,6 +1871,646 @@
           <a:chExt cx="0" cy="0"/>
         </a:xfrm>
       </p:grpSpPr>
+      <p:grpSp>
+        <p:nvGrpSpPr>
+          <p:cNvPr id="9" name="Agrupar 8">
+            <a:extLst>
+              <a:ext uri="{FF2B5EF4-FFF2-40B4-BE49-F238E27FC236}">
+                <a16:creationId xmlns:a16="http://schemas.microsoft.com/office/drawing/2014/main" id="{AE235ADA-00DC-4DBF-A984-6A08D121A13A}"/>
+              </a:ext>
+            </a:extLst>
+          </p:cNvPr>
+          <p:cNvGrpSpPr/>
+          <p:nvPr userDrawn="1"/>
+        </p:nvGrpSpPr>
+        <p:grpSpPr>
+          <a:xfrm>
+            <a:off x="-2" y="5142592"/>
+            <a:ext cx="12192002" cy="1728726"/>
+            <a:chOff x="-2" y="5142592"/>
+            <a:chExt cx="12192002" cy="1728726"/>
+          </a:xfrm>
+        </p:grpSpPr>
+        <p:sp>
+          <p:nvSpPr>
+            <p:cNvPr id="10" name="Triângulo retângulo 13">
+              <a:extLst>
+                <a:ext uri="{FF2B5EF4-FFF2-40B4-BE49-F238E27FC236}">
+                  <a16:creationId xmlns:a16="http://schemas.microsoft.com/office/drawing/2014/main" id="{69E29949-1E21-413A-AE2A-CD647475F8C5}"/>
+                </a:ext>
+              </a:extLst>
+            </p:cNvPr>
+            <p:cNvSpPr>
+              <a:spLocks/>
+            </p:cNvSpPr>
+            <p:nvPr userDrawn="1"/>
+          </p:nvSpPr>
+          <p:spPr bwMode="auto">
+            <a:xfrm>
+              <a:off x="-2" y="5142592"/>
+              <a:ext cx="9192346" cy="1715408"/>
+            </a:xfrm>
+            <a:prstGeom prst="rtTriangle">
+              <a:avLst/>
+            </a:prstGeom>
+            <a:blipFill>
+              <a:blip r:embed="rId2">
+                <a:alphaModFix amt="50000"/>
+              </a:blip>
+              <a:tile tx="0" ty="0" sx="50000" sy="50000" flip="none" algn="t"/>
+            </a:blipFill>
+            <a:ln w="12700" cap="rnd" cmpd="thickThin" algn="ctr">
+              <a:noFill/>
+              <a:prstDash val="solid"/>
+            </a:ln>
+            <a:effectLst>
+              <a:fillOverlay blend="mult">
+                <a:gradFill flip="none" rotWithShape="1">
+                  <a:gsLst>
+                    <a:gs pos="0">
+                      <a:schemeClr val="accent1">
+                        <a:shade val="20000"/>
+                        <a:satMod val="176000"/>
+                        <a:alpha val="100000"/>
+                      </a:schemeClr>
+                    </a:gs>
+                    <a:gs pos="18000">
+                      <a:schemeClr val="accent1">
+                        <a:shade val="48000"/>
+                        <a:satMod val="153000"/>
+                        <a:alpha val="100000"/>
+                      </a:schemeClr>
+                    </a:gs>
+                    <a:gs pos="43000">
+                      <a:schemeClr val="accent1">
+                        <a:tint val="86000"/>
+                        <a:satMod val="149000"/>
+                        <a:alpha val="100000"/>
+                      </a:schemeClr>
+                    </a:gs>
+                    <a:gs pos="45000">
+                      <a:schemeClr val="accent1">
+                        <a:tint val="85000"/>
+                        <a:satMod val="150000"/>
+                        <a:alpha val="100000"/>
+                      </a:schemeClr>
+                    </a:gs>
+                    <a:gs pos="50000">
+                      <a:schemeClr val="accent1">
+                        <a:tint val="86000"/>
+                        <a:satMod val="149000"/>
+                        <a:alpha val="100000"/>
+                      </a:schemeClr>
+                    </a:gs>
+                    <a:gs pos="79000">
+                      <a:schemeClr val="accent1">
+                        <a:shade val="53000"/>
+                        <a:satMod val="150000"/>
+                        <a:alpha val="100000"/>
+                      </a:schemeClr>
+                    </a:gs>
+                    <a:gs pos="100000">
+                      <a:schemeClr val="accent1">
+                        <a:shade val="25000"/>
+                        <a:satMod val="170000"/>
+                        <a:alpha val="100000"/>
+                      </a:schemeClr>
+                    </a:gs>
+                  </a:gsLst>
+                  <a:lin ang="450000" scaled="1"/>
+                  <a:tileRect/>
+                </a:gradFill>
+              </a:fillOverlay>
+            </a:effectLst>
+          </p:spPr>
+          <p:style>
+            <a:lnRef idx="3">
+              <a:schemeClr val="lt1"/>
+            </a:lnRef>
+            <a:fillRef idx="1">
+              <a:schemeClr val="accent1"/>
+            </a:fillRef>
+            <a:effectRef idx="1">
+              <a:schemeClr val="accent1"/>
+            </a:effectRef>
+            <a:fontRef idx="minor">
+              <a:schemeClr val="lt1"/>
+            </a:fontRef>
+          </p:style>
+          <p:txBody>
+            <a:bodyPr vert="horz" wrap="square" lIns="91440" tIns="45720" rIns="91440" bIns="45720" anchor="ctr" compatLnSpc="1"/>
+            <a:lstStyle/>
+            <a:p>
+              <a:pPr algn="ctr" eaLnBrk="1" latinLnBrk="0" hangingPunct="1"/>
+              <a:endParaRPr kumimoji="0" lang="en-US" sz="1800" dirty="0"/>
+            </a:p>
+          </p:txBody>
+        </p:sp>
+        <p:sp>
+          <p:nvSpPr>
+            <p:cNvPr id="13" name="Forma livre 12">
+              <a:extLst>
+                <a:ext uri="{FF2B5EF4-FFF2-40B4-BE49-F238E27FC236}">
+                  <a16:creationId xmlns:a16="http://schemas.microsoft.com/office/drawing/2014/main" id="{C3DE0712-9B0A-4947-840B-58404B764FA0}"/>
+                </a:ext>
+              </a:extLst>
+            </p:cNvPr>
+            <p:cNvSpPr>
+              <a:spLocks/>
+            </p:cNvSpPr>
+            <p:nvPr userDrawn="1"/>
+          </p:nvSpPr>
+          <p:spPr bwMode="auto">
+            <a:xfrm>
+              <a:off x="-2" y="5186981"/>
+              <a:ext cx="12192002" cy="1671020"/>
+            </a:xfrm>
+            <a:custGeom>
+              <a:avLst>
+                <a:gd name="A1" fmla="val 0"/>
+                <a:gd name="A2" fmla="val 0"/>
+                <a:gd name="A3" fmla="val 0"/>
+                <a:gd name="A4" fmla="val 0"/>
+                <a:gd name="A5" fmla="val 0"/>
+                <a:gd name="A6" fmla="val 0"/>
+                <a:gd name="A7" fmla="val 0"/>
+                <a:gd name="A8" fmla="val 0"/>
+              </a:avLst>
+              <a:gdLst/>
+              <a:ahLst/>
+              <a:cxnLst>
+                <a:cxn ang="0">
+                  <a:pos x="0" y="0"/>
+                </a:cxn>
+                <a:cxn ang="0">
+                  <a:pos x="5760" y="0"/>
+                </a:cxn>
+                <a:cxn ang="0">
+                  <a:pos x="5760" y="528"/>
+                </a:cxn>
+                <a:cxn ang="0">
+                  <a:pos x="48" y="0"/>
+                </a:cxn>
+              </a:cxnLst>
+              <a:rect l="0" t="0" r="0" b="0"/>
+              <a:pathLst>
+                <a:path w="7485" h="337">
+                  <a:moveTo>
+                    <a:pt x="0" y="2"/>
+                  </a:moveTo>
+                  <a:lnTo>
+                    <a:pt x="7485" y="337"/>
+                  </a:lnTo>
+                  <a:lnTo>
+                    <a:pt x="5558" y="337"/>
+                  </a:lnTo>
+                  <a:lnTo>
+                    <a:pt x="1" y="0"/>
+                  </a:lnTo>
+                </a:path>
+              </a:pathLst>
+            </a:custGeom>
+            <a:solidFill>
+              <a:schemeClr val="accent1">
+                <a:tint val="65000"/>
+                <a:satMod val="115000"/>
+                <a:alpha val="40000"/>
+              </a:schemeClr>
+            </a:solidFill>
+            <a:ln w="9525" cap="flat" cmpd="sng" algn="ctr">
+              <a:noFill/>
+              <a:prstDash val="solid"/>
+              <a:round/>
+              <a:headEnd type="none" w="med" len="med"/>
+              <a:tailEnd type="none" w="med" len="med"/>
+            </a:ln>
+            <a:effectLst/>
+          </p:spPr>
+          <p:txBody>
+            <a:bodyPr vert="horz" wrap="square" lIns="91440" tIns="45720" rIns="91440" bIns="45720" anchor="t" compatLnSpc="1"/>
+            <a:lstStyle/>
+            <a:p>
+              <a:endParaRPr kumimoji="0" lang="en-US" sz="1800"/>
+            </a:p>
+          </p:txBody>
+        </p:sp>
+        <p:sp>
+          <p:nvSpPr>
+            <p:cNvPr id="14" name="TextBox 20">
+              <a:extLst>
+                <a:ext uri="{FF2B5EF4-FFF2-40B4-BE49-F238E27FC236}">
+                  <a16:creationId xmlns:a16="http://schemas.microsoft.com/office/drawing/2014/main" id="{3E61FA7A-01FF-4444-A5B6-B24B99E92348}"/>
+                </a:ext>
+              </a:extLst>
+            </p:cNvPr>
+            <p:cNvSpPr txBox="1"/>
+            <p:nvPr userDrawn="1"/>
+          </p:nvSpPr>
+          <p:spPr>
+            <a:xfrm>
+              <a:off x="983432" y="6274667"/>
+              <a:ext cx="2877344" cy="369332"/>
+            </a:xfrm>
+            <a:prstGeom prst="rect">
+              <a:avLst/>
+            </a:prstGeom>
+            <a:noFill/>
+          </p:spPr>
+          <p:txBody>
+            <a:bodyPr wrap="square" rtlCol="0">
+              <a:spAutoFit/>
+            </a:bodyPr>
+            <a:lstStyle/>
+            <a:p>
+              <a:pPr algn="r"/>
+              <a:r>
+                <a:rPr lang="pt-BR" sz="1800" b="1" dirty="0">
+                  <a:solidFill>
+                    <a:schemeClr val="tx1"/>
+                  </a:solidFill>
+                </a:rPr>
+                <a:t>Judson</a:t>
+              </a:r>
+              <a:r>
+                <a:rPr lang="pt-BR" sz="1800" b="1" baseline="0" dirty="0">
+                  <a:solidFill>
+                    <a:schemeClr val="tx1"/>
+                  </a:solidFill>
+                </a:rPr>
+                <a:t> Santos Santiago</a:t>
+              </a:r>
+              <a:endParaRPr lang="pt-BR" sz="1800" b="1" dirty="0">
+                <a:solidFill>
+                  <a:schemeClr val="tx1"/>
+                </a:solidFill>
+              </a:endParaRPr>
+            </a:p>
+          </p:txBody>
+        </p:sp>
+        <p:sp>
+          <p:nvSpPr>
+            <p:cNvPr id="15" name="Forma livre 11">
+              <a:extLst>
+                <a:ext uri="{FF2B5EF4-FFF2-40B4-BE49-F238E27FC236}">
+                  <a16:creationId xmlns:a16="http://schemas.microsoft.com/office/drawing/2014/main" id="{7CC8721D-6934-4F35-95C2-B1860B804D17}"/>
+                </a:ext>
+              </a:extLst>
+            </p:cNvPr>
+            <p:cNvSpPr>
+              <a:spLocks/>
+            </p:cNvSpPr>
+            <p:nvPr userDrawn="1"/>
+          </p:nvSpPr>
+          <p:spPr bwMode="auto">
+            <a:xfrm>
+              <a:off x="-2" y="5142592"/>
+              <a:ext cx="9408370" cy="1728726"/>
+            </a:xfrm>
+            <a:custGeom>
+              <a:avLst>
+                <a:gd name="A1" fmla="val 0"/>
+                <a:gd name="A2" fmla="val 0"/>
+                <a:gd name="A3" fmla="val 0"/>
+                <a:gd name="A4" fmla="val 0"/>
+                <a:gd name="A5" fmla="val 0"/>
+                <a:gd name="A6" fmla="val 0"/>
+                <a:gd name="A7" fmla="val 0"/>
+                <a:gd name="A8" fmla="val 0"/>
+              </a:avLst>
+              <a:gdLst/>
+              <a:ahLst/>
+              <a:cxnLst>
+                <a:cxn ang="0">
+                  <a:pos x="0" y="0"/>
+                </a:cxn>
+                <a:cxn ang="0">
+                  <a:pos x="5760" y="0"/>
+                </a:cxn>
+                <a:cxn ang="0">
+                  <a:pos x="5760" y="528"/>
+                </a:cxn>
+                <a:cxn ang="0">
+                  <a:pos x="48" y="0"/>
+                </a:cxn>
+              </a:cxnLst>
+              <a:rect l="0" t="0" r="0" b="0"/>
+              <a:pathLst>
+                <a:path w="5591" h="588">
+                  <a:moveTo>
+                    <a:pt x="0" y="0"/>
+                  </a:moveTo>
+                  <a:lnTo>
+                    <a:pt x="5591" y="585"/>
+                  </a:lnTo>
+                  <a:lnTo>
+                    <a:pt x="4415" y="588"/>
+                  </a:lnTo>
+                  <a:lnTo>
+                    <a:pt x="12" y="4"/>
+                  </a:lnTo>
+                </a:path>
+              </a:pathLst>
+            </a:custGeom>
+            <a:solidFill>
+              <a:srgbClr val="000000">
+                <a:alpha val="100000"/>
+              </a:srgbClr>
+            </a:solidFill>
+            <a:ln w="9525" cap="flat" cmpd="sng" algn="ctr">
+              <a:noFill/>
+              <a:prstDash val="solid"/>
+              <a:round/>
+              <a:headEnd type="none" w="med" len="med"/>
+              <a:tailEnd type="none" w="med" len="med"/>
+            </a:ln>
+            <a:effectLst/>
+          </p:spPr>
+          <p:txBody>
+            <a:bodyPr vert="horz" wrap="square" lIns="91440" tIns="45720" rIns="91440" bIns="45720" anchor="t" compatLnSpc="1"/>
+            <a:lstStyle/>
+            <a:p>
+              <a:endParaRPr kumimoji="0" lang="en-US" sz="1800"/>
+            </a:p>
+          </p:txBody>
+        </p:sp>
+      </p:grpSp>
+      <p:grpSp>
+        <p:nvGrpSpPr>
+          <p:cNvPr id="16" name="Agrupar 15">
+            <a:extLst>
+              <a:ext uri="{FF2B5EF4-FFF2-40B4-BE49-F238E27FC236}">
+                <a16:creationId xmlns:a16="http://schemas.microsoft.com/office/drawing/2014/main" id="{FC4553B6-C553-4D34-9A77-266A6481E78C}"/>
+              </a:ext>
+            </a:extLst>
+          </p:cNvPr>
+          <p:cNvGrpSpPr/>
+          <p:nvPr userDrawn="1"/>
+        </p:nvGrpSpPr>
+        <p:grpSpPr>
+          <a:xfrm>
+            <a:off x="-2" y="-5"/>
+            <a:ext cx="12192002" cy="892457"/>
+            <a:chOff x="-2" y="-5"/>
+            <a:chExt cx="12192002" cy="892457"/>
+          </a:xfrm>
+        </p:grpSpPr>
+        <p:sp>
+          <p:nvSpPr>
+            <p:cNvPr id="17" name="Triângulo retângulo 13">
+              <a:extLst>
+                <a:ext uri="{FF2B5EF4-FFF2-40B4-BE49-F238E27FC236}">
+                  <a16:creationId xmlns:a16="http://schemas.microsoft.com/office/drawing/2014/main" id="{7395D5CB-12E9-4E7B-86BA-E5E61CF6D805}"/>
+                </a:ext>
+              </a:extLst>
+            </p:cNvPr>
+            <p:cNvSpPr>
+              <a:spLocks/>
+            </p:cNvSpPr>
+            <p:nvPr userDrawn="1"/>
+          </p:nvSpPr>
+          <p:spPr bwMode="auto">
+            <a:xfrm rot="10800000" flipH="1">
+              <a:off x="0" y="-5"/>
+              <a:ext cx="6600056" cy="836713"/>
+            </a:xfrm>
+            <a:prstGeom prst="rtTriangle">
+              <a:avLst/>
+            </a:prstGeom>
+            <a:blipFill>
+              <a:blip r:embed="rId2">
+                <a:alphaModFix amt="50000"/>
+              </a:blip>
+              <a:tile tx="0" ty="0" sx="50000" sy="50000" flip="none" algn="t"/>
+            </a:blipFill>
+            <a:ln w="12700" cap="rnd" cmpd="thickThin" algn="ctr">
+              <a:noFill/>
+              <a:prstDash val="solid"/>
+            </a:ln>
+            <a:effectLst>
+              <a:fillOverlay blend="mult">
+                <a:gradFill flip="none" rotWithShape="1">
+                  <a:gsLst>
+                    <a:gs pos="0">
+                      <a:schemeClr val="accent1">
+                        <a:shade val="20000"/>
+                        <a:satMod val="176000"/>
+                        <a:alpha val="100000"/>
+                      </a:schemeClr>
+                    </a:gs>
+                    <a:gs pos="18000">
+                      <a:schemeClr val="accent1">
+                        <a:shade val="48000"/>
+                        <a:satMod val="153000"/>
+                        <a:alpha val="100000"/>
+                      </a:schemeClr>
+                    </a:gs>
+                    <a:gs pos="43000">
+                      <a:schemeClr val="accent1">
+                        <a:tint val="86000"/>
+                        <a:satMod val="149000"/>
+                        <a:alpha val="100000"/>
+                      </a:schemeClr>
+                    </a:gs>
+                    <a:gs pos="45000">
+                      <a:schemeClr val="accent1">
+                        <a:tint val="85000"/>
+                        <a:satMod val="150000"/>
+                        <a:alpha val="100000"/>
+                      </a:schemeClr>
+                    </a:gs>
+                    <a:gs pos="50000">
+                      <a:schemeClr val="accent1">
+                        <a:tint val="86000"/>
+                        <a:satMod val="149000"/>
+                        <a:alpha val="100000"/>
+                      </a:schemeClr>
+                    </a:gs>
+                    <a:gs pos="79000">
+                      <a:schemeClr val="accent1">
+                        <a:shade val="53000"/>
+                        <a:satMod val="150000"/>
+                        <a:alpha val="100000"/>
+                      </a:schemeClr>
+                    </a:gs>
+                    <a:gs pos="100000">
+                      <a:schemeClr val="accent1">
+                        <a:shade val="25000"/>
+                        <a:satMod val="170000"/>
+                        <a:alpha val="100000"/>
+                      </a:schemeClr>
+                    </a:gs>
+                  </a:gsLst>
+                  <a:lin ang="450000" scaled="1"/>
+                  <a:tileRect/>
+                </a:gradFill>
+              </a:fillOverlay>
+            </a:effectLst>
+          </p:spPr>
+          <p:style>
+            <a:lnRef idx="3">
+              <a:schemeClr val="lt1"/>
+            </a:lnRef>
+            <a:fillRef idx="1">
+              <a:schemeClr val="accent1"/>
+            </a:fillRef>
+            <a:effectRef idx="1">
+              <a:schemeClr val="accent1"/>
+            </a:effectRef>
+            <a:fontRef idx="minor">
+              <a:schemeClr val="lt1"/>
+            </a:fontRef>
+          </p:style>
+          <p:txBody>
+            <a:bodyPr vert="horz" wrap="square" lIns="91440" tIns="45720" rIns="91440" bIns="45720" anchor="ctr" compatLnSpc="1"/>
+            <a:lstStyle/>
+            <a:p>
+              <a:pPr algn="ctr" eaLnBrk="1" latinLnBrk="0" hangingPunct="1"/>
+              <a:endParaRPr kumimoji="0" lang="en-US" sz="1800"/>
+            </a:p>
+          </p:txBody>
+        </p:sp>
+        <p:sp>
+          <p:nvSpPr>
+            <p:cNvPr id="19" name="Forma livre 12">
+              <a:extLst>
+                <a:ext uri="{FF2B5EF4-FFF2-40B4-BE49-F238E27FC236}">
+                  <a16:creationId xmlns:a16="http://schemas.microsoft.com/office/drawing/2014/main" id="{8824D98E-06E0-4F12-BAB0-CFC7B72BB414}"/>
+                </a:ext>
+              </a:extLst>
+            </p:cNvPr>
+            <p:cNvSpPr>
+              <a:spLocks/>
+            </p:cNvSpPr>
+            <p:nvPr userDrawn="1"/>
+          </p:nvSpPr>
+          <p:spPr bwMode="auto">
+            <a:xfrm flipV="1">
+              <a:off x="-2" y="0"/>
+              <a:ext cx="12192002" cy="892452"/>
+            </a:xfrm>
+            <a:custGeom>
+              <a:avLst>
+                <a:gd name="A1" fmla="val 0"/>
+                <a:gd name="A2" fmla="val 0"/>
+                <a:gd name="A3" fmla="val 0"/>
+                <a:gd name="A4" fmla="val 0"/>
+                <a:gd name="A5" fmla="val 0"/>
+                <a:gd name="A6" fmla="val 0"/>
+                <a:gd name="A7" fmla="val 0"/>
+                <a:gd name="A8" fmla="val 0"/>
+              </a:avLst>
+              <a:gdLst/>
+              <a:ahLst/>
+              <a:cxnLst>
+                <a:cxn ang="0">
+                  <a:pos x="0" y="0"/>
+                </a:cxn>
+                <a:cxn ang="0">
+                  <a:pos x="5760" y="0"/>
+                </a:cxn>
+                <a:cxn ang="0">
+                  <a:pos x="5760" y="528"/>
+                </a:cxn>
+                <a:cxn ang="0">
+                  <a:pos x="48" y="0"/>
+                </a:cxn>
+              </a:cxnLst>
+              <a:rect l="0" t="0" r="0" b="0"/>
+              <a:pathLst>
+                <a:path w="7485" h="337">
+                  <a:moveTo>
+                    <a:pt x="0" y="2"/>
+                  </a:moveTo>
+                  <a:lnTo>
+                    <a:pt x="7485" y="337"/>
+                  </a:lnTo>
+                  <a:lnTo>
+                    <a:pt x="5558" y="337"/>
+                  </a:lnTo>
+                  <a:lnTo>
+                    <a:pt x="1" y="0"/>
+                  </a:lnTo>
+                </a:path>
+              </a:pathLst>
+            </a:custGeom>
+            <a:solidFill>
+              <a:schemeClr val="accent1">
+                <a:tint val="65000"/>
+                <a:satMod val="115000"/>
+                <a:alpha val="40000"/>
+              </a:schemeClr>
+            </a:solidFill>
+            <a:ln w="9525" cap="flat" cmpd="sng" algn="ctr">
+              <a:noFill/>
+              <a:prstDash val="solid"/>
+              <a:round/>
+              <a:headEnd type="none" w="med" len="med"/>
+              <a:tailEnd type="none" w="med" len="med"/>
+            </a:ln>
+            <a:effectLst/>
+          </p:spPr>
+          <p:txBody>
+            <a:bodyPr vert="horz" wrap="square" lIns="91440" tIns="45720" rIns="91440" bIns="45720" anchor="t" compatLnSpc="1"/>
+            <a:lstStyle/>
+            <a:p>
+              <a:endParaRPr kumimoji="0" lang="en-US" sz="1800"/>
+            </a:p>
+          </p:txBody>
+        </p:sp>
+      </p:grpSp>
+      <p:sp>
+        <p:nvSpPr>
+          <p:cNvPr id="20" name="TextBox 20">
+            <a:extLst>
+              <a:ext uri="{FF2B5EF4-FFF2-40B4-BE49-F238E27FC236}">
+                <a16:creationId xmlns:a16="http://schemas.microsoft.com/office/drawing/2014/main" id="{9C4A7600-B246-4BED-9C3B-0C6105D016D4}"/>
+              </a:ext>
+            </a:extLst>
+          </p:cNvPr>
+          <p:cNvSpPr txBox="1"/>
+          <p:nvPr userDrawn="1"/>
+        </p:nvSpPr>
+        <p:spPr>
+          <a:xfrm>
+            <a:off x="983432" y="6274667"/>
+            <a:ext cx="2877344" cy="369332"/>
+          </a:xfrm>
+          <a:prstGeom prst="rect">
+            <a:avLst/>
+          </a:prstGeom>
+          <a:noFill/>
+        </p:spPr>
+        <p:txBody>
+          <a:bodyPr wrap="square" rtlCol="0">
+            <a:spAutoFit/>
+          </a:bodyPr>
+          <a:lstStyle/>
+          <a:p>
+            <a:pPr algn="r"/>
+            <a:r>
+              <a:rPr lang="pt-BR" sz="1800" dirty="0">
+                <a:solidFill>
+                  <a:schemeClr val="tx1"/>
+                </a:solidFill>
+              </a:rPr>
+              <a:t>Judson</a:t>
+            </a:r>
+            <a:r>
+              <a:rPr lang="pt-BR" sz="1800" baseline="0" dirty="0">
+                <a:solidFill>
+                  <a:schemeClr val="tx1"/>
+                </a:solidFill>
+              </a:rPr>
+              <a:t> Santos Santiago</a:t>
+            </a:r>
+            <a:endParaRPr lang="pt-BR" sz="1800" dirty="0">
+              <a:solidFill>
+                <a:schemeClr val="tx1"/>
+              </a:solidFill>
+            </a:endParaRPr>
+          </a:p>
+        </p:txBody>
+      </p:sp>
       <p:sp>
         <p:nvSpPr>
           <p:cNvPr id="11" name="Triângulo retângulo 9">
@@ -1190,10 +2589,406 @@
       </p:sp>
       <p:sp>
         <p:nvSpPr>
-          <p:cNvPr id="12" name="Forma livre 12">
+          <p:cNvPr id="23" name="Título 8">
             <a:extLst>
               <a:ext uri="{FF2B5EF4-FFF2-40B4-BE49-F238E27FC236}">
-                <a16:creationId xmlns:a16="http://schemas.microsoft.com/office/drawing/2014/main" id="{84D2A981-AC3E-4719-9D60-96214BF502D4}"/>
+                <a16:creationId xmlns:a16="http://schemas.microsoft.com/office/drawing/2014/main" id="{C2AB7199-A5CC-4915-9C26-80ED4794594A}"/>
+              </a:ext>
+            </a:extLst>
+          </p:cNvPr>
+          <p:cNvSpPr>
+            <a:spLocks noGrp="1"/>
+          </p:cNvSpPr>
+          <p:nvPr>
+            <p:ph type="ctrTitle"/>
+          </p:nvPr>
+        </p:nvSpPr>
+        <p:spPr>
+          <a:xfrm>
+            <a:off x="914400" y="1752602"/>
+            <a:ext cx="10363200" cy="1829761"/>
+          </a:xfrm>
+        </p:spPr>
+        <p:txBody>
+          <a:bodyPr vert="horz" anchor="b">
+            <a:normAutofit/>
+            <a:scene3d>
+              <a:camera prst="orthographicFront"/>
+              <a:lightRig rig="soft" dir="t"/>
+            </a:scene3d>
+            <a:sp3d prstMaterial="softEdge">
+              <a:bevelT w="25400" h="25400"/>
+            </a:sp3d>
+          </a:bodyPr>
+          <a:lstStyle>
+            <a:lvl1pPr algn="l">
+              <a:defRPr sz="4800" b="1">
+                <a:solidFill>
+                  <a:schemeClr val="tx2">
+                    <a:lumMod val="40000"/>
+                    <a:lumOff val="60000"/>
+                  </a:schemeClr>
+                </a:solidFill>
+                <a:effectLst>
+                  <a:outerShdw blurRad="31750" dist="25400" dir="5400000" algn="tl" rotWithShape="0">
+                    <a:srgbClr val="000000">
+                      <a:alpha val="25000"/>
+                    </a:srgbClr>
+                  </a:outerShdw>
+                </a:effectLst>
+              </a:defRPr>
+            </a:lvl1pPr>
+            <a:extLst/>
+          </a:lstStyle>
+          <a:p>
+            <a:r>
+              <a:rPr kumimoji="0" lang="pt-BR" dirty="0"/>
+              <a:t>Clique para editar o título mestre</a:t>
+            </a:r>
+            <a:endParaRPr kumimoji="0" lang="en-US" dirty="0"/>
+          </a:p>
+        </p:txBody>
+      </p:sp>
+      <p:sp>
+        <p:nvSpPr>
+          <p:cNvPr id="24" name="Subtítulo 16">
+            <a:extLst>
+              <a:ext uri="{FF2B5EF4-FFF2-40B4-BE49-F238E27FC236}">
+                <a16:creationId xmlns:a16="http://schemas.microsoft.com/office/drawing/2014/main" id="{9AE06EAE-F58B-475D-9A04-215995C0DB24}"/>
+              </a:ext>
+            </a:extLst>
+          </p:cNvPr>
+          <p:cNvSpPr>
+            <a:spLocks noGrp="1"/>
+          </p:cNvSpPr>
+          <p:nvPr>
+            <p:ph type="subTitle" idx="1" hasCustomPrompt="1"/>
+          </p:nvPr>
+        </p:nvSpPr>
+        <p:spPr>
+          <a:xfrm>
+            <a:off x="914400" y="3611607"/>
+            <a:ext cx="10363200" cy="1199704"/>
+          </a:xfrm>
+        </p:spPr>
+        <p:txBody>
+          <a:bodyPr lIns="108000" tIns="72000" rIns="108000" bIns="72000"/>
+          <a:lstStyle>
+            <a:lvl1pPr marL="0" marR="64008" indent="0" algn="l">
+              <a:buNone/>
+              <a:defRPr>
+                <a:solidFill>
+                  <a:schemeClr val="tx2">
+                    <a:lumMod val="75000"/>
+                  </a:schemeClr>
+                </a:solidFill>
+              </a:defRPr>
+            </a:lvl1pPr>
+            <a:lvl2pPr marL="457200" indent="0" algn="ctr">
+              <a:buNone/>
+            </a:lvl2pPr>
+            <a:lvl3pPr marL="914400" indent="0" algn="ctr">
+              <a:buNone/>
+            </a:lvl3pPr>
+            <a:lvl4pPr marL="1371600" indent="0" algn="ctr">
+              <a:buNone/>
+            </a:lvl4pPr>
+            <a:lvl5pPr marL="1828800" indent="0" algn="ctr">
+              <a:buNone/>
+            </a:lvl5pPr>
+            <a:lvl6pPr marL="2286000" indent="0" algn="ctr">
+              <a:buNone/>
+            </a:lvl6pPr>
+            <a:lvl7pPr marL="2743200" indent="0" algn="ctr">
+              <a:buNone/>
+            </a:lvl7pPr>
+            <a:lvl8pPr marL="3200400" indent="0" algn="ctr">
+              <a:buNone/>
+            </a:lvl8pPr>
+            <a:lvl9pPr marL="3657600" indent="0" algn="ctr">
+              <a:buNone/>
+            </a:lvl9pPr>
+            <a:extLst/>
+          </a:lstStyle>
+          <a:p>
+            <a:r>
+              <a:rPr kumimoji="0" lang="pt-BR" dirty="0"/>
+              <a:t>Clique para editar o estilo do subtítulo mestre</a:t>
+            </a:r>
+            <a:endParaRPr kumimoji="0" lang="en-US" dirty="0"/>
+          </a:p>
+        </p:txBody>
+      </p:sp>
+    </p:spTree>
+  </p:cSld>
+  <p:clrMapOvr>
+    <a:masterClrMapping/>
+  </p:clrMapOvr>
+</p:sldLayout>
+</file>
+
+<file path=ppt/slideLayouts/slideLayout2.xml><?xml version="1.0" encoding="utf-8"?>
+<p:sldLayout xmlns:a="http://schemas.openxmlformats.org/drawingml/2006/main" xmlns:r="http://schemas.openxmlformats.org/officeDocument/2006/relationships" xmlns:p="http://schemas.openxmlformats.org/presentationml/2006/main" type="obj" preserve="1">
+  <p:cSld name="Título e conteúdo">
+    <p:spTree>
+      <p:nvGrpSpPr>
+        <p:cNvPr id="1" name=""/>
+        <p:cNvGrpSpPr/>
+        <p:nvPr/>
+      </p:nvGrpSpPr>
+      <p:grpSpPr>
+        <a:xfrm>
+          <a:off x="0" y="0"/>
+          <a:ext cx="0" cy="0"/>
+          <a:chOff x="0" y="0"/>
+          <a:chExt cx="0" cy="0"/>
+        </a:xfrm>
+      </p:grpSpPr>
+      <p:sp>
+        <p:nvSpPr>
+          <p:cNvPr id="3" name="Espaço Reservado para Conteúdo 2"/>
+          <p:cNvSpPr>
+            <a:spLocks noGrp="1"/>
+          </p:cNvSpPr>
+          <p:nvPr>
+            <p:ph idx="1"/>
+          </p:nvPr>
+        </p:nvSpPr>
+        <p:spPr/>
+        <p:txBody>
+          <a:bodyPr/>
+          <a:lstStyle>
+            <a:lvl1pPr>
+              <a:defRPr>
+                <a:solidFill>
+                  <a:schemeClr val="tx2">
+                    <a:lumMod val="60000"/>
+                    <a:lumOff val="40000"/>
+                  </a:schemeClr>
+                </a:solidFill>
+              </a:defRPr>
+            </a:lvl1pPr>
+            <a:lvl2pPr>
+              <a:defRPr>
+                <a:solidFill>
+                  <a:schemeClr val="tx2">
+                    <a:lumMod val="60000"/>
+                    <a:lumOff val="40000"/>
+                  </a:schemeClr>
+                </a:solidFill>
+              </a:defRPr>
+            </a:lvl2pPr>
+            <a:lvl3pPr>
+              <a:defRPr>
+                <a:solidFill>
+                  <a:schemeClr val="tx2">
+                    <a:lumMod val="60000"/>
+                    <a:lumOff val="40000"/>
+                  </a:schemeClr>
+                </a:solidFill>
+              </a:defRPr>
+            </a:lvl3pPr>
+            <a:lvl4pPr>
+              <a:defRPr>
+                <a:solidFill>
+                  <a:schemeClr val="tx2">
+                    <a:lumMod val="60000"/>
+                    <a:lumOff val="40000"/>
+                  </a:schemeClr>
+                </a:solidFill>
+              </a:defRPr>
+            </a:lvl4pPr>
+            <a:lvl5pPr>
+              <a:defRPr>
+                <a:solidFill>
+                  <a:schemeClr val="tx2">
+                    <a:lumMod val="60000"/>
+                    <a:lumOff val="40000"/>
+                  </a:schemeClr>
+                </a:solidFill>
+              </a:defRPr>
+            </a:lvl5pPr>
+            <a:extLst/>
+          </a:lstStyle>
+          <a:p>
+            <a:pPr lvl="0" eaLnBrk="1" latinLnBrk="0" hangingPunct="1"/>
+            <a:r>
+              <a:rPr lang="pt-BR" dirty="0"/>
+              <a:t>Clique para editar o texto mestre</a:t>
+            </a:r>
+          </a:p>
+          <a:p>
+            <a:pPr lvl="1" eaLnBrk="1" latinLnBrk="0" hangingPunct="1"/>
+            <a:r>
+              <a:rPr lang="pt-BR" dirty="0"/>
+              <a:t>Segundo nível</a:t>
+            </a:r>
+          </a:p>
+          <a:p>
+            <a:pPr lvl="2" eaLnBrk="1" latinLnBrk="0" hangingPunct="1"/>
+            <a:r>
+              <a:rPr lang="pt-BR" dirty="0"/>
+              <a:t>Terceiro nível</a:t>
+            </a:r>
+          </a:p>
+          <a:p>
+            <a:pPr lvl="3" eaLnBrk="1" latinLnBrk="0" hangingPunct="1"/>
+            <a:r>
+              <a:rPr lang="pt-BR" dirty="0"/>
+              <a:t>Quarto nível</a:t>
+            </a:r>
+          </a:p>
+          <a:p>
+            <a:pPr lvl="4" eaLnBrk="1" latinLnBrk="0" hangingPunct="1"/>
+            <a:r>
+              <a:rPr lang="pt-BR" dirty="0"/>
+              <a:t>Quinto nível</a:t>
+            </a:r>
+            <a:endParaRPr kumimoji="0" lang="en-US" dirty="0"/>
+          </a:p>
+        </p:txBody>
+      </p:sp>
+      <p:sp>
+        <p:nvSpPr>
+          <p:cNvPr id="4" name="Espaço Reservado para Data 3"/>
+          <p:cNvSpPr>
+            <a:spLocks noGrp="1"/>
+          </p:cNvSpPr>
+          <p:nvPr>
+            <p:ph type="dt" sz="half" idx="10"/>
+          </p:nvPr>
+        </p:nvSpPr>
+        <p:spPr/>
+        <p:txBody>
+          <a:bodyPr/>
+          <a:lstStyle/>
+          <a:p>
+            <a:fld id="{B41ABA4E-CD72-497B-97AA-7213B3980F60}" type="datetimeFigureOut">
+              <a:rPr lang="en-US" smtClean="0"/>
+              <a:pPr/>
+              <a:t>9/8/2021</a:t>
+            </a:fld>
+            <a:endParaRPr lang="en-US" dirty="0"/>
+          </a:p>
+        </p:txBody>
+      </p:sp>
+      <p:sp>
+        <p:nvSpPr>
+          <p:cNvPr id="5" name="Espaço Reservado para Rodapé 4"/>
+          <p:cNvSpPr>
+            <a:spLocks noGrp="1"/>
+          </p:cNvSpPr>
+          <p:nvPr>
+            <p:ph type="ftr" sz="quarter" idx="11"/>
+          </p:nvPr>
+        </p:nvSpPr>
+        <p:spPr/>
+        <p:txBody>
+          <a:bodyPr/>
+          <a:lstStyle/>
+          <a:p>
+            <a:endParaRPr kumimoji="0" lang="en-US" dirty="0"/>
+          </a:p>
+        </p:txBody>
+      </p:sp>
+      <p:sp>
+        <p:nvSpPr>
+          <p:cNvPr id="6" name="Espaço Reservado para Número de Slide 5"/>
+          <p:cNvSpPr>
+            <a:spLocks noGrp="1"/>
+          </p:cNvSpPr>
+          <p:nvPr>
+            <p:ph type="sldNum" sz="quarter" idx="12"/>
+          </p:nvPr>
+        </p:nvSpPr>
+        <p:spPr/>
+        <p:txBody>
+          <a:bodyPr/>
+          <a:lstStyle/>
+          <a:p>
+            <a:fld id="{D2E57653-3E58-4892-A7ED-712530ACC680}" type="slidenum">
+              <a:rPr kumimoji="0" lang="en-US" smtClean="0"/>
+              <a:pPr/>
+              <a:t>‹nº›</a:t>
+            </a:fld>
+            <a:endParaRPr kumimoji="0" lang="en-US" dirty="0"/>
+          </a:p>
+        </p:txBody>
+      </p:sp>
+      <p:sp>
+        <p:nvSpPr>
+          <p:cNvPr id="7" name="Título 6"/>
+          <p:cNvSpPr>
+            <a:spLocks noGrp="1"/>
+          </p:cNvSpPr>
+          <p:nvPr>
+            <p:ph type="title"/>
+          </p:nvPr>
+        </p:nvSpPr>
+        <p:spPr/>
+        <p:txBody>
+          <a:bodyPr rtlCol="0"/>
+          <a:lstStyle>
+            <a:lvl1pPr>
+              <a:defRPr>
+                <a:solidFill>
+                  <a:schemeClr val="tx2">
+                    <a:lumMod val="40000"/>
+                    <a:lumOff val="60000"/>
+                  </a:schemeClr>
+                </a:solidFill>
+              </a:defRPr>
+            </a:lvl1pPr>
+            <a:extLst/>
+          </a:lstStyle>
+          <a:p>
+            <a:r>
+              <a:rPr kumimoji="0" lang="pt-BR" dirty="0"/>
+              <a:t>Clique para editar o título mestre</a:t>
+            </a:r>
+            <a:endParaRPr kumimoji="0" lang="en-US" dirty="0"/>
+          </a:p>
+        </p:txBody>
+      </p:sp>
+    </p:spTree>
+  </p:cSld>
+  <p:clrMapOvr>
+    <a:masterClrMapping/>
+  </p:clrMapOvr>
+</p:sldLayout>
+</file>
+
+<file path=ppt/slideMasters/slideMaster1.xml><?xml version="1.0" encoding="utf-8"?>
+<p:sldMaster xmlns:a="http://schemas.openxmlformats.org/drawingml/2006/main" xmlns:r="http://schemas.openxmlformats.org/officeDocument/2006/relationships" xmlns:p="http://schemas.openxmlformats.org/presentationml/2006/main">
+  <p:cSld>
+    <p:bg>
+      <p:bgPr>
+        <a:solidFill>
+          <a:schemeClr val="tx1"/>
+        </a:solidFill>
+        <a:effectLst/>
+      </p:bgPr>
+    </p:bg>
+    <p:spTree>
+      <p:nvGrpSpPr>
+        <p:cNvPr id="1" name=""/>
+        <p:cNvGrpSpPr/>
+        <p:nvPr/>
+      </p:nvGrpSpPr>
+      <p:grpSpPr>
+        <a:xfrm>
+          <a:off x="0" y="0"/>
+          <a:ext cx="0" cy="0"/>
+          <a:chOff x="0" y="0"/>
+          <a:chExt cx="0" cy="0"/>
+        </a:xfrm>
+      </p:grpSpPr>
+      <p:sp>
+        <p:nvSpPr>
+          <p:cNvPr id="17" name="Triângulo retângulo 13">
+            <a:extLst>
+              <a:ext uri="{FF2B5EF4-FFF2-40B4-BE49-F238E27FC236}">
+                <a16:creationId xmlns:a16="http://schemas.microsoft.com/office/drawing/2014/main" id="{04C0221B-C179-44FD-8A25-C1908A862038}"/>
               </a:ext>
             </a:extLst>
           </p:cNvPr>
@@ -1203,103 +2998,15 @@
           <p:nvPr userDrawn="1"/>
         </p:nvSpPr>
         <p:spPr bwMode="auto">
-          <a:xfrm>
-            <a:off x="-2" y="5186981"/>
-            <a:ext cx="12192002" cy="1671020"/>
-          </a:xfrm>
-          <a:custGeom>
-            <a:avLst>
-              <a:gd name="A1" fmla="val 0"/>
-              <a:gd name="A2" fmla="val 0"/>
-              <a:gd name="A3" fmla="val 0"/>
-              <a:gd name="A4" fmla="val 0"/>
-              <a:gd name="A5" fmla="val 0"/>
-              <a:gd name="A6" fmla="val 0"/>
-              <a:gd name="A7" fmla="val 0"/>
-              <a:gd name="A8" fmla="val 0"/>
-            </a:avLst>
-            <a:gdLst/>
-            <a:ahLst/>
-            <a:cxnLst>
-              <a:cxn ang="0">
-                <a:pos x="0" y="0"/>
-              </a:cxn>
-              <a:cxn ang="0">
-                <a:pos x="5760" y="0"/>
-              </a:cxn>
-              <a:cxn ang="0">
-                <a:pos x="5760" y="528"/>
-              </a:cxn>
-              <a:cxn ang="0">
-                <a:pos x="48" y="0"/>
-              </a:cxn>
-            </a:cxnLst>
-            <a:rect l="0" t="0" r="0" b="0"/>
-            <a:pathLst>
-              <a:path w="7485" h="337">
-                <a:moveTo>
-                  <a:pt x="0" y="2"/>
-                </a:moveTo>
-                <a:lnTo>
-                  <a:pt x="7485" y="337"/>
-                </a:lnTo>
-                <a:lnTo>
-                  <a:pt x="5558" y="337"/>
-                </a:lnTo>
-                <a:lnTo>
-                  <a:pt x="1" y="0"/>
-                </a:lnTo>
-              </a:path>
-            </a:pathLst>
-          </a:custGeom>
-          <a:solidFill>
-            <a:schemeClr val="accent1">
-              <a:tint val="65000"/>
-              <a:satMod val="115000"/>
-              <a:alpha val="40000"/>
-            </a:schemeClr>
-          </a:solidFill>
-          <a:ln w="9525" cap="flat" cmpd="sng" algn="ctr">
-            <a:noFill/>
-            <a:prstDash val="solid"/>
-            <a:round/>
-            <a:headEnd type="none" w="med" len="med"/>
-            <a:tailEnd type="none" w="med" len="med"/>
-          </a:ln>
-          <a:effectLst/>
-        </p:spPr>
-        <p:txBody>
-          <a:bodyPr vert="horz" wrap="square" lIns="91440" tIns="45720" rIns="91440" bIns="45720" anchor="t" compatLnSpc="1"/>
-          <a:lstStyle/>
-          <a:p>
-            <a:endParaRPr kumimoji="0" lang="en-US" sz="1800"/>
-          </a:p>
-        </p:txBody>
-      </p:sp>
-      <p:sp>
-        <p:nvSpPr>
-          <p:cNvPr id="18" name="Triângulo retângulo 13">
-            <a:extLst>
-              <a:ext uri="{FF2B5EF4-FFF2-40B4-BE49-F238E27FC236}">
-                <a16:creationId xmlns:a16="http://schemas.microsoft.com/office/drawing/2014/main" id="{2D818131-5D26-4FAB-9315-1AEE9F0D3D58}"/>
-              </a:ext>
-            </a:extLst>
-          </p:cNvPr>
-          <p:cNvSpPr>
-            <a:spLocks/>
-          </p:cNvSpPr>
-          <p:nvPr userDrawn="1"/>
-        </p:nvSpPr>
-        <p:spPr bwMode="auto">
-          <a:xfrm>
-            <a:off x="-2" y="5142592"/>
-            <a:ext cx="9192346" cy="1715408"/>
+          <a:xfrm rot="10800000">
+            <a:off x="6600056" y="-2"/>
+            <a:ext cx="5600000" cy="836713"/>
           </a:xfrm>
           <a:prstGeom prst="rtTriangle">
             <a:avLst/>
           </a:prstGeom>
           <a:blipFill>
-            <a:blip r:embed="rId2">
+            <a:blip r:embed="rId4">
               <a:alphaModFix amt="50000"/>
             </a:blip>
             <a:tile tx="0" ty="0" sx="50000" sy="50000" flip="none" algn="t"/>
@@ -1387,3468 +3094,320 @@
           <a:lstStyle/>
           <a:p>
             <a:pPr algn="ctr" eaLnBrk="1" latinLnBrk="0" hangingPunct="1"/>
-            <a:endParaRPr kumimoji="0" lang="en-US" sz="1800" dirty="0"/>
+            <a:endParaRPr kumimoji="0" lang="en-US" sz="1800"/>
           </a:p>
         </p:txBody>
       </p:sp>
-      <p:sp>
-        <p:nvSpPr>
-          <p:cNvPr id="21" name="TextBox 20">
+      <p:grpSp>
+        <p:nvGrpSpPr>
+          <p:cNvPr id="19" name="Agrupar 18">
             <a:extLst>
               <a:ext uri="{FF2B5EF4-FFF2-40B4-BE49-F238E27FC236}">
-                <a16:creationId xmlns:a16="http://schemas.microsoft.com/office/drawing/2014/main" id="{4A6D751A-3406-41A5-A420-74290837B80A}"/>
+                <a16:creationId xmlns:a16="http://schemas.microsoft.com/office/drawing/2014/main" id="{0D853663-B78E-4361-9813-BE8DB648808B}"/>
               </a:ext>
             </a:extLst>
           </p:cNvPr>
-          <p:cNvSpPr txBox="1"/>
+          <p:cNvGrpSpPr/>
           <p:nvPr userDrawn="1"/>
-        </p:nvSpPr>
-        <p:spPr>
+        </p:nvGrpSpPr>
+        <p:grpSpPr>
           <a:xfrm>
-            <a:off x="983432" y="6274667"/>
-            <a:ext cx="2877344" cy="369332"/>
+            <a:off x="0" y="6007292"/>
+            <a:ext cx="5591944" cy="850708"/>
+            <a:chOff x="0" y="6317566"/>
+            <a:chExt cx="4759907" cy="540434"/>
           </a:xfrm>
-          <a:prstGeom prst="rect">
-            <a:avLst/>
-          </a:prstGeom>
-          <a:noFill/>
-        </p:spPr>
-        <p:txBody>
-          <a:bodyPr wrap="square" rtlCol="0">
-            <a:spAutoFit/>
-          </a:bodyPr>
-          <a:lstStyle/>
-          <a:p>
-            <a:pPr algn="r"/>
-            <a:r>
-              <a:rPr lang="pt-BR" sz="1800" dirty="0">
-                <a:solidFill>
-                  <a:schemeClr val="tx1"/>
-                </a:solidFill>
-              </a:rPr>
-              <a:t>Judson</a:t>
-            </a:r>
-            <a:r>
-              <a:rPr lang="pt-BR" sz="1800" baseline="0" dirty="0">
-                <a:solidFill>
-                  <a:schemeClr val="tx1"/>
-                </a:solidFill>
-              </a:rPr>
-              <a:t> Santos Santiago</a:t>
-            </a:r>
-            <a:endParaRPr lang="pt-BR" sz="1800" dirty="0">
-              <a:solidFill>
-                <a:schemeClr val="tx1"/>
-              </a:solidFill>
-            </a:endParaRPr>
-          </a:p>
-        </p:txBody>
-      </p:sp>
-      <p:sp>
-        <p:nvSpPr>
-          <p:cNvPr id="22" name="Forma livre 11">
-            <a:extLst>
-              <a:ext uri="{FF2B5EF4-FFF2-40B4-BE49-F238E27FC236}">
-                <a16:creationId xmlns:a16="http://schemas.microsoft.com/office/drawing/2014/main" id="{41FE9344-B91B-473D-8466-C5397BAF80D0}"/>
-              </a:ext>
-            </a:extLst>
-          </p:cNvPr>
-          <p:cNvSpPr>
-            <a:spLocks/>
-          </p:cNvSpPr>
-          <p:nvPr userDrawn="1"/>
-        </p:nvSpPr>
-        <p:spPr bwMode="auto">
-          <a:xfrm>
-            <a:off x="-2" y="5142592"/>
-            <a:ext cx="9408370" cy="1728726"/>
-          </a:xfrm>
-          <a:custGeom>
-            <a:avLst>
-              <a:gd name="A1" fmla="val 0"/>
-              <a:gd name="A2" fmla="val 0"/>
-              <a:gd name="A3" fmla="val 0"/>
-              <a:gd name="A4" fmla="val 0"/>
-              <a:gd name="A5" fmla="val 0"/>
-              <a:gd name="A6" fmla="val 0"/>
-              <a:gd name="A7" fmla="val 0"/>
-              <a:gd name="A8" fmla="val 0"/>
-            </a:avLst>
-            <a:gdLst/>
-            <a:ahLst/>
-            <a:cxnLst>
-              <a:cxn ang="0">
-                <a:pos x="0" y="0"/>
-              </a:cxn>
-              <a:cxn ang="0">
-                <a:pos x="5760" y="0"/>
-              </a:cxn>
-              <a:cxn ang="0">
-                <a:pos x="5760" y="528"/>
-              </a:cxn>
-              <a:cxn ang="0">
-                <a:pos x="48" y="0"/>
-              </a:cxn>
-            </a:cxnLst>
-            <a:rect l="0" t="0" r="0" b="0"/>
-            <a:pathLst>
-              <a:path w="5591" h="588">
-                <a:moveTo>
-                  <a:pt x="0" y="0"/>
-                </a:moveTo>
-                <a:lnTo>
-                  <a:pt x="5591" y="585"/>
-                </a:lnTo>
-                <a:lnTo>
-                  <a:pt x="4415" y="588"/>
-                </a:lnTo>
-                <a:lnTo>
-                  <a:pt x="12" y="4"/>
-                </a:lnTo>
-              </a:path>
-            </a:pathLst>
-          </a:custGeom>
-          <a:solidFill>
-            <a:srgbClr val="000000">
-              <a:alpha val="100000"/>
-            </a:srgbClr>
-          </a:solidFill>
-          <a:ln w="9525" cap="flat" cmpd="sng" algn="ctr">
-            <a:noFill/>
-            <a:prstDash val="solid"/>
-            <a:round/>
-            <a:headEnd type="none" w="med" len="med"/>
-            <a:tailEnd type="none" w="med" len="med"/>
-          </a:ln>
-          <a:effectLst/>
-        </p:spPr>
-        <p:txBody>
-          <a:bodyPr vert="horz" wrap="square" lIns="91440" tIns="45720" rIns="91440" bIns="45720" anchor="t" compatLnSpc="1"/>
-          <a:lstStyle/>
-          <a:p>
-            <a:endParaRPr kumimoji="0" lang="en-US" sz="1800"/>
-          </a:p>
-        </p:txBody>
-      </p:sp>
-      <p:sp>
-        <p:nvSpPr>
-          <p:cNvPr id="23" name="Título 8">
-            <a:extLst>
-              <a:ext uri="{FF2B5EF4-FFF2-40B4-BE49-F238E27FC236}">
-                <a16:creationId xmlns:a16="http://schemas.microsoft.com/office/drawing/2014/main" id="{C2AB7199-A5CC-4915-9C26-80ED4794594A}"/>
-              </a:ext>
-            </a:extLst>
-          </p:cNvPr>
-          <p:cNvSpPr>
-            <a:spLocks noGrp="1"/>
-          </p:cNvSpPr>
-          <p:nvPr>
-            <p:ph type="ctrTitle"/>
-          </p:nvPr>
-        </p:nvSpPr>
-        <p:spPr>
-          <a:xfrm>
-            <a:off x="914400" y="1752602"/>
-            <a:ext cx="10363200" cy="1829761"/>
-          </a:xfrm>
-        </p:spPr>
-        <p:txBody>
-          <a:bodyPr vert="horz" anchor="b">
-            <a:normAutofit/>
-            <a:scene3d>
-              <a:camera prst="orthographicFront"/>
-              <a:lightRig rig="soft" dir="t"/>
-            </a:scene3d>
-            <a:sp3d prstMaterial="softEdge">
-              <a:bevelT w="25400" h="25400"/>
-            </a:sp3d>
-          </a:bodyPr>
-          <a:lstStyle>
-            <a:lvl1pPr algn="l">
-              <a:defRPr sz="4800" b="1">
-                <a:solidFill>
-                  <a:schemeClr val="tx2">
-                    <a:lumMod val="40000"/>
-                    <a:lumOff val="60000"/>
-                  </a:schemeClr>
-                </a:solidFill>
-                <a:effectLst>
-                  <a:outerShdw blurRad="31750" dist="25400" dir="5400000" algn="tl" rotWithShape="0">
-                    <a:srgbClr val="000000">
-                      <a:alpha val="25000"/>
-                    </a:srgbClr>
-                  </a:outerShdw>
-                </a:effectLst>
-              </a:defRPr>
-            </a:lvl1pPr>
-            <a:extLst/>
-          </a:lstStyle>
-          <a:p>
-            <a:r>
-              <a:rPr kumimoji="0" lang="pt-BR" dirty="0"/>
-              <a:t>Clique para editar o título mestre</a:t>
-            </a:r>
-            <a:endParaRPr kumimoji="0" lang="en-US" dirty="0"/>
-          </a:p>
-        </p:txBody>
-      </p:sp>
-      <p:sp>
-        <p:nvSpPr>
-          <p:cNvPr id="24" name="Subtítulo 16">
-            <a:extLst>
-              <a:ext uri="{FF2B5EF4-FFF2-40B4-BE49-F238E27FC236}">
-                <a16:creationId xmlns:a16="http://schemas.microsoft.com/office/drawing/2014/main" id="{9AE06EAE-F58B-475D-9A04-215995C0DB24}"/>
-              </a:ext>
-            </a:extLst>
-          </p:cNvPr>
-          <p:cNvSpPr>
-            <a:spLocks noGrp="1"/>
-          </p:cNvSpPr>
-          <p:nvPr>
-            <p:ph type="subTitle" idx="1" hasCustomPrompt="1"/>
-          </p:nvPr>
-        </p:nvSpPr>
-        <p:spPr>
-          <a:xfrm>
-            <a:off x="914400" y="3611607"/>
-            <a:ext cx="10363200" cy="1199704"/>
-          </a:xfrm>
-        </p:spPr>
-        <p:txBody>
-          <a:bodyPr lIns="108000" tIns="72000" rIns="108000" bIns="72000"/>
-          <a:lstStyle>
-            <a:lvl1pPr marL="0" marR="64008" indent="0" algn="l">
-              <a:buNone/>
-              <a:defRPr>
-                <a:solidFill>
-                  <a:schemeClr val="tx2">
-                    <a:lumMod val="75000"/>
-                  </a:schemeClr>
-                </a:solidFill>
-              </a:defRPr>
-            </a:lvl1pPr>
-            <a:lvl2pPr marL="457200" indent="0" algn="ctr">
-              <a:buNone/>
-            </a:lvl2pPr>
-            <a:lvl3pPr marL="914400" indent="0" algn="ctr">
-              <a:buNone/>
-            </a:lvl3pPr>
-            <a:lvl4pPr marL="1371600" indent="0" algn="ctr">
-              <a:buNone/>
-            </a:lvl4pPr>
-            <a:lvl5pPr marL="1828800" indent="0" algn="ctr">
-              <a:buNone/>
-            </a:lvl5pPr>
-            <a:lvl6pPr marL="2286000" indent="0" algn="ctr">
-              <a:buNone/>
-            </a:lvl6pPr>
-            <a:lvl7pPr marL="2743200" indent="0" algn="ctr">
-              <a:buNone/>
-            </a:lvl7pPr>
-            <a:lvl8pPr marL="3200400" indent="0" algn="ctr">
-              <a:buNone/>
-            </a:lvl8pPr>
-            <a:lvl9pPr marL="3657600" indent="0" algn="ctr">
-              <a:buNone/>
-            </a:lvl9pPr>
-            <a:extLst/>
-          </a:lstStyle>
-          <a:p>
-            <a:r>
-              <a:rPr kumimoji="0" lang="pt-BR" dirty="0"/>
-              <a:t>Clique para editar o estilo do subtítulo mestre</a:t>
-            </a:r>
-            <a:endParaRPr kumimoji="0" lang="en-US" dirty="0"/>
-          </a:p>
-        </p:txBody>
-      </p:sp>
-    </p:spTree>
-  </p:cSld>
-  <p:clrMapOvr>
-    <a:masterClrMapping/>
-  </p:clrMapOvr>
-</p:sldLayout>
-</file>
-
-<file path=ppt/slideLayouts/slideLayout10.xml><?xml version="1.0" encoding="utf-8"?>
-<p:sldLayout xmlns:a="http://schemas.openxmlformats.org/drawingml/2006/main" xmlns:r="http://schemas.openxmlformats.org/officeDocument/2006/relationships" xmlns:p="http://schemas.openxmlformats.org/presentationml/2006/main" type="vertTx" preserve="1">
-  <p:cSld name="Título e texto vertical">
-    <p:spTree>
-      <p:nvGrpSpPr>
-        <p:cNvPr id="1" name=""/>
-        <p:cNvGrpSpPr/>
-        <p:nvPr/>
-      </p:nvGrpSpPr>
-      <p:grpSpPr>
-        <a:xfrm>
-          <a:off x="0" y="0"/>
-          <a:ext cx="0" cy="0"/>
-          <a:chOff x="0" y="0"/>
-          <a:chExt cx="0" cy="0"/>
-        </a:xfrm>
-      </p:grpSpPr>
-      <p:sp>
-        <p:nvSpPr>
-          <p:cNvPr id="2" name="Título 1"/>
-          <p:cNvSpPr>
-            <a:spLocks noGrp="1"/>
-          </p:cNvSpPr>
-          <p:nvPr>
-            <p:ph type="title"/>
-          </p:nvPr>
-        </p:nvSpPr>
-        <p:spPr/>
-        <p:txBody>
-          <a:bodyPr/>
-          <a:lstStyle/>
-          <a:p>
-            <a:r>
-              <a:rPr kumimoji="0" lang="pt-BR"/>
-              <a:t>Clique para editar o título mestre</a:t>
-            </a:r>
-            <a:endParaRPr kumimoji="0" lang="en-US"/>
-          </a:p>
-        </p:txBody>
-      </p:sp>
-      <p:sp>
-        <p:nvSpPr>
-          <p:cNvPr id="3" name="Espaço Reservado para Texto Vertical 2"/>
-          <p:cNvSpPr>
-            <a:spLocks noGrp="1"/>
-          </p:cNvSpPr>
-          <p:nvPr>
-            <p:ph type="body" orient="vert" idx="1"/>
-          </p:nvPr>
-        </p:nvSpPr>
-        <p:spPr>
-          <a:xfrm>
-            <a:off x="609600" y="1481330"/>
-            <a:ext cx="10972800" cy="4386071"/>
-          </a:xfrm>
-        </p:spPr>
-        <p:txBody>
-          <a:bodyPr vert="eaVert"/>
-          <a:lstStyle/>
-          <a:p>
-            <a:pPr lvl="0" eaLnBrk="1" latinLnBrk="0" hangingPunct="1"/>
-            <a:r>
-              <a:rPr lang="pt-BR"/>
-              <a:t>Clique para editar o texto mestre</a:t>
-            </a:r>
-          </a:p>
-          <a:p>
-            <a:pPr lvl="1" eaLnBrk="1" latinLnBrk="0" hangingPunct="1"/>
-            <a:r>
-              <a:rPr lang="pt-BR"/>
-              <a:t>Segundo nível</a:t>
-            </a:r>
-          </a:p>
-          <a:p>
-            <a:pPr lvl="2" eaLnBrk="1" latinLnBrk="0" hangingPunct="1"/>
-            <a:r>
-              <a:rPr lang="pt-BR"/>
-              <a:t>Terceiro nível</a:t>
-            </a:r>
-          </a:p>
-          <a:p>
-            <a:pPr lvl="3" eaLnBrk="1" latinLnBrk="0" hangingPunct="1"/>
-            <a:r>
-              <a:rPr lang="pt-BR"/>
-              <a:t>Quarto nível</a:t>
-            </a:r>
-          </a:p>
-          <a:p>
-            <a:pPr lvl="4" eaLnBrk="1" latinLnBrk="0" hangingPunct="1"/>
-            <a:r>
-              <a:rPr lang="pt-BR"/>
-              <a:t>Quinto nível</a:t>
-            </a:r>
-            <a:endParaRPr kumimoji="0" lang="en-US"/>
-          </a:p>
-        </p:txBody>
-      </p:sp>
-      <p:sp>
-        <p:nvSpPr>
-          <p:cNvPr id="4" name="Espaço Reservado para Data 3"/>
-          <p:cNvSpPr>
-            <a:spLocks noGrp="1"/>
-          </p:cNvSpPr>
-          <p:nvPr>
-            <p:ph type="dt" sz="half" idx="10"/>
-          </p:nvPr>
-        </p:nvSpPr>
-        <p:spPr/>
-        <p:txBody>
-          <a:bodyPr/>
-          <a:lstStyle/>
-          <a:p>
-            <a:fld id="{B41ABA4E-CD72-497B-97AA-7213B3980F60}" type="datetimeFigureOut">
-              <a:rPr lang="en-US" smtClean="0"/>
-              <a:pPr/>
-              <a:t>6/24/2019</a:t>
-            </a:fld>
-            <a:endParaRPr lang="en-US" dirty="0"/>
-          </a:p>
-        </p:txBody>
-      </p:sp>
-      <p:sp>
-        <p:nvSpPr>
-          <p:cNvPr id="5" name="Espaço Reservado para Rodapé 4"/>
-          <p:cNvSpPr>
-            <a:spLocks noGrp="1"/>
-          </p:cNvSpPr>
-          <p:nvPr>
-            <p:ph type="ftr" sz="quarter" idx="11"/>
-          </p:nvPr>
-        </p:nvSpPr>
-        <p:spPr/>
-        <p:txBody>
-          <a:bodyPr/>
-          <a:lstStyle/>
-          <a:p>
-            <a:endParaRPr kumimoji="0" lang="en-US" dirty="0"/>
-          </a:p>
-        </p:txBody>
-      </p:sp>
-      <p:sp>
-        <p:nvSpPr>
-          <p:cNvPr id="6" name="Espaço Reservado para Número de Slide 5"/>
-          <p:cNvSpPr>
-            <a:spLocks noGrp="1"/>
-          </p:cNvSpPr>
-          <p:nvPr>
-            <p:ph type="sldNum" sz="quarter" idx="12"/>
-          </p:nvPr>
-        </p:nvSpPr>
-        <p:spPr/>
-        <p:txBody>
-          <a:bodyPr/>
-          <a:lstStyle/>
-          <a:p>
-            <a:fld id="{D2E57653-3E58-4892-A7ED-712530ACC680}" type="slidenum">
-              <a:rPr kumimoji="0" lang="en-US" smtClean="0"/>
-              <a:pPr/>
-              <a:t>‹nº›</a:t>
-            </a:fld>
-            <a:endParaRPr kumimoji="0" lang="en-US" dirty="0"/>
-          </a:p>
-        </p:txBody>
-      </p:sp>
-    </p:spTree>
-  </p:cSld>
-  <p:clrMapOvr>
-    <a:masterClrMapping/>
-  </p:clrMapOvr>
-</p:sldLayout>
-</file>
-
-<file path=ppt/slideLayouts/slideLayout11.xml><?xml version="1.0" encoding="utf-8"?>
-<p:sldLayout xmlns:a="http://schemas.openxmlformats.org/drawingml/2006/main" xmlns:r="http://schemas.openxmlformats.org/officeDocument/2006/relationships" xmlns:p="http://schemas.openxmlformats.org/presentationml/2006/main" type="vertTitleAndTx" preserve="1">
-  <p:cSld name="Título e texto verticais">
-    <p:spTree>
-      <p:nvGrpSpPr>
-        <p:cNvPr id="1" name=""/>
-        <p:cNvGrpSpPr/>
-        <p:nvPr/>
-      </p:nvGrpSpPr>
-      <p:grpSpPr>
-        <a:xfrm>
-          <a:off x="0" y="0"/>
-          <a:ext cx="0" cy="0"/>
-          <a:chOff x="0" y="0"/>
-          <a:chExt cx="0" cy="0"/>
-        </a:xfrm>
-      </p:grpSpPr>
-      <p:sp>
-        <p:nvSpPr>
-          <p:cNvPr id="2" name="Título Vertical 1"/>
-          <p:cNvSpPr>
-            <a:spLocks noGrp="1"/>
-          </p:cNvSpPr>
-          <p:nvPr>
-            <p:ph type="title" orient="vert"/>
-          </p:nvPr>
-        </p:nvSpPr>
-        <p:spPr>
-          <a:xfrm>
-            <a:off x="9125351" y="274641"/>
-            <a:ext cx="2369960" cy="5592761"/>
-          </a:xfrm>
-        </p:spPr>
-        <p:txBody>
-          <a:bodyPr vert="eaVert"/>
-          <a:lstStyle/>
-          <a:p>
-            <a:r>
-              <a:rPr kumimoji="0" lang="pt-BR"/>
-              <a:t>Clique para editar o título mestre</a:t>
-            </a:r>
-            <a:endParaRPr kumimoji="0" lang="en-US"/>
-          </a:p>
-        </p:txBody>
-      </p:sp>
-      <p:sp>
-        <p:nvSpPr>
-          <p:cNvPr id="3" name="Espaço Reservado para Texto Vertical 2"/>
-          <p:cNvSpPr>
-            <a:spLocks noGrp="1"/>
-          </p:cNvSpPr>
-          <p:nvPr>
-            <p:ph type="body" orient="vert" idx="1"/>
-          </p:nvPr>
-        </p:nvSpPr>
-        <p:spPr>
-          <a:xfrm>
-            <a:off x="609600" y="274641"/>
-            <a:ext cx="8432800" cy="5592760"/>
-          </a:xfrm>
-        </p:spPr>
-        <p:txBody>
-          <a:bodyPr vert="eaVert"/>
-          <a:lstStyle/>
-          <a:p>
-            <a:pPr lvl="0" eaLnBrk="1" latinLnBrk="0" hangingPunct="1"/>
-            <a:r>
-              <a:rPr lang="pt-BR"/>
-              <a:t>Clique para editar o texto mestre</a:t>
-            </a:r>
-          </a:p>
-          <a:p>
-            <a:pPr lvl="1" eaLnBrk="1" latinLnBrk="0" hangingPunct="1"/>
-            <a:r>
-              <a:rPr lang="pt-BR"/>
-              <a:t>Segundo nível</a:t>
-            </a:r>
-          </a:p>
-          <a:p>
-            <a:pPr lvl="2" eaLnBrk="1" latinLnBrk="0" hangingPunct="1"/>
-            <a:r>
-              <a:rPr lang="pt-BR"/>
-              <a:t>Terceiro nível</a:t>
-            </a:r>
-          </a:p>
-          <a:p>
-            <a:pPr lvl="3" eaLnBrk="1" latinLnBrk="0" hangingPunct="1"/>
-            <a:r>
-              <a:rPr lang="pt-BR"/>
-              <a:t>Quarto nível</a:t>
-            </a:r>
-          </a:p>
-          <a:p>
-            <a:pPr lvl="4" eaLnBrk="1" latinLnBrk="0" hangingPunct="1"/>
-            <a:r>
-              <a:rPr lang="pt-BR"/>
-              <a:t>Quinto nível</a:t>
-            </a:r>
-            <a:endParaRPr kumimoji="0" lang="en-US"/>
-          </a:p>
-        </p:txBody>
-      </p:sp>
-      <p:sp>
-        <p:nvSpPr>
-          <p:cNvPr id="4" name="Espaço Reservado para Data 3"/>
-          <p:cNvSpPr>
-            <a:spLocks noGrp="1"/>
-          </p:cNvSpPr>
-          <p:nvPr>
-            <p:ph type="dt" sz="half" idx="10"/>
-          </p:nvPr>
-        </p:nvSpPr>
-        <p:spPr/>
-        <p:txBody>
-          <a:bodyPr/>
-          <a:lstStyle/>
-          <a:p>
-            <a:fld id="{B41ABA4E-CD72-497B-97AA-7213B3980F60}" type="datetimeFigureOut">
-              <a:rPr lang="en-US" smtClean="0"/>
-              <a:pPr/>
-              <a:t>6/24/2019</a:t>
-            </a:fld>
-            <a:endParaRPr lang="en-US" dirty="0"/>
-          </a:p>
-        </p:txBody>
-      </p:sp>
-      <p:sp>
-        <p:nvSpPr>
-          <p:cNvPr id="5" name="Espaço Reservado para Rodapé 4"/>
-          <p:cNvSpPr>
-            <a:spLocks noGrp="1"/>
-          </p:cNvSpPr>
-          <p:nvPr>
-            <p:ph type="ftr" sz="quarter" idx="11"/>
-          </p:nvPr>
-        </p:nvSpPr>
-        <p:spPr/>
-        <p:txBody>
-          <a:bodyPr/>
-          <a:lstStyle/>
-          <a:p>
-            <a:endParaRPr kumimoji="0" lang="en-US" dirty="0"/>
-          </a:p>
-        </p:txBody>
-      </p:sp>
-      <p:sp>
-        <p:nvSpPr>
-          <p:cNvPr id="6" name="Espaço Reservado para Número de Slide 5"/>
-          <p:cNvSpPr>
-            <a:spLocks noGrp="1"/>
-          </p:cNvSpPr>
-          <p:nvPr>
-            <p:ph type="sldNum" sz="quarter" idx="12"/>
-          </p:nvPr>
-        </p:nvSpPr>
-        <p:spPr/>
-        <p:txBody>
-          <a:bodyPr/>
-          <a:lstStyle/>
-          <a:p>
-            <a:fld id="{D2E57653-3E58-4892-A7ED-712530ACC680}" type="slidenum">
-              <a:rPr kumimoji="0" lang="en-US" smtClean="0"/>
-              <a:pPr/>
-              <a:t>‹nº›</a:t>
-            </a:fld>
-            <a:endParaRPr kumimoji="0" lang="en-US" dirty="0"/>
-          </a:p>
-        </p:txBody>
-      </p:sp>
-    </p:spTree>
-  </p:cSld>
-  <p:clrMapOvr>
-    <a:masterClrMapping/>
-  </p:clrMapOvr>
-</p:sldLayout>
-</file>
-
-<file path=ppt/slideLayouts/slideLayout2.xml><?xml version="1.0" encoding="utf-8"?>
-<p:sldLayout xmlns:a="http://schemas.openxmlformats.org/drawingml/2006/main" xmlns:r="http://schemas.openxmlformats.org/officeDocument/2006/relationships" xmlns:p="http://schemas.openxmlformats.org/presentationml/2006/main" type="obj" preserve="1">
-  <p:cSld name="Título e conteúdo">
-    <p:spTree>
-      <p:nvGrpSpPr>
-        <p:cNvPr id="1" name=""/>
-        <p:cNvGrpSpPr/>
-        <p:nvPr/>
-      </p:nvGrpSpPr>
-      <p:grpSpPr>
-        <a:xfrm>
-          <a:off x="0" y="0"/>
-          <a:ext cx="0" cy="0"/>
-          <a:chOff x="0" y="0"/>
-          <a:chExt cx="0" cy="0"/>
-        </a:xfrm>
-      </p:grpSpPr>
-      <p:sp>
-        <p:nvSpPr>
-          <p:cNvPr id="3" name="Espaço Reservado para Conteúdo 2"/>
-          <p:cNvSpPr>
-            <a:spLocks noGrp="1"/>
-          </p:cNvSpPr>
-          <p:nvPr>
-            <p:ph idx="1"/>
-          </p:nvPr>
-        </p:nvSpPr>
-        <p:spPr/>
-        <p:txBody>
-          <a:bodyPr/>
-          <a:lstStyle>
-            <a:lvl1pPr>
-              <a:defRPr>
-                <a:solidFill>
-                  <a:schemeClr val="tx2">
-                    <a:lumMod val="60000"/>
-                    <a:lumOff val="40000"/>
-                  </a:schemeClr>
-                </a:solidFill>
-              </a:defRPr>
-            </a:lvl1pPr>
-            <a:lvl2pPr>
-              <a:defRPr>
-                <a:solidFill>
-                  <a:schemeClr val="tx2">
-                    <a:lumMod val="60000"/>
-                    <a:lumOff val="40000"/>
-                  </a:schemeClr>
-                </a:solidFill>
-              </a:defRPr>
-            </a:lvl2pPr>
-            <a:lvl3pPr>
-              <a:defRPr>
-                <a:solidFill>
-                  <a:schemeClr val="tx2">
-                    <a:lumMod val="60000"/>
-                    <a:lumOff val="40000"/>
-                  </a:schemeClr>
-                </a:solidFill>
-              </a:defRPr>
-            </a:lvl3pPr>
-            <a:lvl4pPr>
-              <a:defRPr>
-                <a:solidFill>
-                  <a:schemeClr val="tx2">
-                    <a:lumMod val="60000"/>
-                    <a:lumOff val="40000"/>
-                  </a:schemeClr>
-                </a:solidFill>
-              </a:defRPr>
-            </a:lvl4pPr>
-            <a:lvl5pPr>
-              <a:defRPr>
-                <a:solidFill>
-                  <a:schemeClr val="tx2">
-                    <a:lumMod val="60000"/>
-                    <a:lumOff val="40000"/>
-                  </a:schemeClr>
-                </a:solidFill>
-              </a:defRPr>
-            </a:lvl5pPr>
-            <a:extLst/>
-          </a:lstStyle>
-          <a:p>
-            <a:pPr lvl="0" eaLnBrk="1" latinLnBrk="0" hangingPunct="1"/>
-            <a:r>
-              <a:rPr lang="pt-BR" dirty="0"/>
-              <a:t>Clique para editar o texto mestre</a:t>
-            </a:r>
-          </a:p>
-          <a:p>
-            <a:pPr lvl="1" eaLnBrk="1" latinLnBrk="0" hangingPunct="1"/>
-            <a:r>
-              <a:rPr lang="pt-BR" dirty="0"/>
-              <a:t>Segundo nível</a:t>
-            </a:r>
-          </a:p>
-          <a:p>
-            <a:pPr lvl="2" eaLnBrk="1" latinLnBrk="0" hangingPunct="1"/>
-            <a:r>
-              <a:rPr lang="pt-BR" dirty="0"/>
-              <a:t>Terceiro nível</a:t>
-            </a:r>
-          </a:p>
-          <a:p>
-            <a:pPr lvl="3" eaLnBrk="1" latinLnBrk="0" hangingPunct="1"/>
-            <a:r>
-              <a:rPr lang="pt-BR" dirty="0"/>
-              <a:t>Quarto nível</a:t>
-            </a:r>
-          </a:p>
-          <a:p>
-            <a:pPr lvl="4" eaLnBrk="1" latinLnBrk="0" hangingPunct="1"/>
-            <a:r>
-              <a:rPr lang="pt-BR" dirty="0"/>
-              <a:t>Quinto nível</a:t>
-            </a:r>
-            <a:endParaRPr kumimoji="0" lang="en-US" dirty="0"/>
-          </a:p>
-        </p:txBody>
-      </p:sp>
-      <p:sp>
-        <p:nvSpPr>
-          <p:cNvPr id="4" name="Espaço Reservado para Data 3"/>
-          <p:cNvSpPr>
-            <a:spLocks noGrp="1"/>
-          </p:cNvSpPr>
-          <p:nvPr>
-            <p:ph type="dt" sz="half" idx="10"/>
-          </p:nvPr>
-        </p:nvSpPr>
-        <p:spPr/>
-        <p:txBody>
-          <a:bodyPr/>
-          <a:lstStyle/>
-          <a:p>
-            <a:fld id="{B41ABA4E-CD72-497B-97AA-7213B3980F60}" type="datetimeFigureOut">
-              <a:rPr lang="en-US" smtClean="0"/>
-              <a:pPr/>
-              <a:t>6/24/2019</a:t>
-            </a:fld>
-            <a:endParaRPr lang="en-US" dirty="0"/>
-          </a:p>
-        </p:txBody>
-      </p:sp>
-      <p:sp>
-        <p:nvSpPr>
-          <p:cNvPr id="5" name="Espaço Reservado para Rodapé 4"/>
-          <p:cNvSpPr>
-            <a:spLocks noGrp="1"/>
-          </p:cNvSpPr>
-          <p:nvPr>
-            <p:ph type="ftr" sz="quarter" idx="11"/>
-          </p:nvPr>
-        </p:nvSpPr>
-        <p:spPr/>
-        <p:txBody>
-          <a:bodyPr/>
-          <a:lstStyle/>
-          <a:p>
-            <a:endParaRPr kumimoji="0" lang="en-US" dirty="0"/>
-          </a:p>
-        </p:txBody>
-      </p:sp>
-      <p:sp>
-        <p:nvSpPr>
-          <p:cNvPr id="6" name="Espaço Reservado para Número de Slide 5"/>
-          <p:cNvSpPr>
-            <a:spLocks noGrp="1"/>
-          </p:cNvSpPr>
-          <p:nvPr>
-            <p:ph type="sldNum" sz="quarter" idx="12"/>
-          </p:nvPr>
-        </p:nvSpPr>
-        <p:spPr/>
-        <p:txBody>
-          <a:bodyPr/>
-          <a:lstStyle/>
-          <a:p>
-            <a:fld id="{D2E57653-3E58-4892-A7ED-712530ACC680}" type="slidenum">
-              <a:rPr kumimoji="0" lang="en-US" smtClean="0"/>
-              <a:pPr/>
-              <a:t>‹nº›</a:t>
-            </a:fld>
-            <a:endParaRPr kumimoji="0" lang="en-US" dirty="0"/>
-          </a:p>
-        </p:txBody>
-      </p:sp>
-      <p:sp>
-        <p:nvSpPr>
-          <p:cNvPr id="7" name="Título 6"/>
-          <p:cNvSpPr>
-            <a:spLocks noGrp="1"/>
-          </p:cNvSpPr>
-          <p:nvPr>
-            <p:ph type="title"/>
-          </p:nvPr>
-        </p:nvSpPr>
-        <p:spPr/>
-        <p:txBody>
-          <a:bodyPr rtlCol="0"/>
-          <a:lstStyle>
-            <a:lvl1pPr>
-              <a:defRPr>
-                <a:solidFill>
-                  <a:schemeClr val="tx2">
-                    <a:lumMod val="40000"/>
-                    <a:lumOff val="60000"/>
-                  </a:schemeClr>
-                </a:solidFill>
-              </a:defRPr>
-            </a:lvl1pPr>
-            <a:extLst/>
-          </a:lstStyle>
-          <a:p>
-            <a:r>
-              <a:rPr kumimoji="0" lang="pt-BR" dirty="0"/>
-              <a:t>Clique para editar o título mestre</a:t>
-            </a:r>
-            <a:endParaRPr kumimoji="0" lang="en-US" dirty="0"/>
-          </a:p>
-        </p:txBody>
-      </p:sp>
-    </p:spTree>
-  </p:cSld>
-  <p:clrMapOvr>
-    <a:masterClrMapping/>
-  </p:clrMapOvr>
-</p:sldLayout>
-</file>
-
-<file path=ppt/slideLayouts/slideLayout3.xml><?xml version="1.0" encoding="utf-8"?>
-<p:sldLayout xmlns:a="http://schemas.openxmlformats.org/drawingml/2006/main" xmlns:r="http://schemas.openxmlformats.org/officeDocument/2006/relationships" xmlns:p="http://schemas.openxmlformats.org/presentationml/2006/main" type="secHead" preserve="1">
-  <p:cSld name="Cabeçalho da Seção">
-    <p:bg>
-      <p:bgRef idx="1002">
-        <a:schemeClr val="bg1"/>
-      </p:bgRef>
-    </p:bg>
-    <p:spTree>
-      <p:nvGrpSpPr>
-        <p:cNvPr id="1" name=""/>
-        <p:cNvGrpSpPr/>
-        <p:nvPr/>
-      </p:nvGrpSpPr>
-      <p:grpSpPr>
-        <a:xfrm>
-          <a:off x="0" y="0"/>
-          <a:ext cx="0" cy="0"/>
-          <a:chOff x="0" y="0"/>
-          <a:chExt cx="0" cy="0"/>
-        </a:xfrm>
-      </p:grpSpPr>
-      <p:sp>
-        <p:nvSpPr>
-          <p:cNvPr id="2" name="Título 1"/>
-          <p:cNvSpPr>
-            <a:spLocks noGrp="1"/>
-          </p:cNvSpPr>
-          <p:nvPr>
-            <p:ph type="title"/>
-          </p:nvPr>
-        </p:nvSpPr>
-        <p:spPr>
-          <a:xfrm>
-            <a:off x="963168" y="1059712"/>
-            <a:ext cx="10363200" cy="1828800"/>
-          </a:xfrm>
-        </p:spPr>
-        <p:txBody>
-          <a:bodyPr vert="horz" anchor="b">
-            <a:normAutofit/>
-            <a:scene3d>
-              <a:camera prst="orthographicFront"/>
-              <a:lightRig rig="soft" dir="t"/>
-            </a:scene3d>
-            <a:sp3d prstMaterial="softEdge">
-              <a:bevelT w="25400" h="25400"/>
-            </a:sp3d>
-          </a:bodyPr>
-          <a:lstStyle>
-            <a:lvl1pPr algn="r">
-              <a:buNone/>
-              <a:defRPr sz="4800" b="1" cap="none" baseline="0">
-                <a:effectLst>
-                  <a:outerShdw blurRad="31750" dist="25400" dir="5400000" algn="tl" rotWithShape="0">
-                    <a:srgbClr val="000000">
-                      <a:alpha val="25000"/>
-                    </a:srgbClr>
-                  </a:outerShdw>
-                </a:effectLst>
-              </a:defRPr>
-            </a:lvl1pPr>
-            <a:extLst/>
-          </a:lstStyle>
-          <a:p>
-            <a:r>
-              <a:rPr kumimoji="0" lang="pt-BR"/>
-              <a:t>Clique para editar o título mestre</a:t>
-            </a:r>
-            <a:endParaRPr kumimoji="0" lang="en-US"/>
-          </a:p>
-        </p:txBody>
-      </p:sp>
-      <p:sp>
-        <p:nvSpPr>
-          <p:cNvPr id="3" name="Espaço Reservado para Texto 2"/>
-          <p:cNvSpPr>
-            <a:spLocks noGrp="1"/>
-          </p:cNvSpPr>
-          <p:nvPr>
-            <p:ph type="body" idx="1"/>
-          </p:nvPr>
-        </p:nvSpPr>
-        <p:spPr>
-          <a:xfrm>
-            <a:off x="5230284" y="2931712"/>
-            <a:ext cx="6096000" cy="1454888"/>
-          </a:xfrm>
-        </p:spPr>
-        <p:txBody>
-          <a:bodyPr lIns="91440" rIns="91440" anchor="t"/>
-          <a:lstStyle>
-            <a:lvl1pPr marL="0" indent="0" algn="l">
-              <a:buNone/>
-              <a:defRPr sz="2300">
-                <a:solidFill>
-                  <a:schemeClr val="tx1"/>
-                </a:solidFill>
-              </a:defRPr>
-            </a:lvl1pPr>
-            <a:lvl2pPr>
-              <a:buNone/>
-              <a:defRPr sz="1800">
-                <a:solidFill>
-                  <a:schemeClr val="tx1">
-                    <a:tint val="75000"/>
-                  </a:schemeClr>
-                </a:solidFill>
-              </a:defRPr>
-            </a:lvl2pPr>
-            <a:lvl3pPr>
-              <a:buNone/>
-              <a:defRPr sz="1600">
-                <a:solidFill>
-                  <a:schemeClr val="tx1">
-                    <a:tint val="75000"/>
-                  </a:schemeClr>
-                </a:solidFill>
-              </a:defRPr>
-            </a:lvl3pPr>
-            <a:lvl4pPr>
-              <a:buNone/>
-              <a:defRPr sz="1400">
-                <a:solidFill>
-                  <a:schemeClr val="tx1">
-                    <a:tint val="75000"/>
-                  </a:schemeClr>
-                </a:solidFill>
-              </a:defRPr>
-            </a:lvl4pPr>
-            <a:lvl5pPr>
-              <a:buNone/>
-              <a:defRPr sz="1400">
-                <a:solidFill>
-                  <a:schemeClr val="tx1">
-                    <a:tint val="75000"/>
-                  </a:schemeClr>
-                </a:solidFill>
-              </a:defRPr>
-            </a:lvl5pPr>
-            <a:extLst/>
-          </a:lstStyle>
-          <a:p>
-            <a:pPr lvl="0" eaLnBrk="1" latinLnBrk="0" hangingPunct="1"/>
-            <a:r>
-              <a:rPr kumimoji="0" lang="pt-BR"/>
-              <a:t>Clique para editar o texto mestre</a:t>
-            </a:r>
-          </a:p>
-        </p:txBody>
-      </p:sp>
-      <p:sp>
-        <p:nvSpPr>
-          <p:cNvPr id="4" name="Espaço Reservado para Data 3"/>
-          <p:cNvSpPr>
-            <a:spLocks noGrp="1"/>
-          </p:cNvSpPr>
-          <p:nvPr>
-            <p:ph type="dt" sz="half" idx="10"/>
-          </p:nvPr>
-        </p:nvSpPr>
-        <p:spPr/>
-        <p:txBody>
-          <a:bodyPr/>
-          <a:lstStyle/>
-          <a:p>
-            <a:fld id="{B41ABA4E-CD72-497B-97AA-7213B3980F60}" type="datetimeFigureOut">
-              <a:rPr lang="en-US" smtClean="0"/>
-              <a:pPr/>
-              <a:t>6/24/2019</a:t>
-            </a:fld>
-            <a:endParaRPr lang="en-US" dirty="0"/>
-          </a:p>
-        </p:txBody>
-      </p:sp>
-      <p:sp>
-        <p:nvSpPr>
-          <p:cNvPr id="5" name="Espaço Reservado para Rodapé 4"/>
-          <p:cNvSpPr>
-            <a:spLocks noGrp="1"/>
-          </p:cNvSpPr>
-          <p:nvPr>
-            <p:ph type="ftr" sz="quarter" idx="11"/>
-          </p:nvPr>
-        </p:nvSpPr>
-        <p:spPr/>
-        <p:txBody>
-          <a:bodyPr/>
-          <a:lstStyle/>
-          <a:p>
-            <a:endParaRPr kumimoji="0" lang="en-US" dirty="0"/>
-          </a:p>
-        </p:txBody>
-      </p:sp>
-      <p:sp>
-        <p:nvSpPr>
-          <p:cNvPr id="6" name="Espaço Reservado para Número de Slide 5"/>
-          <p:cNvSpPr>
-            <a:spLocks noGrp="1"/>
-          </p:cNvSpPr>
-          <p:nvPr>
-            <p:ph type="sldNum" sz="quarter" idx="12"/>
-          </p:nvPr>
-        </p:nvSpPr>
-        <p:spPr/>
-        <p:txBody>
-          <a:bodyPr/>
-          <a:lstStyle/>
-          <a:p>
-            <a:fld id="{D2E57653-3E58-4892-A7ED-712530ACC680}" type="slidenum">
-              <a:rPr kumimoji="0" lang="en-US" smtClean="0"/>
-              <a:pPr/>
-              <a:t>‹nº›</a:t>
-            </a:fld>
-            <a:endParaRPr kumimoji="0" lang="en-US" dirty="0"/>
-          </a:p>
-        </p:txBody>
-      </p:sp>
-      <p:sp>
-        <p:nvSpPr>
-          <p:cNvPr id="7" name="Divisa 6"/>
-          <p:cNvSpPr/>
-          <p:nvPr/>
-        </p:nvSpPr>
-        <p:spPr>
-          <a:xfrm>
-            <a:off x="4848907" y="3005472"/>
-            <a:ext cx="243840" cy="228600"/>
-          </a:xfrm>
-          <a:prstGeom prst="chevron">
-            <a:avLst>
-              <a:gd name="adj" fmla="val 50000"/>
-            </a:avLst>
-          </a:prstGeom>
-          <a:gradFill flip="none" rotWithShape="1">
-            <a:gsLst>
-              <a:gs pos="0">
-                <a:schemeClr val="accent1">
-                  <a:shade val="60000"/>
-                  <a:satMod val="125000"/>
-                </a:schemeClr>
-              </a:gs>
-              <a:gs pos="72000">
-                <a:schemeClr val="accent1">
-                  <a:tint val="90000"/>
-                  <a:satMod val="138000"/>
-                </a:schemeClr>
-              </a:gs>
-              <a:gs pos="100000">
-                <a:schemeClr val="accent1">
-                  <a:tint val="76000"/>
-                  <a:satMod val="136000"/>
-                </a:schemeClr>
-              </a:gs>
-            </a:gsLst>
-            <a:lin ang="16200000" scaled="0"/>
-          </a:gradFill>
-          <a:ln w="3175" cap="rnd" cmpd="sng" algn="ctr">
+        </p:grpSpPr>
+        <p:sp>
+          <p:nvSpPr>
+            <p:cNvPr id="20" name="Forma livre 12">
+              <a:extLst>
+                <a:ext uri="{FF2B5EF4-FFF2-40B4-BE49-F238E27FC236}">
+                  <a16:creationId xmlns:a16="http://schemas.microsoft.com/office/drawing/2014/main" id="{5852EC93-9AE5-41FD-BA32-C1CE3A7C956E}"/>
+                </a:ext>
+              </a:extLst>
+            </p:cNvPr>
+            <p:cNvSpPr>
+              <a:spLocks/>
+            </p:cNvSpPr>
+            <p:nvPr/>
+          </p:nvSpPr>
+          <p:spPr bwMode="auto">
+            <a:xfrm>
+              <a:off x="673754" y="6391353"/>
+              <a:ext cx="4086153" cy="460538"/>
+            </a:xfrm>
+            <a:custGeom>
+              <a:avLst>
+                <a:gd name="A1" fmla="val 0"/>
+                <a:gd name="A2" fmla="val 0"/>
+                <a:gd name="A3" fmla="val 0"/>
+                <a:gd name="A4" fmla="val 0"/>
+                <a:gd name="A5" fmla="val 0"/>
+                <a:gd name="A6" fmla="val 0"/>
+                <a:gd name="A7" fmla="val 0"/>
+                <a:gd name="A8" fmla="val 0"/>
+              </a:avLst>
+              <a:gdLst/>
+              <a:ahLst/>
+              <a:cxnLst>
+                <a:cxn ang="0">
+                  <a:pos x="0" y="0"/>
+                </a:cxn>
+                <a:cxn ang="0">
+                  <a:pos x="5760" y="0"/>
+                </a:cxn>
+                <a:cxn ang="0">
+                  <a:pos x="5760" y="528"/>
+                </a:cxn>
+                <a:cxn ang="0">
+                  <a:pos x="48" y="0"/>
+                </a:cxn>
+              </a:cxnLst>
+              <a:rect l="0" t="0" r="0" b="0"/>
+              <a:pathLst>
+                <a:path w="7485" h="337">
+                  <a:moveTo>
+                    <a:pt x="0" y="2"/>
+                  </a:moveTo>
+                  <a:lnTo>
+                    <a:pt x="7485" y="337"/>
+                  </a:lnTo>
+                  <a:lnTo>
+                    <a:pt x="5558" y="337"/>
+                  </a:lnTo>
+                  <a:lnTo>
+                    <a:pt x="1" y="0"/>
+                  </a:lnTo>
+                </a:path>
+              </a:pathLst>
+            </a:custGeom>
             <a:solidFill>
               <a:schemeClr val="accent1">
-                <a:shade val="50000"/>
+                <a:tint val="65000"/>
+                <a:satMod val="115000"/>
+                <a:alpha val="40000"/>
               </a:schemeClr>
             </a:solidFill>
-            <a:prstDash val="solid"/>
-          </a:ln>
-          <a:effectLst>
-            <a:outerShdw blurRad="50800" dist="25400" dir="5400000">
+            <a:ln w="9525" cap="flat" cmpd="sng" algn="ctr">
+              <a:noFill/>
+              <a:prstDash val="solid"/>
+              <a:round/>
+              <a:headEnd type="none" w="med" len="med"/>
+              <a:tailEnd type="none" w="med" len="med"/>
+            </a:ln>
+            <a:effectLst/>
+          </p:spPr>
+          <p:txBody>
+            <a:bodyPr vert="horz" wrap="square" lIns="91440" tIns="45720" rIns="91440" bIns="45720" anchor="t" compatLnSpc="1"/>
+            <a:lstStyle/>
+            <a:p>
+              <a:endParaRPr kumimoji="0" lang="en-US" sz="1800"/>
+            </a:p>
+          </p:txBody>
+        </p:sp>
+        <p:sp>
+          <p:nvSpPr>
+            <p:cNvPr id="21" name="Forma livre 11">
+              <a:extLst>
+                <a:ext uri="{FF2B5EF4-FFF2-40B4-BE49-F238E27FC236}">
+                  <a16:creationId xmlns:a16="http://schemas.microsoft.com/office/drawing/2014/main" id="{2B2D9EB0-1207-466F-81C8-8DBA570CCDE5}"/>
+                </a:ext>
+              </a:extLst>
+            </p:cNvPr>
+            <p:cNvSpPr>
+              <a:spLocks/>
+            </p:cNvSpPr>
+            <p:nvPr/>
+          </p:nvSpPr>
+          <p:spPr bwMode="auto">
+            <a:xfrm>
+              <a:off x="655680" y="6404539"/>
+              <a:ext cx="3052195" cy="447352"/>
+            </a:xfrm>
+            <a:custGeom>
+              <a:avLst>
+                <a:gd name="A1" fmla="val 0"/>
+                <a:gd name="A2" fmla="val 0"/>
+                <a:gd name="A3" fmla="val 0"/>
+                <a:gd name="A4" fmla="val 0"/>
+                <a:gd name="A5" fmla="val 0"/>
+                <a:gd name="A6" fmla="val 0"/>
+                <a:gd name="A7" fmla="val 0"/>
+                <a:gd name="A8" fmla="val 0"/>
+              </a:avLst>
+              <a:gdLst/>
+              <a:ahLst/>
+              <a:cxnLst>
+                <a:cxn ang="0">
+                  <a:pos x="0" y="0"/>
+                </a:cxn>
+                <a:cxn ang="0">
+                  <a:pos x="5760" y="0"/>
+                </a:cxn>
+                <a:cxn ang="0">
+                  <a:pos x="5760" y="528"/>
+                </a:cxn>
+                <a:cxn ang="0">
+                  <a:pos x="48" y="0"/>
+                </a:cxn>
+              </a:cxnLst>
+              <a:rect l="0" t="0" r="0" b="0"/>
+              <a:pathLst>
+                <a:path w="5591" h="588">
+                  <a:moveTo>
+                    <a:pt x="0" y="0"/>
+                  </a:moveTo>
+                  <a:lnTo>
+                    <a:pt x="5591" y="585"/>
+                  </a:lnTo>
+                  <a:lnTo>
+                    <a:pt x="4415" y="588"/>
+                  </a:lnTo>
+                  <a:lnTo>
+                    <a:pt x="12" y="4"/>
+                  </a:lnTo>
+                </a:path>
+              </a:pathLst>
+            </a:custGeom>
+            <a:solidFill>
               <a:srgbClr val="000000">
-                <a:alpha val="46000"/>
+                <a:alpha val="100000"/>
               </a:srgbClr>
-            </a:outerShdw>
-          </a:effectLst>
-        </p:spPr>
-        <p:style>
-          <a:lnRef idx="1">
-            <a:schemeClr val="accent1"/>
-          </a:lnRef>
-          <a:fillRef idx="3">
-            <a:schemeClr val="accent1"/>
-          </a:fillRef>
-          <a:effectRef idx="2">
-            <a:schemeClr val="accent1"/>
-          </a:effectRef>
-          <a:fontRef idx="minor">
-            <a:schemeClr val="lt1"/>
-          </a:fontRef>
-        </p:style>
-        <p:txBody>
-          <a:bodyPr anchor="ctr"/>
-          <a:lstStyle/>
-          <a:p>
-            <a:pPr algn="l" eaLnBrk="1" latinLnBrk="0" hangingPunct="1"/>
-            <a:endParaRPr kumimoji="0" lang="en-US" sz="1800"/>
-          </a:p>
-        </p:txBody>
-      </p:sp>
-      <p:sp>
-        <p:nvSpPr>
-          <p:cNvPr id="8" name="Divisa 7"/>
-          <p:cNvSpPr/>
-          <p:nvPr/>
-        </p:nvSpPr>
-        <p:spPr>
-          <a:xfrm>
-            <a:off x="4600352" y="3005472"/>
-            <a:ext cx="243840" cy="228600"/>
-          </a:xfrm>
-          <a:prstGeom prst="chevron">
-            <a:avLst>
-              <a:gd name="adj" fmla="val 50000"/>
-            </a:avLst>
-          </a:prstGeom>
-          <a:gradFill flip="none" rotWithShape="1">
-            <a:gsLst>
-              <a:gs pos="0">
-                <a:schemeClr val="accent1">
-                  <a:shade val="60000"/>
-                  <a:satMod val="125000"/>
-                </a:schemeClr>
-              </a:gs>
-              <a:gs pos="72000">
-                <a:schemeClr val="accent1">
-                  <a:tint val="90000"/>
-                  <a:satMod val="138000"/>
-                </a:schemeClr>
-              </a:gs>
-              <a:gs pos="100000">
-                <a:schemeClr val="accent1">
-                  <a:tint val="76000"/>
-                  <a:satMod val="136000"/>
-                </a:schemeClr>
-              </a:gs>
-            </a:gsLst>
-            <a:lin ang="16200000" scaled="0"/>
-          </a:gradFill>
-          <a:ln w="3175" cap="rnd" cmpd="sng" algn="ctr">
-            <a:solidFill>
-              <a:schemeClr val="accent1">
-                <a:shade val="50000"/>
-              </a:schemeClr>
             </a:solidFill>
-            <a:prstDash val="solid"/>
-          </a:ln>
-          <a:effectLst>
-            <a:outerShdw blurRad="50800" dist="25400" dir="5400000">
-              <a:srgbClr val="000000">
-                <a:alpha val="46000"/>
-              </a:srgbClr>
-            </a:outerShdw>
-          </a:effectLst>
-        </p:spPr>
-        <p:style>
-          <a:lnRef idx="1">
-            <a:schemeClr val="accent1"/>
-          </a:lnRef>
-          <a:fillRef idx="3">
-            <a:schemeClr val="accent1"/>
-          </a:fillRef>
-          <a:effectRef idx="2">
-            <a:schemeClr val="accent1"/>
-          </a:effectRef>
-          <a:fontRef idx="minor">
-            <a:schemeClr val="lt1"/>
-          </a:fontRef>
-        </p:style>
-        <p:txBody>
-          <a:bodyPr anchor="ctr"/>
-          <a:lstStyle/>
-          <a:p>
-            <a:pPr algn="l" eaLnBrk="1" latinLnBrk="0" hangingPunct="1"/>
-            <a:endParaRPr kumimoji="0" lang="en-US" sz="1800"/>
-          </a:p>
-        </p:txBody>
-      </p:sp>
-    </p:spTree>
-  </p:cSld>
-  <p:clrMapOvr>
-    <a:overrideClrMapping bg1="dk1" tx1="lt1" bg2="dk2" tx2="lt2" accent1="accent1" accent2="accent2" accent3="accent3" accent4="accent4" accent5="accent5" accent6="accent6" hlink="hlink" folHlink="folHlink"/>
-  </p:clrMapOvr>
-</p:sldLayout>
-</file>
-
-<file path=ppt/slideLayouts/slideLayout4.xml><?xml version="1.0" encoding="utf-8"?>
-<p:sldLayout xmlns:a="http://schemas.openxmlformats.org/drawingml/2006/main" xmlns:r="http://schemas.openxmlformats.org/officeDocument/2006/relationships" xmlns:p="http://schemas.openxmlformats.org/presentationml/2006/main" type="twoObj" preserve="1">
-  <p:cSld name="Duas Partes de Conteúdo">
-    <p:bg>
-      <p:bgRef idx="1002">
-        <a:schemeClr val="bg1"/>
-      </p:bgRef>
-    </p:bg>
-    <p:spTree>
-      <p:nvGrpSpPr>
-        <p:cNvPr id="1" name=""/>
-        <p:cNvGrpSpPr/>
-        <p:nvPr/>
-      </p:nvGrpSpPr>
-      <p:grpSpPr>
-        <a:xfrm>
-          <a:off x="0" y="0"/>
-          <a:ext cx="0" cy="0"/>
-          <a:chOff x="0" y="0"/>
-          <a:chExt cx="0" cy="0"/>
-        </a:xfrm>
-      </p:grpSpPr>
-      <p:sp>
-        <p:nvSpPr>
-          <p:cNvPr id="3" name="Espaço Reservado para Conteúdo 2"/>
-          <p:cNvSpPr>
-            <a:spLocks noGrp="1"/>
-          </p:cNvSpPr>
-          <p:nvPr>
-            <p:ph sz="half" idx="1"/>
-          </p:nvPr>
-        </p:nvSpPr>
-        <p:spPr>
-          <a:xfrm>
-            <a:off x="609600" y="1481329"/>
-            <a:ext cx="5384800" cy="4525963"/>
-          </a:xfrm>
-        </p:spPr>
-        <p:txBody>
-          <a:bodyPr/>
-          <a:lstStyle>
-            <a:lvl1pPr>
-              <a:defRPr sz="2800"/>
-            </a:lvl1pPr>
-            <a:lvl2pPr>
-              <a:defRPr sz="2400"/>
-            </a:lvl2pPr>
-            <a:lvl3pPr>
-              <a:defRPr sz="2000"/>
-            </a:lvl3pPr>
-            <a:lvl4pPr>
-              <a:defRPr sz="1800"/>
-            </a:lvl4pPr>
-            <a:lvl5pPr>
-              <a:defRPr sz="1800"/>
-            </a:lvl5pPr>
-            <a:extLst/>
-          </a:lstStyle>
-          <a:p>
-            <a:pPr lvl="0" eaLnBrk="1" latinLnBrk="0" hangingPunct="1"/>
-            <a:r>
-              <a:rPr lang="pt-BR"/>
-              <a:t>Clique para editar o texto mestre</a:t>
-            </a:r>
-          </a:p>
-          <a:p>
-            <a:pPr lvl="1" eaLnBrk="1" latinLnBrk="0" hangingPunct="1"/>
-            <a:r>
-              <a:rPr lang="pt-BR"/>
-              <a:t>Segundo nível</a:t>
-            </a:r>
-          </a:p>
-          <a:p>
-            <a:pPr lvl="2" eaLnBrk="1" latinLnBrk="0" hangingPunct="1"/>
-            <a:r>
-              <a:rPr lang="pt-BR"/>
-              <a:t>Terceiro nível</a:t>
-            </a:r>
-          </a:p>
-          <a:p>
-            <a:pPr lvl="3" eaLnBrk="1" latinLnBrk="0" hangingPunct="1"/>
-            <a:r>
-              <a:rPr lang="pt-BR"/>
-              <a:t>Quarto nível</a:t>
-            </a:r>
-          </a:p>
-          <a:p>
-            <a:pPr lvl="4" eaLnBrk="1" latinLnBrk="0" hangingPunct="1"/>
-            <a:r>
-              <a:rPr lang="pt-BR"/>
-              <a:t>Quinto nível</a:t>
-            </a:r>
-            <a:endParaRPr kumimoji="0" lang="en-US"/>
-          </a:p>
-        </p:txBody>
-      </p:sp>
-      <p:sp>
-        <p:nvSpPr>
-          <p:cNvPr id="4" name="Espaço Reservado para Conteúdo 3"/>
-          <p:cNvSpPr>
-            <a:spLocks noGrp="1"/>
-          </p:cNvSpPr>
-          <p:nvPr>
-            <p:ph sz="half" idx="2"/>
-          </p:nvPr>
-        </p:nvSpPr>
-        <p:spPr>
-          <a:xfrm>
-            <a:off x="6197600" y="1481329"/>
-            <a:ext cx="5384800" cy="4525963"/>
-          </a:xfrm>
-        </p:spPr>
-        <p:txBody>
-          <a:bodyPr/>
-          <a:lstStyle>
-            <a:lvl1pPr>
-              <a:defRPr sz="2800"/>
-            </a:lvl1pPr>
-            <a:lvl2pPr>
-              <a:defRPr sz="2400"/>
-            </a:lvl2pPr>
-            <a:lvl3pPr>
-              <a:defRPr sz="2000"/>
-            </a:lvl3pPr>
-            <a:lvl4pPr>
-              <a:defRPr sz="1800"/>
-            </a:lvl4pPr>
-            <a:lvl5pPr>
-              <a:defRPr sz="1800"/>
-            </a:lvl5pPr>
-            <a:extLst/>
-          </a:lstStyle>
-          <a:p>
-            <a:pPr lvl="0" eaLnBrk="1" latinLnBrk="0" hangingPunct="1"/>
-            <a:r>
-              <a:rPr lang="pt-BR"/>
-              <a:t>Clique para editar o texto mestre</a:t>
-            </a:r>
-          </a:p>
-          <a:p>
-            <a:pPr lvl="1" eaLnBrk="1" latinLnBrk="0" hangingPunct="1"/>
-            <a:r>
-              <a:rPr lang="pt-BR"/>
-              <a:t>Segundo nível</a:t>
-            </a:r>
-          </a:p>
-          <a:p>
-            <a:pPr lvl="2" eaLnBrk="1" latinLnBrk="0" hangingPunct="1"/>
-            <a:r>
-              <a:rPr lang="pt-BR"/>
-              <a:t>Terceiro nível</a:t>
-            </a:r>
-          </a:p>
-          <a:p>
-            <a:pPr lvl="3" eaLnBrk="1" latinLnBrk="0" hangingPunct="1"/>
-            <a:r>
-              <a:rPr lang="pt-BR"/>
-              <a:t>Quarto nível</a:t>
-            </a:r>
-          </a:p>
-          <a:p>
-            <a:pPr lvl="4" eaLnBrk="1" latinLnBrk="0" hangingPunct="1"/>
-            <a:r>
-              <a:rPr lang="pt-BR"/>
-              <a:t>Quinto nível</a:t>
-            </a:r>
-            <a:endParaRPr kumimoji="0" lang="en-US"/>
-          </a:p>
-        </p:txBody>
-      </p:sp>
-      <p:sp>
-        <p:nvSpPr>
-          <p:cNvPr id="5" name="Espaço Reservado para Data 4"/>
-          <p:cNvSpPr>
-            <a:spLocks noGrp="1"/>
-          </p:cNvSpPr>
-          <p:nvPr>
-            <p:ph type="dt" sz="half" idx="10"/>
-          </p:nvPr>
-        </p:nvSpPr>
-        <p:spPr/>
-        <p:txBody>
-          <a:bodyPr/>
-          <a:lstStyle/>
-          <a:p>
-            <a:fld id="{B41ABA4E-CD72-497B-97AA-7213B3980F60}" type="datetimeFigureOut">
-              <a:rPr lang="en-US" smtClean="0"/>
-              <a:pPr/>
-              <a:t>6/24/2019</a:t>
-            </a:fld>
-            <a:endParaRPr lang="en-US" dirty="0"/>
-          </a:p>
-        </p:txBody>
-      </p:sp>
-      <p:sp>
-        <p:nvSpPr>
-          <p:cNvPr id="6" name="Espaço Reservado para Rodapé 5"/>
-          <p:cNvSpPr>
-            <a:spLocks noGrp="1"/>
-          </p:cNvSpPr>
-          <p:nvPr>
-            <p:ph type="ftr" sz="quarter" idx="11"/>
-          </p:nvPr>
-        </p:nvSpPr>
-        <p:spPr/>
-        <p:txBody>
-          <a:bodyPr/>
-          <a:lstStyle/>
-          <a:p>
-            <a:endParaRPr kumimoji="0" lang="en-US" dirty="0"/>
-          </a:p>
-        </p:txBody>
-      </p:sp>
-      <p:sp>
-        <p:nvSpPr>
-          <p:cNvPr id="7" name="Espaço Reservado para Número de Slide 6"/>
-          <p:cNvSpPr>
-            <a:spLocks noGrp="1"/>
-          </p:cNvSpPr>
-          <p:nvPr>
-            <p:ph type="sldNum" sz="quarter" idx="12"/>
-          </p:nvPr>
-        </p:nvSpPr>
-        <p:spPr/>
-        <p:txBody>
-          <a:bodyPr/>
-          <a:lstStyle/>
-          <a:p>
-            <a:fld id="{D2E57653-3E58-4892-A7ED-712530ACC680}" type="slidenum">
-              <a:rPr kumimoji="0" lang="en-US" smtClean="0"/>
-              <a:pPr/>
-              <a:t>‹nº›</a:t>
-            </a:fld>
-            <a:endParaRPr kumimoji="0" lang="en-US" dirty="0"/>
-          </a:p>
-        </p:txBody>
-      </p:sp>
-      <p:sp>
-        <p:nvSpPr>
-          <p:cNvPr id="8" name="Título 7"/>
-          <p:cNvSpPr>
-            <a:spLocks noGrp="1"/>
-          </p:cNvSpPr>
-          <p:nvPr>
-            <p:ph type="title"/>
-          </p:nvPr>
-        </p:nvSpPr>
-        <p:spPr/>
-        <p:txBody>
-          <a:bodyPr rtlCol="0"/>
-          <a:lstStyle/>
-          <a:p>
-            <a:r>
-              <a:rPr kumimoji="0" lang="pt-BR"/>
-              <a:t>Clique para editar o título mestre</a:t>
-            </a:r>
-            <a:endParaRPr kumimoji="0" lang="en-US"/>
-          </a:p>
-        </p:txBody>
-      </p:sp>
-    </p:spTree>
-  </p:cSld>
-  <p:clrMapOvr>
-    <a:overrideClrMapping bg1="dk1" tx1="lt1" bg2="dk2" tx2="lt2" accent1="accent1" accent2="accent2" accent3="accent3" accent4="accent4" accent5="accent5" accent6="accent6" hlink="hlink" folHlink="folHlink"/>
-  </p:clrMapOvr>
-</p:sldLayout>
-</file>
-
-<file path=ppt/slideLayouts/slideLayout5.xml><?xml version="1.0" encoding="utf-8"?>
-<p:sldLayout xmlns:a="http://schemas.openxmlformats.org/drawingml/2006/main" xmlns:r="http://schemas.openxmlformats.org/officeDocument/2006/relationships" xmlns:p="http://schemas.openxmlformats.org/presentationml/2006/main" showMasterSp="0" type="twoTxTwoObj" preserve="1">
-  <p:cSld name="Comparação">
-    <p:bg>
-      <p:bgRef idx="1003">
-        <a:schemeClr val="bg1"/>
-      </p:bgRef>
-    </p:bg>
-    <p:spTree>
-      <p:nvGrpSpPr>
-        <p:cNvPr id="1" name=""/>
-        <p:cNvGrpSpPr/>
-        <p:nvPr/>
-      </p:nvGrpSpPr>
-      <p:grpSpPr>
-        <a:xfrm>
-          <a:off x="0" y="0"/>
-          <a:ext cx="0" cy="0"/>
-          <a:chOff x="0" y="0"/>
-          <a:chExt cx="0" cy="0"/>
-        </a:xfrm>
-      </p:grpSpPr>
-      <p:sp>
-        <p:nvSpPr>
-          <p:cNvPr id="2" name="Título 1"/>
-          <p:cNvSpPr>
-            <a:spLocks noGrp="1"/>
-          </p:cNvSpPr>
-          <p:nvPr>
-            <p:ph type="title"/>
-          </p:nvPr>
-        </p:nvSpPr>
-        <p:spPr>
-          <a:xfrm>
-            <a:off x="609600" y="273050"/>
-            <a:ext cx="10972800" cy="1143000"/>
-          </a:xfrm>
-        </p:spPr>
-        <p:txBody>
-          <a:bodyPr anchor="ctr"/>
-          <a:lstStyle>
-            <a:lvl1pPr>
-              <a:defRPr/>
-            </a:lvl1pPr>
-            <a:extLst/>
-          </a:lstStyle>
-          <a:p>
-            <a:r>
-              <a:rPr kumimoji="0" lang="pt-BR"/>
-              <a:t>Clique para editar o título mestre</a:t>
-            </a:r>
-            <a:endParaRPr kumimoji="0" lang="en-US"/>
-          </a:p>
-        </p:txBody>
-      </p:sp>
-      <p:sp>
-        <p:nvSpPr>
-          <p:cNvPr id="3" name="Espaço Reservado para Texto 2"/>
-          <p:cNvSpPr>
-            <a:spLocks noGrp="1"/>
-          </p:cNvSpPr>
-          <p:nvPr>
-            <p:ph type="body" idx="1"/>
-          </p:nvPr>
-        </p:nvSpPr>
-        <p:spPr>
-          <a:xfrm>
-            <a:off x="609600" y="5410200"/>
-            <a:ext cx="5386917" cy="762000"/>
-          </a:xfrm>
-          <a:solidFill>
-            <a:schemeClr val="accent1"/>
-          </a:solidFill>
-          <a:ln w="9652">
-            <a:solidFill>
+            <a:ln w="9525" cap="flat" cmpd="sng" algn="ctr">
+              <a:noFill/>
+              <a:prstDash val="solid"/>
+              <a:round/>
+              <a:headEnd type="none" w="med" len="med"/>
+              <a:tailEnd type="none" w="med" len="med"/>
+            </a:ln>
+            <a:effectLst/>
+          </p:spPr>
+          <p:txBody>
+            <a:bodyPr vert="horz" wrap="square" lIns="91440" tIns="45720" rIns="91440" bIns="45720" anchor="t" compatLnSpc="1"/>
+            <a:lstStyle/>
+            <a:p>
+              <a:endParaRPr kumimoji="0" lang="en-US" sz="1800"/>
+            </a:p>
+          </p:txBody>
+        </p:sp>
+        <p:sp>
+          <p:nvSpPr>
+            <p:cNvPr id="23" name="Triângulo retângulo 13">
+              <a:extLst>
+                <a:ext uri="{FF2B5EF4-FFF2-40B4-BE49-F238E27FC236}">
+                  <a16:creationId xmlns:a16="http://schemas.microsoft.com/office/drawing/2014/main" id="{79A440B7-532C-42DB-AC48-B69839E90C93}"/>
+                </a:ext>
+              </a:extLst>
+            </p:cNvPr>
+            <p:cNvSpPr>
+              <a:spLocks/>
+            </p:cNvSpPr>
+            <p:nvPr/>
+          </p:nvSpPr>
+          <p:spPr bwMode="auto">
+            <a:xfrm>
+              <a:off x="0" y="6317566"/>
+              <a:ext cx="2813891" cy="540434"/>
+            </a:xfrm>
+            <a:prstGeom prst="rtTriangle">
+              <a:avLst/>
+            </a:prstGeom>
+            <a:blipFill>
+              <a:blip r:embed="rId4">
+                <a:alphaModFix amt="50000"/>
+              </a:blip>
+              <a:tile tx="0" ty="0" sx="50000" sy="50000" flip="none" algn="t"/>
+            </a:blipFill>
+            <a:ln w="12700" cap="rnd" cmpd="thickThin" algn="ctr">
+              <a:noFill/>
+              <a:prstDash val="solid"/>
+            </a:ln>
+            <a:effectLst>
+              <a:fillOverlay blend="mult">
+                <a:gradFill flip="none" rotWithShape="1">
+                  <a:gsLst>
+                    <a:gs pos="0">
+                      <a:schemeClr val="accent1">
+                        <a:shade val="20000"/>
+                        <a:satMod val="176000"/>
+                        <a:alpha val="100000"/>
+                      </a:schemeClr>
+                    </a:gs>
+                    <a:gs pos="18000">
+                      <a:schemeClr val="accent1">
+                        <a:shade val="48000"/>
+                        <a:satMod val="153000"/>
+                        <a:alpha val="100000"/>
+                      </a:schemeClr>
+                    </a:gs>
+                    <a:gs pos="43000">
+                      <a:schemeClr val="accent1">
+                        <a:tint val="86000"/>
+                        <a:satMod val="149000"/>
+                        <a:alpha val="100000"/>
+                      </a:schemeClr>
+                    </a:gs>
+                    <a:gs pos="45000">
+                      <a:schemeClr val="accent1">
+                        <a:tint val="85000"/>
+                        <a:satMod val="150000"/>
+                        <a:alpha val="100000"/>
+                      </a:schemeClr>
+                    </a:gs>
+                    <a:gs pos="50000">
+                      <a:schemeClr val="accent1">
+                        <a:tint val="86000"/>
+                        <a:satMod val="149000"/>
+                        <a:alpha val="100000"/>
+                      </a:schemeClr>
+                    </a:gs>
+                    <a:gs pos="79000">
+                      <a:schemeClr val="accent1">
+                        <a:shade val="53000"/>
+                        <a:satMod val="150000"/>
+                        <a:alpha val="100000"/>
+                      </a:schemeClr>
+                    </a:gs>
+                    <a:gs pos="100000">
+                      <a:schemeClr val="accent1">
+                        <a:shade val="25000"/>
+                        <a:satMod val="170000"/>
+                        <a:alpha val="100000"/>
+                      </a:schemeClr>
+                    </a:gs>
+                  </a:gsLst>
+                  <a:lin ang="450000" scaled="1"/>
+                  <a:tileRect/>
+                </a:gradFill>
+              </a:fillOverlay>
+            </a:effectLst>
+          </p:spPr>
+          <p:style>
+            <a:lnRef idx="3">
+              <a:schemeClr val="lt1"/>
+            </a:lnRef>
+            <a:fillRef idx="1">
               <a:schemeClr val="accent1"/>
-            </a:solidFill>
-            <a:miter lim="800000"/>
-          </a:ln>
-        </p:spPr>
-        <p:txBody>
-          <a:bodyPr lIns="182880" anchor="ctr"/>
-          <a:lstStyle>
-            <a:lvl1pPr marL="0" indent="0">
-              <a:buNone/>
-              <a:defRPr sz="2400" b="0">
-                <a:solidFill>
-                  <a:schemeClr val="bg1"/>
-                </a:solidFill>
-              </a:defRPr>
-            </a:lvl1pPr>
-            <a:lvl2pPr>
-              <a:buNone/>
-              <a:defRPr sz="2000" b="1"/>
-            </a:lvl2pPr>
-            <a:lvl3pPr>
-              <a:buNone/>
-              <a:defRPr sz="1800" b="1"/>
-            </a:lvl3pPr>
-            <a:lvl4pPr>
-              <a:buNone/>
-              <a:defRPr sz="1600" b="1"/>
-            </a:lvl4pPr>
-            <a:lvl5pPr>
-              <a:buNone/>
-              <a:defRPr sz="1600" b="1"/>
-            </a:lvl5pPr>
-            <a:extLst/>
-          </a:lstStyle>
-          <a:p>
-            <a:pPr lvl="0" eaLnBrk="1" latinLnBrk="0" hangingPunct="1"/>
-            <a:r>
-              <a:rPr kumimoji="0" lang="pt-BR"/>
-              <a:t>Clique para editar o texto mestre</a:t>
-            </a:r>
-          </a:p>
-        </p:txBody>
-      </p:sp>
-      <p:sp>
-        <p:nvSpPr>
-          <p:cNvPr id="4" name="Espaço Reservado para Texto 3"/>
-          <p:cNvSpPr>
-            <a:spLocks noGrp="1"/>
-          </p:cNvSpPr>
-          <p:nvPr>
-            <p:ph type="body" sz="half" idx="3"/>
-          </p:nvPr>
-        </p:nvSpPr>
-        <p:spPr>
-          <a:xfrm>
-            <a:off x="6193369" y="5410200"/>
-            <a:ext cx="5389033" cy="762000"/>
-          </a:xfrm>
-          <a:solidFill>
-            <a:schemeClr val="accent1"/>
-          </a:solidFill>
-          <a:ln w="9652">
-            <a:solidFill>
+            </a:fillRef>
+            <a:effectRef idx="1">
               <a:schemeClr val="accent1"/>
-            </a:solidFill>
-            <a:miter lim="800000"/>
-          </a:ln>
-        </p:spPr>
-        <p:txBody>
-          <a:bodyPr lIns="182880" anchor="ctr"/>
-          <a:lstStyle>
-            <a:lvl1pPr marL="0" indent="0">
-              <a:buNone/>
-              <a:defRPr sz="2400" b="0">
-                <a:solidFill>
-                  <a:schemeClr val="bg1"/>
-                </a:solidFill>
-              </a:defRPr>
-            </a:lvl1pPr>
-            <a:lvl2pPr>
-              <a:buNone/>
-              <a:defRPr sz="2000" b="1"/>
-            </a:lvl2pPr>
-            <a:lvl3pPr>
-              <a:buNone/>
-              <a:defRPr sz="1800" b="1"/>
-            </a:lvl3pPr>
-            <a:lvl4pPr>
-              <a:buNone/>
-              <a:defRPr sz="1600" b="1"/>
-            </a:lvl4pPr>
-            <a:lvl5pPr>
-              <a:buNone/>
-              <a:defRPr sz="1600" b="1"/>
-            </a:lvl5pPr>
-            <a:extLst/>
-          </a:lstStyle>
-          <a:p>
-            <a:pPr lvl="0" eaLnBrk="1" latinLnBrk="0" hangingPunct="1"/>
-            <a:r>
-              <a:rPr kumimoji="0" lang="pt-BR"/>
-              <a:t>Clique para editar o texto mestre</a:t>
-            </a:r>
-          </a:p>
-        </p:txBody>
-      </p:sp>
-      <p:sp>
-        <p:nvSpPr>
-          <p:cNvPr id="5" name="Espaço Reservado para Conteúdo 4"/>
-          <p:cNvSpPr>
-            <a:spLocks noGrp="1"/>
-          </p:cNvSpPr>
-          <p:nvPr>
-            <p:ph sz="quarter" idx="2"/>
-          </p:nvPr>
-        </p:nvSpPr>
-        <p:spPr>
-          <a:xfrm>
-            <a:off x="609600" y="1444295"/>
-            <a:ext cx="5386917" cy="3941763"/>
-          </a:xfrm>
-          <a:ln>
-            <a:noFill/>
-            <a:prstDash val="sysDash"/>
-            <a:miter lim="800000"/>
-          </a:ln>
-        </p:spPr>
-        <p:txBody>
-          <a:bodyPr/>
-          <a:lstStyle>
-            <a:lvl1pPr>
-              <a:defRPr sz="2400"/>
-            </a:lvl1pPr>
-            <a:lvl2pPr>
-              <a:defRPr sz="2000"/>
-            </a:lvl2pPr>
-            <a:lvl3pPr>
-              <a:defRPr sz="1800"/>
-            </a:lvl3pPr>
-            <a:lvl4pPr>
-              <a:defRPr sz="1600"/>
-            </a:lvl4pPr>
-            <a:lvl5pPr>
-              <a:defRPr sz="1600"/>
-            </a:lvl5pPr>
-            <a:extLst/>
-          </a:lstStyle>
-          <a:p>
-            <a:pPr lvl="0" eaLnBrk="1" latinLnBrk="0" hangingPunct="1"/>
-            <a:r>
-              <a:rPr lang="pt-BR"/>
-              <a:t>Clique para editar o texto mestre</a:t>
-            </a:r>
-          </a:p>
-          <a:p>
-            <a:pPr lvl="1" eaLnBrk="1" latinLnBrk="0" hangingPunct="1"/>
-            <a:r>
-              <a:rPr lang="pt-BR"/>
-              <a:t>Segundo nível</a:t>
-            </a:r>
-          </a:p>
-          <a:p>
-            <a:pPr lvl="2" eaLnBrk="1" latinLnBrk="0" hangingPunct="1"/>
-            <a:r>
-              <a:rPr lang="pt-BR"/>
-              <a:t>Terceiro nível</a:t>
-            </a:r>
-          </a:p>
-          <a:p>
-            <a:pPr lvl="3" eaLnBrk="1" latinLnBrk="0" hangingPunct="1"/>
-            <a:r>
-              <a:rPr lang="pt-BR"/>
-              <a:t>Quarto nível</a:t>
-            </a:r>
-          </a:p>
-          <a:p>
-            <a:pPr lvl="4" eaLnBrk="1" latinLnBrk="0" hangingPunct="1"/>
-            <a:r>
-              <a:rPr lang="pt-BR"/>
-              <a:t>Quinto nível</a:t>
-            </a:r>
-            <a:endParaRPr kumimoji="0" lang="en-US"/>
-          </a:p>
-        </p:txBody>
-      </p:sp>
-      <p:sp>
-        <p:nvSpPr>
-          <p:cNvPr id="6" name="Espaço Reservado para Conteúdo 5"/>
-          <p:cNvSpPr>
-            <a:spLocks noGrp="1"/>
-          </p:cNvSpPr>
-          <p:nvPr>
-            <p:ph sz="quarter" idx="4"/>
-          </p:nvPr>
-        </p:nvSpPr>
-        <p:spPr>
-          <a:xfrm>
-            <a:off x="6193368" y="1444295"/>
-            <a:ext cx="5389033" cy="3941763"/>
-          </a:xfrm>
-          <a:ln>
-            <a:noFill/>
-            <a:prstDash val="sysDash"/>
-            <a:miter lim="800000"/>
-          </a:ln>
-        </p:spPr>
-        <p:txBody>
-          <a:bodyPr/>
-          <a:lstStyle>
-            <a:lvl1pPr>
-              <a:spcBef>
-                <a:spcPts val="0"/>
-              </a:spcBef>
-              <a:defRPr sz="2400"/>
-            </a:lvl1pPr>
-            <a:lvl2pPr>
-              <a:defRPr sz="2000"/>
-            </a:lvl2pPr>
-            <a:lvl3pPr>
-              <a:defRPr sz="1800"/>
-            </a:lvl3pPr>
-            <a:lvl4pPr>
-              <a:defRPr sz="1600"/>
-            </a:lvl4pPr>
-            <a:lvl5pPr>
-              <a:defRPr sz="1600"/>
-            </a:lvl5pPr>
-            <a:extLst/>
-          </a:lstStyle>
-          <a:p>
-            <a:pPr lvl="0" eaLnBrk="1" latinLnBrk="0" hangingPunct="1"/>
-            <a:r>
-              <a:rPr lang="pt-BR"/>
-              <a:t>Clique para editar o texto mestre</a:t>
-            </a:r>
-          </a:p>
-          <a:p>
-            <a:pPr lvl="1" eaLnBrk="1" latinLnBrk="0" hangingPunct="1"/>
-            <a:r>
-              <a:rPr lang="pt-BR"/>
-              <a:t>Segundo nível</a:t>
-            </a:r>
-          </a:p>
-          <a:p>
-            <a:pPr lvl="2" eaLnBrk="1" latinLnBrk="0" hangingPunct="1"/>
-            <a:r>
-              <a:rPr lang="pt-BR"/>
-              <a:t>Terceiro nível</a:t>
-            </a:r>
-          </a:p>
-          <a:p>
-            <a:pPr lvl="3" eaLnBrk="1" latinLnBrk="0" hangingPunct="1"/>
-            <a:r>
-              <a:rPr lang="pt-BR"/>
-              <a:t>Quarto nível</a:t>
-            </a:r>
-          </a:p>
-          <a:p>
-            <a:pPr lvl="4" eaLnBrk="1" latinLnBrk="0" hangingPunct="1"/>
-            <a:r>
-              <a:rPr lang="pt-BR"/>
-              <a:t>Quinto nível</a:t>
-            </a:r>
-            <a:endParaRPr kumimoji="0" lang="en-US"/>
-          </a:p>
-        </p:txBody>
-      </p:sp>
-      <p:sp>
-        <p:nvSpPr>
-          <p:cNvPr id="7" name="Espaço Reservado para Data 6"/>
-          <p:cNvSpPr>
-            <a:spLocks noGrp="1"/>
-          </p:cNvSpPr>
-          <p:nvPr>
-            <p:ph type="dt" sz="half" idx="10"/>
-          </p:nvPr>
-        </p:nvSpPr>
-        <p:spPr/>
-        <p:txBody>
-          <a:bodyPr/>
-          <a:lstStyle/>
-          <a:p>
-            <a:fld id="{B41ABA4E-CD72-497B-97AA-7213B3980F60}" type="datetimeFigureOut">
-              <a:rPr lang="en-US" smtClean="0"/>
-              <a:pPr/>
-              <a:t>6/24/2019</a:t>
-            </a:fld>
-            <a:endParaRPr lang="en-US" dirty="0"/>
-          </a:p>
-        </p:txBody>
-      </p:sp>
-      <p:sp>
-        <p:nvSpPr>
-          <p:cNvPr id="8" name="Espaço Reservado para Rodapé 7"/>
-          <p:cNvSpPr>
-            <a:spLocks noGrp="1"/>
-          </p:cNvSpPr>
-          <p:nvPr>
-            <p:ph type="ftr" sz="quarter" idx="11"/>
-          </p:nvPr>
-        </p:nvSpPr>
-        <p:spPr/>
-        <p:txBody>
-          <a:bodyPr/>
-          <a:lstStyle/>
-          <a:p>
-            <a:endParaRPr kumimoji="0" lang="en-US" dirty="0"/>
-          </a:p>
-        </p:txBody>
-      </p:sp>
-      <p:sp>
-        <p:nvSpPr>
-          <p:cNvPr id="9" name="Espaço Reservado para Número de Slide 8"/>
-          <p:cNvSpPr>
-            <a:spLocks noGrp="1"/>
-          </p:cNvSpPr>
-          <p:nvPr>
-            <p:ph type="sldNum" sz="quarter" idx="12"/>
-          </p:nvPr>
-        </p:nvSpPr>
-        <p:spPr/>
-        <p:txBody>
-          <a:bodyPr/>
-          <a:lstStyle/>
-          <a:p>
-            <a:fld id="{D2E57653-3E58-4892-A7ED-712530ACC680}" type="slidenum">
-              <a:rPr kumimoji="0" lang="en-US" smtClean="0"/>
-              <a:pPr/>
-              <a:t>‹nº›</a:t>
-            </a:fld>
-            <a:endParaRPr kumimoji="0" lang="en-US" dirty="0"/>
-          </a:p>
-        </p:txBody>
-      </p:sp>
-    </p:spTree>
-  </p:cSld>
-  <p:clrMapOvr>
-    <a:overrideClrMapping bg1="lt1" tx1="dk1" bg2="lt2" tx2="dk2" accent1="accent1" accent2="accent2" accent3="accent3" accent4="accent4" accent5="accent5" accent6="accent6" hlink="hlink" folHlink="folHlink"/>
-  </p:clrMapOvr>
-</p:sldLayout>
-</file>
-
-<file path=ppt/slideLayouts/slideLayout6.xml><?xml version="1.0" encoding="utf-8"?>
-<p:sldLayout xmlns:a="http://schemas.openxmlformats.org/drawingml/2006/main" xmlns:r="http://schemas.openxmlformats.org/officeDocument/2006/relationships" xmlns:p="http://schemas.openxmlformats.org/presentationml/2006/main" type="titleOnly" preserve="1">
-  <p:cSld name="Somente título">
-    <p:bg>
-      <p:bgRef idx="1002">
-        <a:schemeClr val="bg1"/>
-      </p:bgRef>
-    </p:bg>
-    <p:spTree>
-      <p:nvGrpSpPr>
-        <p:cNvPr id="1" name=""/>
-        <p:cNvGrpSpPr/>
-        <p:nvPr/>
-      </p:nvGrpSpPr>
-      <p:grpSpPr>
-        <a:xfrm>
-          <a:off x="0" y="0"/>
-          <a:ext cx="0" cy="0"/>
-          <a:chOff x="0" y="0"/>
-          <a:chExt cx="0" cy="0"/>
-        </a:xfrm>
-      </p:grpSpPr>
-      <p:sp>
-        <p:nvSpPr>
-          <p:cNvPr id="3" name="Espaço Reservado para Data 2"/>
-          <p:cNvSpPr>
-            <a:spLocks noGrp="1"/>
-          </p:cNvSpPr>
-          <p:nvPr>
-            <p:ph type="dt" sz="half" idx="10"/>
-          </p:nvPr>
-        </p:nvSpPr>
-        <p:spPr/>
-        <p:txBody>
-          <a:bodyPr/>
-          <a:lstStyle/>
-          <a:p>
-            <a:fld id="{B41ABA4E-CD72-497B-97AA-7213B3980F60}" type="datetimeFigureOut">
-              <a:rPr lang="en-US" smtClean="0"/>
-              <a:pPr/>
-              <a:t>6/24/2019</a:t>
-            </a:fld>
-            <a:endParaRPr lang="en-US" dirty="0"/>
-          </a:p>
-        </p:txBody>
-      </p:sp>
-      <p:sp>
-        <p:nvSpPr>
-          <p:cNvPr id="4" name="Espaço Reservado para Rodapé 3"/>
-          <p:cNvSpPr>
-            <a:spLocks noGrp="1"/>
-          </p:cNvSpPr>
-          <p:nvPr>
-            <p:ph type="ftr" sz="quarter" idx="11"/>
-          </p:nvPr>
-        </p:nvSpPr>
-        <p:spPr/>
-        <p:txBody>
-          <a:bodyPr/>
-          <a:lstStyle/>
-          <a:p>
-            <a:endParaRPr kumimoji="0" lang="en-US" dirty="0"/>
-          </a:p>
-        </p:txBody>
-      </p:sp>
-      <p:sp>
-        <p:nvSpPr>
-          <p:cNvPr id="5" name="Espaço Reservado para Número de Slide 4"/>
-          <p:cNvSpPr>
-            <a:spLocks noGrp="1"/>
-          </p:cNvSpPr>
-          <p:nvPr>
-            <p:ph type="sldNum" sz="quarter" idx="12"/>
-          </p:nvPr>
-        </p:nvSpPr>
-        <p:spPr/>
-        <p:txBody>
-          <a:bodyPr/>
-          <a:lstStyle/>
-          <a:p>
-            <a:fld id="{D2E57653-3E58-4892-A7ED-712530ACC680}" type="slidenum">
-              <a:rPr kumimoji="0" lang="en-US" smtClean="0"/>
-              <a:pPr/>
-              <a:t>‹nº›</a:t>
-            </a:fld>
-            <a:endParaRPr kumimoji="0" lang="en-US" dirty="0"/>
-          </a:p>
-        </p:txBody>
-      </p:sp>
-      <p:sp>
-        <p:nvSpPr>
-          <p:cNvPr id="6" name="Título 5"/>
-          <p:cNvSpPr>
-            <a:spLocks noGrp="1"/>
-          </p:cNvSpPr>
-          <p:nvPr>
-            <p:ph type="title"/>
-          </p:nvPr>
-        </p:nvSpPr>
-        <p:spPr/>
-        <p:txBody>
-          <a:bodyPr rtlCol="0"/>
-          <a:lstStyle/>
-          <a:p>
-            <a:r>
-              <a:rPr kumimoji="0" lang="pt-BR"/>
-              <a:t>Clique para editar o título mestre</a:t>
-            </a:r>
-            <a:endParaRPr kumimoji="0" lang="en-US"/>
-          </a:p>
-        </p:txBody>
-      </p:sp>
-    </p:spTree>
-  </p:cSld>
-  <p:clrMapOvr>
-    <a:overrideClrMapping bg1="dk1" tx1="lt1" bg2="dk2" tx2="lt2" accent1="accent1" accent2="accent2" accent3="accent3" accent4="accent4" accent5="accent5" accent6="accent6" hlink="hlink" folHlink="folHlink"/>
-  </p:clrMapOvr>
-</p:sldLayout>
-</file>
-
-<file path=ppt/slideLayouts/slideLayout7.xml><?xml version="1.0" encoding="utf-8"?>
-<p:sldLayout xmlns:a="http://schemas.openxmlformats.org/drawingml/2006/main" xmlns:r="http://schemas.openxmlformats.org/officeDocument/2006/relationships" xmlns:p="http://schemas.openxmlformats.org/presentationml/2006/main" type="blank" preserve="1">
-  <p:cSld name="Em branco">
-    <p:spTree>
-      <p:nvGrpSpPr>
-        <p:cNvPr id="1" name=""/>
-        <p:cNvGrpSpPr/>
-        <p:nvPr/>
-      </p:nvGrpSpPr>
-      <p:grpSpPr>
-        <a:xfrm>
-          <a:off x="0" y="0"/>
-          <a:ext cx="0" cy="0"/>
-          <a:chOff x="0" y="0"/>
-          <a:chExt cx="0" cy="0"/>
-        </a:xfrm>
-      </p:grpSpPr>
-      <p:sp>
-        <p:nvSpPr>
-          <p:cNvPr id="2" name="Espaço Reservado para Data 1"/>
-          <p:cNvSpPr>
-            <a:spLocks noGrp="1"/>
-          </p:cNvSpPr>
-          <p:nvPr>
-            <p:ph type="dt" sz="half" idx="10"/>
-          </p:nvPr>
-        </p:nvSpPr>
-        <p:spPr/>
-        <p:txBody>
-          <a:bodyPr/>
-          <a:lstStyle/>
-          <a:p>
-            <a:fld id="{B41ABA4E-CD72-497B-97AA-7213B3980F60}" type="datetimeFigureOut">
-              <a:rPr lang="en-US" smtClean="0"/>
-              <a:pPr/>
-              <a:t>6/24/2019</a:t>
-            </a:fld>
-            <a:endParaRPr lang="en-US" dirty="0"/>
-          </a:p>
-        </p:txBody>
-      </p:sp>
-      <p:sp>
-        <p:nvSpPr>
-          <p:cNvPr id="3" name="Espaço Reservado para Rodapé 2"/>
-          <p:cNvSpPr>
-            <a:spLocks noGrp="1"/>
-          </p:cNvSpPr>
-          <p:nvPr>
-            <p:ph type="ftr" sz="quarter" idx="11"/>
-          </p:nvPr>
-        </p:nvSpPr>
-        <p:spPr/>
-        <p:txBody>
-          <a:bodyPr/>
-          <a:lstStyle/>
-          <a:p>
-            <a:endParaRPr kumimoji="0" lang="en-US" dirty="0"/>
-          </a:p>
-        </p:txBody>
-      </p:sp>
-      <p:sp>
-        <p:nvSpPr>
-          <p:cNvPr id="4" name="Espaço Reservado para Número de Slide 3"/>
-          <p:cNvSpPr>
-            <a:spLocks noGrp="1"/>
-          </p:cNvSpPr>
-          <p:nvPr>
-            <p:ph type="sldNum" sz="quarter" idx="12"/>
-          </p:nvPr>
-        </p:nvSpPr>
-        <p:spPr/>
-        <p:txBody>
-          <a:bodyPr/>
-          <a:lstStyle/>
-          <a:p>
-            <a:fld id="{D2E57653-3E58-4892-A7ED-712530ACC680}" type="slidenum">
-              <a:rPr kumimoji="0" lang="en-US" smtClean="0"/>
-              <a:pPr/>
-              <a:t>‹nº›</a:t>
-            </a:fld>
-            <a:endParaRPr kumimoji="0" lang="en-US" dirty="0"/>
-          </a:p>
-        </p:txBody>
-      </p:sp>
-    </p:spTree>
-  </p:cSld>
-  <p:clrMapOvr>
-    <a:masterClrMapping/>
-  </p:clrMapOvr>
-</p:sldLayout>
-</file>
-
-<file path=ppt/slideLayouts/slideLayout8.xml><?xml version="1.0" encoding="utf-8"?>
-<p:sldLayout xmlns:a="http://schemas.openxmlformats.org/drawingml/2006/main" xmlns:r="http://schemas.openxmlformats.org/officeDocument/2006/relationships" xmlns:p="http://schemas.openxmlformats.org/presentationml/2006/main" showMasterSp="0" type="objTx" preserve="1">
-  <p:cSld name="Conteúdo com Legenda">
-    <p:bg>
-      <p:bgRef idx="1003">
-        <a:schemeClr val="bg1"/>
-      </p:bgRef>
-    </p:bg>
-    <p:spTree>
-      <p:nvGrpSpPr>
-        <p:cNvPr id="1" name=""/>
-        <p:cNvGrpSpPr/>
-        <p:nvPr/>
-      </p:nvGrpSpPr>
-      <p:grpSpPr>
-        <a:xfrm>
-          <a:off x="0" y="0"/>
-          <a:ext cx="0" cy="0"/>
-          <a:chOff x="0" y="0"/>
-          <a:chExt cx="0" cy="0"/>
-        </a:xfrm>
-      </p:grpSpPr>
-      <p:sp>
-        <p:nvSpPr>
-          <p:cNvPr id="2" name="Título 1"/>
-          <p:cNvSpPr>
-            <a:spLocks noGrp="1"/>
-          </p:cNvSpPr>
-          <p:nvPr>
-            <p:ph type="title"/>
-          </p:nvPr>
-        </p:nvSpPr>
-        <p:spPr>
-          <a:xfrm>
-            <a:off x="1219200" y="4876800"/>
-            <a:ext cx="9975701" cy="457200"/>
-          </a:xfrm>
-        </p:spPr>
-        <p:txBody>
-          <a:bodyPr vert="horz" anchor="t">
-            <a:noAutofit/>
-            <a:sp3d prstMaterial="softEdge">
-              <a:bevelT w="0" h="0"/>
-            </a:sp3d>
-          </a:bodyPr>
-          <a:lstStyle>
-            <a:lvl1pPr algn="r">
-              <a:buNone/>
-              <a:defRPr sz="2500" b="0">
-                <a:solidFill>
-                  <a:schemeClr val="accent1"/>
-                </a:solidFill>
-                <a:effectLst/>
-              </a:defRPr>
-            </a:lvl1pPr>
-            <a:extLst/>
-          </a:lstStyle>
-          <a:p>
-            <a:r>
-              <a:rPr kumimoji="0" lang="pt-BR"/>
-              <a:t>Clique para editar o título mestre</a:t>
-            </a:r>
-            <a:endParaRPr kumimoji="0" lang="en-US"/>
-          </a:p>
-        </p:txBody>
-      </p:sp>
-      <p:sp>
-        <p:nvSpPr>
-          <p:cNvPr id="3" name="Espaço Reservado para Texto 2"/>
-          <p:cNvSpPr>
-            <a:spLocks noGrp="1"/>
-          </p:cNvSpPr>
-          <p:nvPr>
-            <p:ph type="body" idx="2"/>
-          </p:nvPr>
-        </p:nvSpPr>
-        <p:spPr>
-          <a:xfrm>
-            <a:off x="5892800" y="5355102"/>
-            <a:ext cx="5299456" cy="914400"/>
-          </a:xfrm>
-        </p:spPr>
-        <p:txBody>
-          <a:bodyPr/>
-          <a:lstStyle>
-            <a:lvl1pPr marL="0" indent="0" algn="r">
-              <a:buNone/>
-              <a:defRPr sz="1600"/>
-            </a:lvl1pPr>
-            <a:lvl2pPr>
-              <a:buNone/>
-              <a:defRPr sz="1200"/>
-            </a:lvl2pPr>
-            <a:lvl3pPr>
-              <a:buNone/>
-              <a:defRPr sz="1000"/>
-            </a:lvl3pPr>
-            <a:lvl4pPr>
-              <a:buNone/>
-              <a:defRPr sz="900"/>
-            </a:lvl4pPr>
-            <a:lvl5pPr>
-              <a:buNone/>
-              <a:defRPr sz="900"/>
-            </a:lvl5pPr>
-            <a:extLst/>
-          </a:lstStyle>
-          <a:p>
-            <a:pPr lvl="0" eaLnBrk="1" latinLnBrk="0" hangingPunct="1"/>
-            <a:r>
-              <a:rPr kumimoji="0" lang="pt-BR"/>
-              <a:t>Clique para editar o texto mestre</a:t>
-            </a:r>
-          </a:p>
-        </p:txBody>
-      </p:sp>
-      <p:sp>
-        <p:nvSpPr>
-          <p:cNvPr id="4" name="Espaço Reservado para Conteúdo 3"/>
-          <p:cNvSpPr>
-            <a:spLocks noGrp="1"/>
-          </p:cNvSpPr>
-          <p:nvPr>
-            <p:ph sz="half" idx="1"/>
-          </p:nvPr>
-        </p:nvSpPr>
-        <p:spPr>
-          <a:xfrm>
-            <a:off x="1219200" y="274320"/>
-            <a:ext cx="9973056" cy="4572000"/>
-          </a:xfrm>
-        </p:spPr>
-        <p:txBody>
-          <a:bodyPr/>
-          <a:lstStyle>
-            <a:lvl1pPr>
-              <a:defRPr sz="3200"/>
-            </a:lvl1pPr>
-            <a:lvl2pPr>
-              <a:defRPr sz="2800"/>
-            </a:lvl2pPr>
-            <a:lvl3pPr>
-              <a:defRPr sz="2400"/>
-            </a:lvl3pPr>
-            <a:lvl4pPr>
-              <a:defRPr sz="2000"/>
-            </a:lvl4pPr>
-            <a:lvl5pPr>
-              <a:defRPr sz="2000"/>
-            </a:lvl5pPr>
-            <a:extLst/>
-          </a:lstStyle>
-          <a:p>
-            <a:pPr lvl="0" eaLnBrk="1" latinLnBrk="0" hangingPunct="1"/>
-            <a:r>
-              <a:rPr lang="pt-BR"/>
-              <a:t>Clique para editar o texto mestre</a:t>
-            </a:r>
-          </a:p>
-          <a:p>
-            <a:pPr lvl="1" eaLnBrk="1" latinLnBrk="0" hangingPunct="1"/>
-            <a:r>
-              <a:rPr lang="pt-BR"/>
-              <a:t>Segundo nível</a:t>
-            </a:r>
-          </a:p>
-          <a:p>
-            <a:pPr lvl="2" eaLnBrk="1" latinLnBrk="0" hangingPunct="1"/>
-            <a:r>
-              <a:rPr lang="pt-BR"/>
-              <a:t>Terceiro nível</a:t>
-            </a:r>
-          </a:p>
-          <a:p>
-            <a:pPr lvl="3" eaLnBrk="1" latinLnBrk="0" hangingPunct="1"/>
-            <a:r>
-              <a:rPr lang="pt-BR"/>
-              <a:t>Quarto nível</a:t>
-            </a:r>
-          </a:p>
-          <a:p>
-            <a:pPr lvl="4" eaLnBrk="1" latinLnBrk="0" hangingPunct="1"/>
-            <a:r>
-              <a:rPr lang="pt-BR"/>
-              <a:t>Quinto nível</a:t>
-            </a:r>
-            <a:endParaRPr kumimoji="0" lang="en-US"/>
-          </a:p>
-        </p:txBody>
-      </p:sp>
-      <p:sp>
-        <p:nvSpPr>
-          <p:cNvPr id="5" name="Espaço Reservado para Data 4"/>
-          <p:cNvSpPr>
-            <a:spLocks noGrp="1"/>
-          </p:cNvSpPr>
-          <p:nvPr>
-            <p:ph type="dt" sz="half" idx="10"/>
-          </p:nvPr>
-        </p:nvSpPr>
-        <p:spPr>
-          <a:xfrm>
-            <a:off x="8969376" y="6407944"/>
-            <a:ext cx="2560320" cy="365760"/>
-          </a:xfrm>
-        </p:spPr>
-        <p:txBody>
-          <a:bodyPr/>
-          <a:lstStyle/>
-          <a:p>
-            <a:fld id="{B41ABA4E-CD72-497B-97AA-7213B3980F60}" type="datetimeFigureOut">
-              <a:rPr lang="en-US" smtClean="0"/>
-              <a:pPr/>
-              <a:t>6/24/2019</a:t>
-            </a:fld>
-            <a:endParaRPr lang="en-US" dirty="0"/>
-          </a:p>
-        </p:txBody>
-      </p:sp>
-      <p:sp>
-        <p:nvSpPr>
-          <p:cNvPr id="6" name="Espaço Reservado para Rodapé 5"/>
-          <p:cNvSpPr>
-            <a:spLocks noGrp="1"/>
-          </p:cNvSpPr>
-          <p:nvPr>
-            <p:ph type="ftr" sz="quarter" idx="11"/>
-          </p:nvPr>
-        </p:nvSpPr>
-        <p:spPr/>
-        <p:txBody>
-          <a:bodyPr/>
-          <a:lstStyle/>
-          <a:p>
-            <a:endParaRPr kumimoji="0" lang="en-US" dirty="0"/>
-          </a:p>
-        </p:txBody>
-      </p:sp>
-      <p:sp>
-        <p:nvSpPr>
-          <p:cNvPr id="7" name="Espaço Reservado para Número de Slide 6"/>
-          <p:cNvSpPr>
-            <a:spLocks noGrp="1"/>
-          </p:cNvSpPr>
-          <p:nvPr>
-            <p:ph type="sldNum" sz="quarter" idx="12"/>
-          </p:nvPr>
-        </p:nvSpPr>
-        <p:spPr/>
-        <p:txBody>
-          <a:bodyPr/>
-          <a:lstStyle/>
-          <a:p>
-            <a:fld id="{D2E57653-3E58-4892-A7ED-712530ACC680}" type="slidenum">
-              <a:rPr kumimoji="0" lang="en-US" smtClean="0"/>
-              <a:pPr/>
-              <a:t>‹nº›</a:t>
-            </a:fld>
-            <a:endParaRPr kumimoji="0" lang="en-US" dirty="0"/>
-          </a:p>
-        </p:txBody>
-      </p:sp>
-    </p:spTree>
-  </p:cSld>
-  <p:clrMapOvr>
-    <a:overrideClrMapping bg1="lt1" tx1="dk1" bg2="lt2" tx2="dk2" accent1="accent1" accent2="accent2" accent3="accent3" accent4="accent4" accent5="accent5" accent6="accent6" hlink="hlink" folHlink="folHlink"/>
-  </p:clrMapOvr>
-</p:sldLayout>
-</file>
-
-<file path=ppt/slideLayouts/slideLayout9.xml><?xml version="1.0" encoding="utf-8"?>
-<p:sldLayout xmlns:a="http://schemas.openxmlformats.org/drawingml/2006/main" xmlns:r="http://schemas.openxmlformats.org/officeDocument/2006/relationships" xmlns:p="http://schemas.openxmlformats.org/presentationml/2006/main" showMasterSp="0" type="picTx" preserve="1">
-  <p:cSld name="Imagem com Legenda">
-    <p:bg>
-      <p:bgRef idx="1002">
-        <a:schemeClr val="bg1"/>
-      </p:bgRef>
-    </p:bg>
-    <p:spTree>
-      <p:nvGrpSpPr>
-        <p:cNvPr id="1" name=""/>
-        <p:cNvGrpSpPr/>
-        <p:nvPr/>
-      </p:nvGrpSpPr>
-      <p:grpSpPr>
-        <a:xfrm>
-          <a:off x="0" y="0"/>
-          <a:ext cx="0" cy="0"/>
-          <a:chOff x="0" y="0"/>
-          <a:chExt cx="0" cy="0"/>
-        </a:xfrm>
-      </p:grpSpPr>
-      <p:sp>
-        <p:nvSpPr>
-          <p:cNvPr id="4" name="Espaço Reservado para Texto 3"/>
-          <p:cNvSpPr>
-            <a:spLocks noGrp="1"/>
-          </p:cNvSpPr>
-          <p:nvPr>
-            <p:ph type="body" sz="half" idx="2"/>
-          </p:nvPr>
-        </p:nvSpPr>
-        <p:spPr>
-          <a:xfrm>
-            <a:off x="1521643" y="5443402"/>
-            <a:ext cx="9550400" cy="648232"/>
-          </a:xfrm>
-          <a:noFill/>
-        </p:spPr>
-        <p:txBody>
-          <a:bodyPr lIns="91440" tIns="0" rIns="91440" anchor="t"/>
-          <a:lstStyle>
-            <a:lvl1pPr marL="0" marR="18288" indent="0" algn="r">
-              <a:buNone/>
-              <a:defRPr sz="1400"/>
-            </a:lvl1pPr>
-            <a:lvl2pPr>
-              <a:defRPr sz="1200"/>
-            </a:lvl2pPr>
-            <a:lvl3pPr>
-              <a:defRPr sz="1000"/>
-            </a:lvl3pPr>
-            <a:lvl4pPr>
-              <a:defRPr sz="900"/>
-            </a:lvl4pPr>
-            <a:lvl5pPr>
-              <a:defRPr sz="900"/>
-            </a:lvl5pPr>
-            <a:extLst/>
-          </a:lstStyle>
-          <a:p>
-            <a:pPr lvl="0" eaLnBrk="1" latinLnBrk="0" hangingPunct="1"/>
-            <a:r>
-              <a:rPr kumimoji="0" lang="pt-BR"/>
-              <a:t>Clique para editar o texto mestre</a:t>
-            </a:r>
-          </a:p>
-        </p:txBody>
-      </p:sp>
-      <p:sp>
-        <p:nvSpPr>
-          <p:cNvPr id="3" name="Espaço Reservado para Imagem 2"/>
-          <p:cNvSpPr>
-            <a:spLocks noGrp="1"/>
-          </p:cNvSpPr>
-          <p:nvPr>
-            <p:ph type="pic" idx="1"/>
-          </p:nvPr>
-        </p:nvSpPr>
-        <p:spPr>
-          <a:xfrm>
-            <a:off x="304800" y="189968"/>
-            <a:ext cx="11582400" cy="4389120"/>
-          </a:xfrm>
-          <a:prstGeom prst="rect">
-            <a:avLst/>
-          </a:prstGeom>
-          <a:solidFill>
-            <a:schemeClr val="bg2"/>
-          </a:solidFill>
-          <a:ln>
-            <a:solidFill>
-              <a:schemeClr val="bg1"/>
-            </a:solidFill>
-          </a:ln>
-          <a:effectLst>
-            <a:innerShdw blurRad="95250">
-              <a:srgbClr val="000000"/>
-            </a:innerShdw>
-          </a:effectLst>
-        </p:spPr>
-        <p:txBody>
-          <a:bodyPr/>
-          <a:lstStyle>
-            <a:lvl1pPr marL="0" indent="0">
-              <a:buNone/>
-              <a:defRPr sz="3200"/>
-            </a:lvl1pPr>
-            <a:extLst/>
-          </a:lstStyle>
-          <a:p>
-            <a:r>
-              <a:rPr kumimoji="0" lang="pt-BR"/>
-              <a:t>Clique no ícone para adicionar uma imagem</a:t>
-            </a:r>
-            <a:endParaRPr kumimoji="0" lang="en-US" dirty="0"/>
-          </a:p>
-        </p:txBody>
-      </p:sp>
-      <p:sp>
-        <p:nvSpPr>
-          <p:cNvPr id="5" name="Espaço Reservado para Data 4"/>
-          <p:cNvSpPr>
-            <a:spLocks noGrp="1"/>
-          </p:cNvSpPr>
-          <p:nvPr>
-            <p:ph type="dt" sz="half" idx="10"/>
-          </p:nvPr>
-        </p:nvSpPr>
-        <p:spPr/>
-        <p:txBody>
-          <a:bodyPr/>
-          <a:lstStyle>
-            <a:lvl1pPr>
-              <a:defRPr>
-                <a:solidFill>
-                  <a:schemeClr val="tx1"/>
-                </a:solidFill>
-              </a:defRPr>
-            </a:lvl1pPr>
-            <a:extLst/>
-          </a:lstStyle>
-          <a:p>
-            <a:fld id="{B41ABA4E-CD72-497B-97AA-7213B3980F60}" type="datetimeFigureOut">
-              <a:rPr lang="en-US" smtClean="0"/>
-              <a:pPr/>
-              <a:t>6/24/2019</a:t>
-            </a:fld>
-            <a:endParaRPr lang="en-US" dirty="0"/>
-          </a:p>
-        </p:txBody>
-      </p:sp>
-      <p:sp>
-        <p:nvSpPr>
-          <p:cNvPr id="6" name="Espaço Reservado para Rodapé 5"/>
-          <p:cNvSpPr>
-            <a:spLocks noGrp="1"/>
-          </p:cNvSpPr>
-          <p:nvPr>
-            <p:ph type="ftr" sz="quarter" idx="11"/>
-          </p:nvPr>
-        </p:nvSpPr>
-        <p:spPr>
-          <a:xfrm>
-            <a:off x="5840097" y="6407945"/>
-            <a:ext cx="3134241" cy="365125"/>
-          </a:xfrm>
-        </p:spPr>
-        <p:txBody>
-          <a:bodyPr/>
-          <a:lstStyle>
-            <a:lvl1pPr>
-              <a:defRPr>
-                <a:solidFill>
-                  <a:schemeClr val="tx1"/>
-                </a:solidFill>
-              </a:defRPr>
-            </a:lvl1pPr>
-            <a:extLst/>
-          </a:lstStyle>
-          <a:p>
-            <a:endParaRPr kumimoji="0" lang="en-US" dirty="0"/>
-          </a:p>
-        </p:txBody>
-      </p:sp>
-      <p:sp>
-        <p:nvSpPr>
-          <p:cNvPr id="7" name="Espaço Reservado para Número de Slide 6"/>
-          <p:cNvSpPr>
-            <a:spLocks noGrp="1"/>
-          </p:cNvSpPr>
-          <p:nvPr>
-            <p:ph type="sldNum" sz="quarter" idx="12"/>
-          </p:nvPr>
-        </p:nvSpPr>
-        <p:spPr/>
-        <p:txBody>
-          <a:bodyPr/>
-          <a:lstStyle>
-            <a:lvl1pPr>
-              <a:defRPr>
-                <a:solidFill>
-                  <a:schemeClr val="tx1"/>
-                </a:solidFill>
-              </a:defRPr>
-            </a:lvl1pPr>
-            <a:extLst/>
-          </a:lstStyle>
-          <a:p>
-            <a:fld id="{D2E57653-3E58-4892-A7ED-712530ACC680}" type="slidenum">
-              <a:rPr kumimoji="0" lang="en-US" smtClean="0"/>
-              <a:pPr/>
-              <a:t>‹nº›</a:t>
-            </a:fld>
-            <a:endParaRPr kumimoji="0" lang="en-US" dirty="0"/>
-          </a:p>
-        </p:txBody>
-      </p:sp>
-      <p:sp>
-        <p:nvSpPr>
-          <p:cNvPr id="2" name="Título 1"/>
-          <p:cNvSpPr>
-            <a:spLocks noGrp="1"/>
-          </p:cNvSpPr>
-          <p:nvPr>
-            <p:ph type="title"/>
-          </p:nvPr>
-        </p:nvSpPr>
-        <p:spPr>
-          <a:xfrm>
-            <a:off x="304800" y="4865122"/>
-            <a:ext cx="10767243" cy="562672"/>
-          </a:xfrm>
-          <a:noFill/>
-        </p:spPr>
-        <p:txBody>
-          <a:bodyPr anchor="t">
-            <a:sp3d prstMaterial="softEdge"/>
-          </a:bodyPr>
-          <a:lstStyle>
-            <a:lvl1pPr marR="0" algn="r">
-              <a:buNone/>
-              <a:defRPr sz="3000" b="0">
-                <a:solidFill>
-                  <a:schemeClr val="accent1"/>
-                </a:solidFill>
-                <a:effectLst>
-                  <a:outerShdw blurRad="50800" dist="25000" dir="5400000" algn="t" rotWithShape="0">
-                    <a:prstClr val="black">
-                      <a:alpha val="45000"/>
-                    </a:prstClr>
-                  </a:outerShdw>
-                </a:effectLst>
-              </a:defRPr>
-            </a:lvl1pPr>
-            <a:extLst/>
-          </a:lstStyle>
-          <a:p>
-            <a:r>
-              <a:rPr kumimoji="0" lang="pt-BR"/>
-              <a:t>Clique para editar o título mestre</a:t>
-            </a:r>
-            <a:endParaRPr kumimoji="0" lang="en-US"/>
-          </a:p>
-        </p:txBody>
-      </p:sp>
-      <p:sp>
-        <p:nvSpPr>
-          <p:cNvPr id="8" name="Forma livre 7"/>
-          <p:cNvSpPr>
-            <a:spLocks/>
-          </p:cNvSpPr>
-          <p:nvPr/>
-        </p:nvSpPr>
-        <p:spPr bwMode="auto">
-          <a:xfrm>
-            <a:off x="665697" y="5944936"/>
-            <a:ext cx="6587499" cy="921076"/>
-          </a:xfrm>
-          <a:custGeom>
-            <a:avLst>
-              <a:gd name="A1" fmla="val 0"/>
-              <a:gd name="A2" fmla="val 0"/>
-              <a:gd name="A3" fmla="val 0"/>
-              <a:gd name="A4" fmla="val 0"/>
-              <a:gd name="A5" fmla="val 0"/>
-              <a:gd name="A6" fmla="val 0"/>
-              <a:gd name="A7" fmla="val 0"/>
-              <a:gd name="A8" fmla="val 0"/>
-            </a:avLst>
-            <a:gdLst/>
-            <a:ahLst/>
-            <a:cxnLst>
-              <a:cxn ang="0">
-                <a:pos x="0" y="0"/>
-              </a:cxn>
-              <a:cxn ang="0">
-                <a:pos x="5760" y="0"/>
-              </a:cxn>
-              <a:cxn ang="0">
-                <a:pos x="5760" y="528"/>
-              </a:cxn>
-              <a:cxn ang="0">
-                <a:pos x="48" y="0"/>
-              </a:cxn>
-            </a:cxnLst>
-            <a:rect l="0" t="0" r="0" b="0"/>
-            <a:pathLst>
-              <a:path w="7485" h="337">
-                <a:moveTo>
-                  <a:pt x="0" y="2"/>
-                </a:moveTo>
-                <a:lnTo>
-                  <a:pt x="7485" y="337"/>
-                </a:lnTo>
-                <a:lnTo>
-                  <a:pt x="5558" y="337"/>
-                </a:lnTo>
-                <a:lnTo>
-                  <a:pt x="1" y="0"/>
-                </a:lnTo>
-              </a:path>
-            </a:pathLst>
-          </a:custGeom>
-          <a:solidFill>
-            <a:schemeClr val="accent1">
-              <a:tint val="65000"/>
-              <a:satMod val="115000"/>
-              <a:alpha val="40000"/>
-            </a:schemeClr>
-          </a:solidFill>
-          <a:ln w="9525" cap="flat" cmpd="sng" algn="ctr">
-            <a:noFill/>
-            <a:prstDash val="solid"/>
-            <a:round/>
-            <a:headEnd type="none" w="med" len="med"/>
-            <a:tailEnd type="none" w="med" len="med"/>
-          </a:ln>
-          <a:effectLst/>
-        </p:spPr>
-        <p:txBody>
-          <a:bodyPr vert="horz" wrap="square" lIns="91440" tIns="45720" rIns="91440" bIns="45720" anchor="t" compatLnSpc="1"/>
-          <a:lstStyle/>
-          <a:p>
-            <a:endParaRPr kumimoji="0" lang="en-US" sz="1800"/>
-          </a:p>
-        </p:txBody>
-      </p:sp>
-      <p:sp>
-        <p:nvSpPr>
-          <p:cNvPr id="9" name="Forma livre 8"/>
-          <p:cNvSpPr>
-            <a:spLocks/>
-          </p:cNvSpPr>
-          <p:nvPr/>
-        </p:nvSpPr>
-        <p:spPr bwMode="auto">
-          <a:xfrm>
-            <a:off x="647623" y="5939011"/>
-            <a:ext cx="4920601" cy="933450"/>
-          </a:xfrm>
-          <a:custGeom>
-            <a:avLst>
-              <a:gd name="A1" fmla="val 0"/>
-              <a:gd name="A2" fmla="val 0"/>
-              <a:gd name="A3" fmla="val 0"/>
-              <a:gd name="A4" fmla="val 0"/>
-              <a:gd name="A5" fmla="val 0"/>
-              <a:gd name="A6" fmla="val 0"/>
-              <a:gd name="A7" fmla="val 0"/>
-              <a:gd name="A8" fmla="val 0"/>
-            </a:avLst>
-            <a:gdLst/>
-            <a:ahLst/>
-            <a:cxnLst>
-              <a:cxn ang="0">
-                <a:pos x="0" y="0"/>
-              </a:cxn>
-              <a:cxn ang="0">
-                <a:pos x="5760" y="0"/>
-              </a:cxn>
-              <a:cxn ang="0">
-                <a:pos x="5760" y="528"/>
-              </a:cxn>
-              <a:cxn ang="0">
-                <a:pos x="48" y="0"/>
-              </a:cxn>
-            </a:cxnLst>
-            <a:rect l="0" t="0" r="0" b="0"/>
-            <a:pathLst>
-              <a:path w="5591" h="588">
-                <a:moveTo>
-                  <a:pt x="0" y="0"/>
-                </a:moveTo>
-                <a:lnTo>
-                  <a:pt x="5591" y="585"/>
-                </a:lnTo>
-                <a:lnTo>
-                  <a:pt x="4415" y="588"/>
-                </a:lnTo>
-                <a:lnTo>
-                  <a:pt x="12" y="4"/>
-                </a:lnTo>
-              </a:path>
-            </a:pathLst>
-          </a:custGeom>
-          <a:solidFill>
-            <a:srgbClr val="000000">
-              <a:alpha val="100000"/>
-            </a:srgbClr>
-          </a:solidFill>
-          <a:ln w="9525" cap="flat" cmpd="sng" algn="ctr">
-            <a:noFill/>
-            <a:prstDash val="solid"/>
-            <a:round/>
-            <a:headEnd type="none" w="med" len="med"/>
-            <a:tailEnd type="none" w="med" len="med"/>
-          </a:ln>
-          <a:effectLst/>
-        </p:spPr>
-        <p:txBody>
-          <a:bodyPr vert="horz" wrap="square" lIns="91440" tIns="45720" rIns="91440" bIns="45720" anchor="t" compatLnSpc="1"/>
-          <a:lstStyle/>
-          <a:p>
-            <a:endParaRPr kumimoji="0" lang="en-US" sz="1800"/>
-          </a:p>
-        </p:txBody>
-      </p:sp>
-      <p:sp>
-        <p:nvSpPr>
-          <p:cNvPr id="10" name="Triângulo retângulo 9"/>
-          <p:cNvSpPr>
-            <a:spLocks/>
-          </p:cNvSpPr>
-          <p:nvPr/>
-        </p:nvSpPr>
-        <p:spPr bwMode="auto">
-          <a:xfrm>
-            <a:off x="-8056" y="5791253"/>
-            <a:ext cx="4536419" cy="1080868"/>
-          </a:xfrm>
-          <a:prstGeom prst="rtTriangle">
-            <a:avLst/>
-          </a:prstGeom>
-          <a:blipFill>
-            <a:blip r:embed="rId2">
-              <a:alphaModFix amt="50000"/>
-            </a:blip>
-            <a:tile tx="0" ty="0" sx="50000" sy="50000" flip="none" algn="t"/>
-          </a:blipFill>
-          <a:ln w="12700" cap="rnd" cmpd="thickThin" algn="ctr">
-            <a:noFill/>
-            <a:prstDash val="solid"/>
-          </a:ln>
-          <a:effectLst>
-            <a:fillOverlay blend="mult">
-              <a:gradFill flip="none" rotWithShape="1">
-                <a:gsLst>
-                  <a:gs pos="0">
-                    <a:schemeClr val="accent1">
-                      <a:shade val="20000"/>
-                      <a:satMod val="176000"/>
-                      <a:alpha val="100000"/>
-                    </a:schemeClr>
-                  </a:gs>
-                  <a:gs pos="18000">
-                    <a:schemeClr val="accent1">
-                      <a:shade val="48000"/>
-                      <a:satMod val="153000"/>
-                      <a:alpha val="100000"/>
-                    </a:schemeClr>
-                  </a:gs>
-                  <a:gs pos="43000">
-                    <a:schemeClr val="accent1">
-                      <a:tint val="86000"/>
-                      <a:satMod val="149000"/>
-                      <a:alpha val="100000"/>
-                    </a:schemeClr>
-                  </a:gs>
-                  <a:gs pos="45000">
-                    <a:schemeClr val="accent1">
-                      <a:tint val="85000"/>
-                      <a:satMod val="150000"/>
-                      <a:alpha val="100000"/>
-                    </a:schemeClr>
-                  </a:gs>
-                  <a:gs pos="50000">
-                    <a:schemeClr val="accent1">
-                      <a:tint val="86000"/>
-                      <a:satMod val="149000"/>
-                      <a:alpha val="100000"/>
-                    </a:schemeClr>
-                  </a:gs>
-                  <a:gs pos="79000">
-                    <a:schemeClr val="accent1">
-                      <a:shade val="53000"/>
-                      <a:satMod val="150000"/>
-                      <a:alpha val="100000"/>
-                    </a:schemeClr>
-                  </a:gs>
-                  <a:gs pos="100000">
-                    <a:schemeClr val="accent1">
-                      <a:shade val="25000"/>
-                      <a:satMod val="170000"/>
-                      <a:alpha val="100000"/>
-                    </a:schemeClr>
-                  </a:gs>
-                </a:gsLst>
-                <a:lin ang="450000" scaled="1"/>
-                <a:tileRect/>
-              </a:gradFill>
-            </a:fillOverlay>
-          </a:effectLst>
-        </p:spPr>
-        <p:style>
-          <a:lnRef idx="3">
-            <a:schemeClr val="lt1"/>
-          </a:lnRef>
-          <a:fillRef idx="1">
-            <a:schemeClr val="accent1"/>
-          </a:fillRef>
-          <a:effectRef idx="1">
-            <a:schemeClr val="accent1"/>
-          </a:effectRef>
-          <a:fontRef idx="minor">
-            <a:schemeClr val="lt1"/>
-          </a:fontRef>
-        </p:style>
-        <p:txBody>
-          <a:bodyPr vert="horz" wrap="square" lIns="91440" tIns="45720" rIns="91440" bIns="45720" anchor="ctr" compatLnSpc="1"/>
-          <a:lstStyle/>
-          <a:p>
-            <a:pPr algn="ctr" eaLnBrk="1" latinLnBrk="0" hangingPunct="1"/>
-            <a:endParaRPr kumimoji="0" lang="en-US" sz="1800"/>
-          </a:p>
-        </p:txBody>
-      </p:sp>
-      <p:cxnSp>
-        <p:nvCxnSpPr>
-          <p:cNvPr id="11" name="Conector reto 10"/>
-          <p:cNvCxnSpPr/>
-          <p:nvPr/>
-        </p:nvCxnSpPr>
-        <p:spPr>
-          <a:xfrm>
-            <a:off x="-12316" y="5787739"/>
-            <a:ext cx="4540679" cy="1084383"/>
-          </a:xfrm>
-          <a:prstGeom prst="line">
-            <a:avLst/>
-          </a:prstGeom>
-          <a:noFill/>
-          <a:ln w="12065" cap="flat" cmpd="sng" algn="ctr">
-            <a:gradFill>
-              <a:gsLst>
-                <a:gs pos="45000">
-                  <a:schemeClr val="accent1">
-                    <a:tint val="70000"/>
-                    <a:satMod val="110000"/>
-                  </a:schemeClr>
-                </a:gs>
-                <a:gs pos="15000">
-                  <a:schemeClr val="accent1">
-                    <a:shade val="40000"/>
-                    <a:satMod val="110000"/>
-                  </a:schemeClr>
-                </a:gs>
-              </a:gsLst>
-              <a:lin ang="5400000" scaled="1"/>
-            </a:gradFill>
-            <a:prstDash val="solid"/>
-            <a:miter lim="800000"/>
-          </a:ln>
-          <a:effectLst/>
-        </p:spPr>
-        <p:style>
-          <a:lnRef idx="2">
-            <a:schemeClr val="accent1"/>
-          </a:lnRef>
-          <a:fillRef idx="0">
-            <a:schemeClr val="accent1"/>
-          </a:fillRef>
-          <a:effectRef idx="1">
-            <a:schemeClr val="accent1"/>
-          </a:effectRef>
-          <a:fontRef idx="minor">
-            <a:schemeClr val="tx1"/>
-          </a:fontRef>
-        </p:style>
-      </p:cxnSp>
-      <p:sp>
-        <p:nvSpPr>
-          <p:cNvPr id="12" name="Divisa 11"/>
-          <p:cNvSpPr/>
-          <p:nvPr/>
-        </p:nvSpPr>
-        <p:spPr>
-          <a:xfrm>
-            <a:off x="11552149" y="4988440"/>
-            <a:ext cx="243840" cy="228600"/>
-          </a:xfrm>
-          <a:prstGeom prst="chevron">
-            <a:avLst>
-              <a:gd name="adj" fmla="val 50000"/>
-            </a:avLst>
-          </a:prstGeom>
-          <a:gradFill flip="none" rotWithShape="1">
-            <a:gsLst>
-              <a:gs pos="0">
-                <a:schemeClr val="accent1">
-                  <a:shade val="60000"/>
-                  <a:satMod val="125000"/>
-                </a:schemeClr>
-              </a:gs>
-              <a:gs pos="72000">
-                <a:schemeClr val="accent1">
-                  <a:tint val="90000"/>
-                  <a:satMod val="138000"/>
-                </a:schemeClr>
-              </a:gs>
-              <a:gs pos="100000">
-                <a:schemeClr val="accent1">
-                  <a:tint val="76000"/>
-                  <a:satMod val="136000"/>
-                </a:schemeClr>
-              </a:gs>
-            </a:gsLst>
-            <a:lin ang="16200000" scaled="0"/>
-          </a:gradFill>
-          <a:ln w="3175" cap="rnd" cmpd="sng" algn="ctr">
-            <a:solidFill>
-              <a:schemeClr val="accent1">
-                <a:shade val="50000"/>
-              </a:schemeClr>
-            </a:solidFill>
-            <a:prstDash val="solid"/>
-          </a:ln>
-          <a:effectLst>
-            <a:outerShdw blurRad="50800" dist="25400" dir="5400000">
-              <a:srgbClr val="000000">
-                <a:alpha val="46000"/>
-              </a:srgbClr>
-            </a:outerShdw>
-          </a:effectLst>
-        </p:spPr>
-        <p:style>
-          <a:lnRef idx="1">
-            <a:schemeClr val="accent1"/>
-          </a:lnRef>
-          <a:fillRef idx="3">
-            <a:schemeClr val="accent1"/>
-          </a:fillRef>
-          <a:effectRef idx="2">
-            <a:schemeClr val="accent1"/>
-          </a:effectRef>
-          <a:fontRef idx="minor">
-            <a:schemeClr val="lt1"/>
-          </a:fontRef>
-        </p:style>
-        <p:txBody>
-          <a:bodyPr anchor="ctr"/>
-          <a:lstStyle/>
-          <a:p>
-            <a:pPr algn="l" eaLnBrk="1" latinLnBrk="0" hangingPunct="1"/>
-            <a:endParaRPr kumimoji="0" lang="en-US" sz="1800"/>
-          </a:p>
-        </p:txBody>
-      </p:sp>
-      <p:sp>
-        <p:nvSpPr>
-          <p:cNvPr id="13" name="Divisa 12"/>
-          <p:cNvSpPr/>
-          <p:nvPr/>
-        </p:nvSpPr>
-        <p:spPr>
-          <a:xfrm>
-            <a:off x="11303595" y="4988440"/>
-            <a:ext cx="243840" cy="228600"/>
-          </a:xfrm>
-          <a:prstGeom prst="chevron">
-            <a:avLst>
-              <a:gd name="adj" fmla="val 50000"/>
-            </a:avLst>
-          </a:prstGeom>
-          <a:gradFill flip="none" rotWithShape="1">
-            <a:gsLst>
-              <a:gs pos="0">
-                <a:schemeClr val="accent1">
-                  <a:shade val="60000"/>
-                  <a:satMod val="125000"/>
-                </a:schemeClr>
-              </a:gs>
-              <a:gs pos="72000">
-                <a:schemeClr val="accent1">
-                  <a:tint val="90000"/>
-                  <a:satMod val="138000"/>
-                </a:schemeClr>
-              </a:gs>
-              <a:gs pos="100000">
-                <a:schemeClr val="accent1">
-                  <a:tint val="76000"/>
-                  <a:satMod val="136000"/>
-                </a:schemeClr>
-              </a:gs>
-            </a:gsLst>
-            <a:lin ang="16200000" scaled="0"/>
-          </a:gradFill>
-          <a:ln w="3175" cap="rnd" cmpd="sng" algn="ctr">
-            <a:solidFill>
-              <a:schemeClr val="accent1">
-                <a:shade val="50000"/>
-              </a:schemeClr>
-            </a:solidFill>
-            <a:prstDash val="solid"/>
-          </a:ln>
-          <a:effectLst>
-            <a:outerShdw blurRad="50800" dist="25400" dir="5400000">
-              <a:srgbClr val="000000">
-                <a:alpha val="46000"/>
-              </a:srgbClr>
-            </a:outerShdw>
-          </a:effectLst>
-        </p:spPr>
-        <p:style>
-          <a:lnRef idx="1">
-            <a:schemeClr val="accent1"/>
-          </a:lnRef>
-          <a:fillRef idx="3">
-            <a:schemeClr val="accent1"/>
-          </a:fillRef>
-          <a:effectRef idx="2">
-            <a:schemeClr val="accent1"/>
-          </a:effectRef>
-          <a:fontRef idx="minor">
-            <a:schemeClr val="lt1"/>
-          </a:fontRef>
-        </p:style>
-        <p:txBody>
-          <a:bodyPr anchor="ctr"/>
-          <a:lstStyle/>
-          <a:p>
-            <a:pPr algn="l" eaLnBrk="1" latinLnBrk="0" hangingPunct="1"/>
-            <a:endParaRPr kumimoji="0" lang="en-US" sz="1800"/>
-          </a:p>
-        </p:txBody>
-      </p:sp>
-    </p:spTree>
-  </p:cSld>
-  <p:clrMapOvr>
-    <a:overrideClrMapping bg1="dk1" tx1="lt1" bg2="dk2" tx2="lt2" accent1="accent1" accent2="accent2" accent3="accent3" accent4="accent4" accent5="accent5" accent6="accent6" hlink="hlink" folHlink="folHlink"/>
-  </p:clrMapOvr>
-</p:sldLayout>
-</file>
-
-<file path=ppt/slideMasters/slideMaster1.xml><?xml version="1.0" encoding="utf-8"?>
-<p:sldMaster xmlns:a="http://schemas.openxmlformats.org/drawingml/2006/main" xmlns:r="http://schemas.openxmlformats.org/officeDocument/2006/relationships" xmlns:p="http://schemas.openxmlformats.org/presentationml/2006/main">
-  <p:cSld>
-    <p:bg>
-      <p:bgPr>
-        <a:solidFill>
-          <a:schemeClr val="tx1"/>
-        </a:solidFill>
-        <a:effectLst/>
-      </p:bgPr>
-    </p:bg>
-    <p:spTree>
-      <p:nvGrpSpPr>
-        <p:cNvPr id="1" name=""/>
-        <p:cNvGrpSpPr/>
-        <p:nvPr/>
-      </p:nvGrpSpPr>
-      <p:grpSpPr>
-        <a:xfrm>
-          <a:off x="0" y="0"/>
-          <a:ext cx="0" cy="0"/>
-          <a:chOff x="0" y="0"/>
-          <a:chExt cx="0" cy="0"/>
-        </a:xfrm>
-      </p:grpSpPr>
-      <p:sp>
-        <p:nvSpPr>
-          <p:cNvPr id="13" name="Forma livre 12"/>
-          <p:cNvSpPr>
-            <a:spLocks/>
-          </p:cNvSpPr>
-          <p:nvPr/>
-        </p:nvSpPr>
-        <p:spPr bwMode="auto">
-          <a:xfrm>
-            <a:off x="665698" y="6405474"/>
-            <a:ext cx="4086153" cy="460538"/>
-          </a:xfrm>
-          <a:custGeom>
-            <a:avLst>
-              <a:gd name="A1" fmla="val 0"/>
-              <a:gd name="A2" fmla="val 0"/>
-              <a:gd name="A3" fmla="val 0"/>
-              <a:gd name="A4" fmla="val 0"/>
-              <a:gd name="A5" fmla="val 0"/>
-              <a:gd name="A6" fmla="val 0"/>
-              <a:gd name="A7" fmla="val 0"/>
-              <a:gd name="A8" fmla="val 0"/>
-            </a:avLst>
-            <a:gdLst/>
-            <a:ahLst/>
-            <a:cxnLst>
-              <a:cxn ang="0">
-                <a:pos x="0" y="0"/>
-              </a:cxn>
-              <a:cxn ang="0">
-                <a:pos x="5760" y="0"/>
-              </a:cxn>
-              <a:cxn ang="0">
-                <a:pos x="5760" y="528"/>
-              </a:cxn>
-              <a:cxn ang="0">
-                <a:pos x="48" y="0"/>
-              </a:cxn>
-            </a:cxnLst>
-            <a:rect l="0" t="0" r="0" b="0"/>
-            <a:pathLst>
-              <a:path w="7485" h="337">
-                <a:moveTo>
-                  <a:pt x="0" y="2"/>
-                </a:moveTo>
-                <a:lnTo>
-                  <a:pt x="7485" y="337"/>
-                </a:lnTo>
-                <a:lnTo>
-                  <a:pt x="5558" y="337"/>
-                </a:lnTo>
-                <a:lnTo>
-                  <a:pt x="1" y="0"/>
-                </a:lnTo>
-              </a:path>
-            </a:pathLst>
-          </a:custGeom>
-          <a:solidFill>
-            <a:schemeClr val="accent1">
-              <a:tint val="65000"/>
-              <a:satMod val="115000"/>
-              <a:alpha val="40000"/>
-            </a:schemeClr>
-          </a:solidFill>
-          <a:ln w="9525" cap="flat" cmpd="sng" algn="ctr">
-            <a:noFill/>
-            <a:prstDash val="solid"/>
-            <a:round/>
-            <a:headEnd type="none" w="med" len="med"/>
-            <a:tailEnd type="none" w="med" len="med"/>
-          </a:ln>
-          <a:effectLst/>
-        </p:spPr>
-        <p:txBody>
-          <a:bodyPr vert="horz" wrap="square" lIns="91440" tIns="45720" rIns="91440" bIns="45720" anchor="t" compatLnSpc="1"/>
-          <a:lstStyle/>
-          <a:p>
-            <a:endParaRPr kumimoji="0" lang="en-US" sz="1800"/>
-          </a:p>
-        </p:txBody>
-      </p:sp>
-      <p:sp>
-        <p:nvSpPr>
-          <p:cNvPr id="12" name="Forma livre 11"/>
-          <p:cNvSpPr>
-            <a:spLocks/>
-          </p:cNvSpPr>
-          <p:nvPr/>
-        </p:nvSpPr>
-        <p:spPr bwMode="auto">
-          <a:xfrm>
-            <a:off x="647624" y="6418660"/>
-            <a:ext cx="3052195" cy="447352"/>
-          </a:xfrm>
-          <a:custGeom>
-            <a:avLst>
-              <a:gd name="A1" fmla="val 0"/>
-              <a:gd name="A2" fmla="val 0"/>
-              <a:gd name="A3" fmla="val 0"/>
-              <a:gd name="A4" fmla="val 0"/>
-              <a:gd name="A5" fmla="val 0"/>
-              <a:gd name="A6" fmla="val 0"/>
-              <a:gd name="A7" fmla="val 0"/>
-              <a:gd name="A8" fmla="val 0"/>
-            </a:avLst>
-            <a:gdLst/>
-            <a:ahLst/>
-            <a:cxnLst>
-              <a:cxn ang="0">
-                <a:pos x="0" y="0"/>
-              </a:cxn>
-              <a:cxn ang="0">
-                <a:pos x="5760" y="0"/>
-              </a:cxn>
-              <a:cxn ang="0">
-                <a:pos x="5760" y="528"/>
-              </a:cxn>
-              <a:cxn ang="0">
-                <a:pos x="48" y="0"/>
-              </a:cxn>
-            </a:cxnLst>
-            <a:rect l="0" t="0" r="0" b="0"/>
-            <a:pathLst>
-              <a:path w="5591" h="588">
-                <a:moveTo>
-                  <a:pt x="0" y="0"/>
-                </a:moveTo>
-                <a:lnTo>
-                  <a:pt x="5591" y="585"/>
-                </a:lnTo>
-                <a:lnTo>
-                  <a:pt x="4415" y="588"/>
-                </a:lnTo>
-                <a:lnTo>
-                  <a:pt x="12" y="4"/>
-                </a:lnTo>
-              </a:path>
-            </a:pathLst>
-          </a:custGeom>
-          <a:solidFill>
-            <a:srgbClr val="000000">
-              <a:alpha val="100000"/>
-            </a:srgbClr>
-          </a:solidFill>
-          <a:ln w="9525" cap="flat" cmpd="sng" algn="ctr">
-            <a:noFill/>
-            <a:prstDash val="solid"/>
-            <a:round/>
-            <a:headEnd type="none" w="med" len="med"/>
-            <a:tailEnd type="none" w="med" len="med"/>
-          </a:ln>
-          <a:effectLst/>
-        </p:spPr>
-        <p:txBody>
-          <a:bodyPr vert="horz" wrap="square" lIns="91440" tIns="45720" rIns="91440" bIns="45720" anchor="t" compatLnSpc="1"/>
-          <a:lstStyle/>
-          <a:p>
-            <a:endParaRPr kumimoji="0" lang="en-US" sz="1800"/>
-          </a:p>
-        </p:txBody>
-      </p:sp>
-      <p:sp>
-        <p:nvSpPr>
-          <p:cNvPr id="14" name="Triângulo retângulo 13"/>
-          <p:cNvSpPr>
-            <a:spLocks/>
-          </p:cNvSpPr>
-          <p:nvPr/>
-        </p:nvSpPr>
-        <p:spPr bwMode="auto">
-          <a:xfrm>
-            <a:off x="-8056" y="6331687"/>
-            <a:ext cx="2813891" cy="540434"/>
-          </a:xfrm>
-          <a:prstGeom prst="rtTriangle">
-            <a:avLst/>
-          </a:prstGeom>
-          <a:blipFill>
-            <a:blip r:embed="rId13">
-              <a:alphaModFix amt="50000"/>
-            </a:blip>
-            <a:tile tx="0" ty="0" sx="50000" sy="50000" flip="none" algn="t"/>
-          </a:blipFill>
-          <a:ln w="12700" cap="rnd" cmpd="thickThin" algn="ctr">
-            <a:noFill/>
-            <a:prstDash val="solid"/>
-          </a:ln>
-          <a:effectLst>
-            <a:fillOverlay blend="mult">
-              <a:gradFill flip="none" rotWithShape="1">
-                <a:gsLst>
-                  <a:gs pos="0">
-                    <a:schemeClr val="accent1">
-                      <a:shade val="20000"/>
-                      <a:satMod val="176000"/>
-                      <a:alpha val="100000"/>
-                    </a:schemeClr>
-                  </a:gs>
-                  <a:gs pos="18000">
-                    <a:schemeClr val="accent1">
-                      <a:shade val="48000"/>
-                      <a:satMod val="153000"/>
-                      <a:alpha val="100000"/>
-                    </a:schemeClr>
-                  </a:gs>
-                  <a:gs pos="43000">
-                    <a:schemeClr val="accent1">
-                      <a:tint val="86000"/>
-                      <a:satMod val="149000"/>
-                      <a:alpha val="100000"/>
-                    </a:schemeClr>
-                  </a:gs>
-                  <a:gs pos="45000">
-                    <a:schemeClr val="accent1">
-                      <a:tint val="85000"/>
-                      <a:satMod val="150000"/>
-                      <a:alpha val="100000"/>
-                    </a:schemeClr>
-                  </a:gs>
-                  <a:gs pos="50000">
-                    <a:schemeClr val="accent1">
-                      <a:tint val="86000"/>
-                      <a:satMod val="149000"/>
-                      <a:alpha val="100000"/>
-                    </a:schemeClr>
-                  </a:gs>
-                  <a:gs pos="79000">
-                    <a:schemeClr val="accent1">
-                      <a:shade val="53000"/>
-                      <a:satMod val="150000"/>
-                      <a:alpha val="100000"/>
-                    </a:schemeClr>
-                  </a:gs>
-                  <a:gs pos="100000">
-                    <a:schemeClr val="accent1">
-                      <a:shade val="25000"/>
-                      <a:satMod val="170000"/>
-                      <a:alpha val="100000"/>
-                    </a:schemeClr>
-                  </a:gs>
-                </a:gsLst>
-                <a:lin ang="450000" scaled="1"/>
-                <a:tileRect/>
-              </a:gradFill>
-            </a:fillOverlay>
-          </a:effectLst>
-        </p:spPr>
-        <p:style>
-          <a:lnRef idx="3">
-            <a:schemeClr val="lt1"/>
-          </a:lnRef>
-          <a:fillRef idx="1">
-            <a:schemeClr val="accent1"/>
-          </a:fillRef>
-          <a:effectRef idx="1">
-            <a:schemeClr val="accent1"/>
-          </a:effectRef>
-          <a:fontRef idx="minor">
-            <a:schemeClr val="lt1"/>
-          </a:fontRef>
-        </p:style>
-        <p:txBody>
-          <a:bodyPr vert="horz" wrap="square" lIns="91440" tIns="45720" rIns="91440" bIns="45720" anchor="ctr" compatLnSpc="1"/>
-          <a:lstStyle/>
-          <a:p>
-            <a:pPr algn="ctr" eaLnBrk="1" latinLnBrk="0" hangingPunct="1"/>
-            <a:endParaRPr kumimoji="0" lang="en-US" sz="1800"/>
-          </a:p>
-        </p:txBody>
-      </p:sp>
+            </a:effectRef>
+            <a:fontRef idx="minor">
+              <a:schemeClr val="lt1"/>
+            </a:fontRef>
+          </p:style>
+          <p:txBody>
+            <a:bodyPr vert="horz" wrap="square" lIns="91440" tIns="45720" rIns="91440" bIns="45720" anchor="ctr" compatLnSpc="1"/>
+            <a:lstStyle/>
+            <a:p>
+              <a:pPr algn="ctr" eaLnBrk="1" latinLnBrk="0" hangingPunct="1"/>
+              <a:endParaRPr kumimoji="0" lang="en-US" sz="1800"/>
+            </a:p>
+          </p:txBody>
+        </p:sp>
+      </p:grpSp>
       <p:sp>
         <p:nvSpPr>
           <p:cNvPr id="9" name="Espaço Reservado para Título 8"/>
@@ -4986,7 +3545,7 @@
             <a:fld id="{B41ABA4E-CD72-497B-97AA-7213B3980F60}" type="datetimeFigureOut">
               <a:rPr lang="en-US" smtClean="0"/>
               <a:pPr/>
-              <a:t>6/24/2019</a:t>
+              <a:t>9/8/2021</a:t>
             </a:fld>
             <a:endParaRPr lang="en-US" dirty="0"/>
           </a:p>
@@ -5075,15 +3634,6 @@
   <p:sldLayoutIdLst>
     <p:sldLayoutId id="2147483781" r:id="rId1"/>
     <p:sldLayoutId id="2147483782" r:id="rId2"/>
-    <p:sldLayoutId id="2147483783" r:id="rId3"/>
-    <p:sldLayoutId id="2147483784" r:id="rId4"/>
-    <p:sldLayoutId id="2147483785" r:id="rId5"/>
-    <p:sldLayoutId id="2147483786" r:id="rId6"/>
-    <p:sldLayoutId id="2147483787" r:id="rId7"/>
-    <p:sldLayoutId id="2147483788" r:id="rId8"/>
-    <p:sldLayoutId id="2147483789" r:id="rId9"/>
-    <p:sldLayoutId id="2147483790" r:id="rId10"/>
-    <p:sldLayoutId id="2147483791" r:id="rId11"/>
   </p:sldLayoutIdLst>
   <p:txStyles>
     <p:titleStyle>
@@ -5411,11 +3961,13 @@
           </a:xfrm>
         </p:spPr>
         <p:txBody>
-          <a:bodyPr/>
+          <a:bodyPr>
+            <a:normAutofit/>
+          </a:bodyPr>
           <a:lstStyle/>
           <a:p>
             <a:r>
-              <a:rPr lang="pt-BR" dirty="0"/>
+              <a:rPr lang="pt-BR" sz="6600" dirty="0"/>
               <a:t>Exibição de Texto</a:t>
             </a:r>
           </a:p>
@@ -5438,21 +3990,23 @@
           </a:xfrm>
         </p:spPr>
         <p:txBody>
-          <a:bodyPr lIns="36000" rIns="36000"/>
+          <a:bodyPr lIns="36000" rIns="36000">
+            <a:normAutofit/>
+          </a:bodyPr>
           <a:lstStyle/>
           <a:p>
             <a:pPr marL="109728" indent="0">
               <a:buNone/>
             </a:pPr>
             <a:r>
-              <a:rPr lang="pt-BR" dirty="0">
+              <a:rPr lang="pt-BR" sz="3600" dirty="0">
                 <a:solidFill>
                   <a:schemeClr val="accent1">
                     <a:lumMod val="50000"/>
                   </a:schemeClr>
                 </a:solidFill>
               </a:rPr>
-              <a:t>Desenvolvimento de Jogos</a:t>
+              <a:t>Programação de Jogos</a:t>
             </a:r>
           </a:p>
         </p:txBody>
@@ -5516,7 +4070,26 @@
                   </a:schemeClr>
                 </a:solidFill>
               </a:rPr>
-              <a:t>imagens pré-fabricadas</a:t>
+              <a:t>imagens </a:t>
+            </a:r>
+            <a:br>
+              <a:rPr lang="pt-BR" dirty="0">
+                <a:solidFill>
+                  <a:schemeClr val="accent1">
+                    <a:lumMod val="75000"/>
+                  </a:schemeClr>
+                </a:solidFill>
+              </a:rPr>
+            </a:br>
+            <a:r>
+              <a:rPr lang="pt-BR" dirty="0">
+                <a:solidFill>
+                  <a:schemeClr val="accent1">
+                    <a:lumMod val="75000"/>
+                  </a:schemeClr>
+                </a:solidFill>
+              </a:rPr>
+              <a:t>pré-fabricadas</a:t>
             </a:r>
             <a:r>
               <a:rPr lang="pt-BR" dirty="0"/>
@@ -6254,16 +4827,19 @@
               <a:rPr lang="pt-BR" dirty="0"/>
             </a:br>
             <a:r>
+              <a:rPr lang="pt-BR" sz="2000" dirty="0">
+                <a:solidFill>
+                  <a:schemeClr val="accent2">
+                    <a:lumMod val="60000"/>
+                    <a:lumOff val="40000"/>
+                  </a:schemeClr>
+                </a:solidFill>
+              </a:rPr>
+              <a:t>Ex.:</a:t>
+            </a:r>
+            <a:r>
               <a:rPr lang="pt-BR" sz="2000" dirty="0"/>
-              <a:t>Ex.: </a:t>
-            </a:r>
-            <a:r>
-              <a:rPr lang="pt-BR" sz="2000" dirty="0" err="1"/>
-              <a:t>DirectWrite</a:t>
-            </a:r>
-            <a:r>
-              <a:rPr lang="pt-BR" sz="2000" dirty="0"/>
-              <a:t> + Direct2D </a:t>
+              <a:t> DirectWrite + Direct2D </a:t>
             </a:r>
             <a:endParaRPr lang="pt-BR" dirty="0"/>
           </a:p>
@@ -6287,8 +4863,19 @@
               <a:rPr lang="pt-BR" dirty="0"/>
             </a:br>
             <a:r>
+              <a:rPr lang="pt-BR" sz="2000" dirty="0">
+                <a:solidFill>
+                  <a:schemeClr val="accent2">
+                    <a:lumMod val="60000"/>
+                    <a:lumOff val="40000"/>
+                  </a:schemeClr>
+                </a:solidFill>
+              </a:rPr>
+              <a:t>Ex.: </a:t>
+            </a:r>
+            <a:r>
               <a:rPr lang="pt-BR" sz="2000" dirty="0"/>
-              <a:t>Ex.: Bitmap </a:t>
+              <a:t>Bitmap </a:t>
             </a:r>
             <a:r>
               <a:rPr lang="pt-BR" sz="2000" dirty="0" err="1"/>
@@ -7548,7 +6135,14 @@
             </a:r>
             <a:r>
               <a:rPr lang="pt-BR" dirty="0"/>
-              <a:t>a partir de folhas de caracteres é preciso identificar a posição do caractere na folha</a:t>
+              <a:t>a partir de folhas de caracteres </a:t>
+            </a:r>
+            <a:br>
+              <a:rPr lang="pt-BR" dirty="0"/>
+            </a:br>
+            <a:r>
+              <a:rPr lang="pt-BR" dirty="0"/>
+              <a:t>é preciso identificar a posição do caractere na folha</a:t>
             </a:r>
           </a:p>
         </p:txBody>
@@ -7589,7 +6183,7 @@
         <p:spPr>
           <a:xfrm>
             <a:off x="1271464" y="2635703"/>
-            <a:ext cx="4968552" cy="3693319"/>
+            <a:ext cx="4968552" cy="3416320"/>
           </a:xfrm>
           <a:prstGeom prst="rect">
             <a:avLst/>
@@ -7806,18 +6400,6 @@
             <a:r>
               <a:rPr lang="pt-BR" dirty="0">
                 <a:solidFill>
-                  <a:schemeClr val="accent1">
-                    <a:lumMod val="75000"/>
-                  </a:schemeClr>
-                </a:solidFill>
-                <a:latin typeface="Consolas" pitchFamily="49" charset="0"/>
-                <a:cs typeface="Consolas" pitchFamily="49" charset="0"/>
-              </a:rPr>
-              <a:t> </a:t>
-            </a:r>
-            <a:r>
-              <a:rPr lang="pt-BR" dirty="0">
-                <a:solidFill>
                   <a:schemeClr val="bg1">
                     <a:lumMod val="85000"/>
                   </a:schemeClr>
@@ -7978,17 +6560,6 @@
               </a:rPr>
               <a:t>       frame += 256;</a:t>
             </a:r>
-          </a:p>
-          <a:p>
-            <a:endParaRPr lang="pt-BR" dirty="0">
-              <a:solidFill>
-                <a:schemeClr val="bg1">
-                  <a:lumMod val="85000"/>
-                </a:schemeClr>
-              </a:solidFill>
-              <a:latin typeface="Consolas" pitchFamily="49" charset="0"/>
-              <a:cs typeface="Consolas" pitchFamily="49" charset="0"/>
-            </a:endParaRPr>
           </a:p>
           <a:p>
             <a:r>
@@ -8042,7 +6613,7 @@
           <p:nvPr/>
         </p:nvPicPr>
         <p:blipFill>
-          <a:blip r:embed="rId2">
+          <a:blip r:embed="rId3">
             <a:extLst>
               <a:ext uri="{28A0092B-C50C-407E-A947-70E740481C1C}">
                 <a14:useLocalDpi xmlns:a14="http://schemas.microsoft.com/office/drawing/2010/main" val="0"/>
@@ -8129,6 +6700,15 @@
               </a:rPr>
               <a:t>calcular a posição </a:t>
             </a:r>
+            <a:br>
+              <a:rPr lang="pt-BR" dirty="0">
+                <a:solidFill>
+                  <a:schemeClr val="accent1">
+                    <a:lumMod val="75000"/>
+                  </a:schemeClr>
+                </a:solidFill>
+              </a:rPr>
+            </a:br>
             <a:r>
               <a:rPr lang="pt-BR" dirty="0"/>
               <a:t>de cada caractere após o primeiro</a:t>
@@ -8398,31 +6978,7 @@
                 <a:latin typeface="Consolas" pitchFamily="49" charset="0"/>
                 <a:cs typeface="Consolas" pitchFamily="49" charset="0"/>
               </a:rPr>
-              <a:t>	</a:t>
-            </a:r>
-            <a:r>
-              <a:rPr lang="pt-BR" sz="1600" dirty="0" err="1">
-                <a:solidFill>
-                  <a:schemeClr val="bg1">
-                    <a:lumMod val="85000"/>
-                  </a:schemeClr>
-                </a:solidFill>
-                <a:latin typeface="Consolas" pitchFamily="49" charset="0"/>
-                <a:cs typeface="Consolas" pitchFamily="49" charset="0"/>
-              </a:rPr>
-              <a:t>charWidth</a:t>
-            </a:r>
-            <a:r>
-              <a:rPr lang="pt-BR" sz="1600" dirty="0">
-                <a:solidFill>
-                  <a:schemeClr val="bg1">
-                    <a:lumMod val="85000"/>
-                  </a:schemeClr>
-                </a:solidFill>
-                <a:latin typeface="Consolas" pitchFamily="49" charset="0"/>
-                <a:cs typeface="Consolas" pitchFamily="49" charset="0"/>
-              </a:rPr>
-              <a:t> = </a:t>
+              <a:t>	charWidth = </a:t>
             </a:r>
             <a:r>
               <a:rPr lang="pt-BR" sz="1600" dirty="0" err="1">
@@ -8563,7 +7119,7 @@
                 <a:latin typeface="Consolas" pitchFamily="49" charset="0"/>
                 <a:cs typeface="Consolas" pitchFamily="49" charset="0"/>
               </a:rPr>
-              <a:t> += </a:t>
+              <a:t> += charWidth * </a:t>
             </a:r>
             <a:r>
               <a:rPr lang="pt-BR" sz="1600" dirty="0" err="1">
@@ -8575,7 +7131,7 @@
                 <a:latin typeface="Consolas" pitchFamily="49" charset="0"/>
                 <a:cs typeface="Consolas" pitchFamily="49" charset="0"/>
               </a:rPr>
-              <a:t>charWidth</a:t>
+              <a:t>scale</a:t>
             </a:r>
             <a:r>
               <a:rPr lang="pt-BR" sz="1600" dirty="0">
@@ -8587,7 +7143,7 @@
                 <a:latin typeface="Consolas" pitchFamily="49" charset="0"/>
                 <a:cs typeface="Consolas" pitchFamily="49" charset="0"/>
               </a:rPr>
-              <a:t> * </a:t>
+              <a:t> * cos(</a:t>
             </a:r>
             <a:r>
               <a:rPr lang="pt-BR" sz="1600" dirty="0" err="1">
@@ -8599,7 +7155,7 @@
                 <a:latin typeface="Consolas" pitchFamily="49" charset="0"/>
                 <a:cs typeface="Consolas" pitchFamily="49" charset="0"/>
               </a:rPr>
-              <a:t>scale</a:t>
+              <a:t>rotation</a:t>
             </a:r>
             <a:r>
               <a:rPr lang="pt-BR" sz="1600" dirty="0">
@@ -8611,10 +7167,12 @@
                 <a:latin typeface="Consolas" pitchFamily="49" charset="0"/>
                 <a:cs typeface="Consolas" pitchFamily="49" charset="0"/>
               </a:rPr>
-              <a:t> * cos(</a:t>
-            </a:r>
-            <a:r>
-              <a:rPr lang="pt-BR" sz="1600" dirty="0" err="1">
+              <a:t>);</a:t>
+            </a:r>
+          </a:p>
+          <a:p>
+            <a:r>
+              <a:rPr lang="pt-BR" sz="1600" dirty="0">
                 <a:solidFill>
                   <a:schemeClr val="bg1">
                     <a:lumMod val="85000"/>
@@ -8623,10 +7181,10 @@
                 <a:latin typeface="Consolas" pitchFamily="49" charset="0"/>
                 <a:cs typeface="Consolas" pitchFamily="49" charset="0"/>
               </a:rPr>
-              <a:t>rotation</a:t>
-            </a:r>
-            <a:r>
-              <a:rPr lang="pt-BR" sz="1600" dirty="0">
+              <a:t>    </a:t>
+            </a:r>
+            <a:r>
+              <a:rPr lang="pt-BR" sz="1600" dirty="0" err="1">
                 <a:solidFill>
                   <a:schemeClr val="bg1">
                     <a:lumMod val="85000"/>
@@ -8635,10 +7193,8 @@
                 <a:latin typeface="Consolas" pitchFamily="49" charset="0"/>
                 <a:cs typeface="Consolas" pitchFamily="49" charset="0"/>
               </a:rPr>
-              <a:t>);</a:t>
-            </a:r>
-          </a:p>
-          <a:p>
+              <a:t>posY</a:t>
+            </a:r>
             <a:r>
               <a:rPr lang="pt-BR" sz="1600" dirty="0">
                 <a:solidFill>
@@ -8649,7 +7205,7 @@
                 <a:latin typeface="Consolas" pitchFamily="49" charset="0"/>
                 <a:cs typeface="Consolas" pitchFamily="49" charset="0"/>
               </a:rPr>
-              <a:t>    </a:t>
+              <a:t> += charWidth * </a:t>
             </a:r>
             <a:r>
               <a:rPr lang="pt-BR" sz="1600" dirty="0" err="1">
@@ -8661,7 +7217,7 @@
                 <a:latin typeface="Consolas" pitchFamily="49" charset="0"/>
                 <a:cs typeface="Consolas" pitchFamily="49" charset="0"/>
               </a:rPr>
-              <a:t>posY</a:t>
+              <a:t>scale</a:t>
             </a:r>
             <a:r>
               <a:rPr lang="pt-BR" sz="1600" dirty="0">
@@ -8673,7 +7229,7 @@
                 <a:latin typeface="Consolas" pitchFamily="49" charset="0"/>
                 <a:cs typeface="Consolas" pitchFamily="49" charset="0"/>
               </a:rPr>
-              <a:t> += </a:t>
+              <a:t> * </a:t>
             </a:r>
             <a:r>
               <a:rPr lang="pt-BR" sz="1600" dirty="0" err="1">
@@ -8685,7 +7241,7 @@
                 <a:latin typeface="Consolas" pitchFamily="49" charset="0"/>
                 <a:cs typeface="Consolas" pitchFamily="49" charset="0"/>
               </a:rPr>
-              <a:t>charWidth</a:t>
+              <a:t>sin</a:t>
             </a:r>
             <a:r>
               <a:rPr lang="pt-BR" sz="1600" dirty="0">
@@ -8697,7 +7253,7 @@
                 <a:latin typeface="Consolas" pitchFamily="49" charset="0"/>
                 <a:cs typeface="Consolas" pitchFamily="49" charset="0"/>
               </a:rPr>
-              <a:t> * </a:t>
+              <a:t>(</a:t>
             </a:r>
             <a:r>
               <a:rPr lang="pt-BR" sz="1600" dirty="0" err="1">
@@ -8709,7 +7265,7 @@
                 <a:latin typeface="Consolas" pitchFamily="49" charset="0"/>
                 <a:cs typeface="Consolas" pitchFamily="49" charset="0"/>
               </a:rPr>
-              <a:t>scale</a:t>
+              <a:t>rotation</a:t>
             </a:r>
             <a:r>
               <a:rPr lang="pt-BR" sz="1600" dirty="0">
@@ -8721,10 +7277,12 @@
                 <a:latin typeface="Consolas" pitchFamily="49" charset="0"/>
                 <a:cs typeface="Consolas" pitchFamily="49" charset="0"/>
               </a:rPr>
-              <a:t> * </a:t>
-            </a:r>
-            <a:r>
-              <a:rPr lang="pt-BR" sz="1600" dirty="0" err="1">
+              <a:t>);</a:t>
+            </a:r>
+          </a:p>
+          <a:p>
+            <a:r>
+              <a:rPr lang="pt-BR" sz="1600" dirty="0">
                 <a:solidFill>
                   <a:schemeClr val="bg1">
                     <a:lumMod val="85000"/>
@@ -8733,8 +7291,10 @@
                 <a:latin typeface="Consolas" pitchFamily="49" charset="0"/>
                 <a:cs typeface="Consolas" pitchFamily="49" charset="0"/>
               </a:rPr>
-              <a:t>sin</a:t>
-            </a:r>
+              <a:t>} </a:t>
+            </a:r>
+          </a:p>
+          <a:p>
             <a:r>
               <a:rPr lang="pt-BR" sz="1600" dirty="0">
                 <a:solidFill>
@@ -8745,93 +7305,11 @@
                 <a:latin typeface="Consolas" pitchFamily="49" charset="0"/>
                 <a:cs typeface="Consolas" pitchFamily="49" charset="0"/>
               </a:rPr>
-              <a:t>(</a:t>
-            </a:r>
-            <a:r>
-              <a:rPr lang="pt-BR" sz="1600" dirty="0" err="1">
-                <a:solidFill>
-                  <a:schemeClr val="bg1">
-                    <a:lumMod val="85000"/>
-                  </a:schemeClr>
-                </a:solidFill>
-                <a:latin typeface="Consolas" pitchFamily="49" charset="0"/>
-                <a:cs typeface="Consolas" pitchFamily="49" charset="0"/>
-              </a:rPr>
-              <a:t>rotation</a:t>
-            </a:r>
-            <a:r>
-              <a:rPr lang="pt-BR" sz="1600" dirty="0">
-                <a:solidFill>
-                  <a:schemeClr val="bg1">
-                    <a:lumMod val="85000"/>
-                  </a:schemeClr>
-                </a:solidFill>
-                <a:latin typeface="Consolas" pitchFamily="49" charset="0"/>
-                <a:cs typeface="Consolas" pitchFamily="49" charset="0"/>
-              </a:rPr>
-              <a:t>);</a:t>
-            </a:r>
-          </a:p>
-          <a:p>
-            <a:r>
-              <a:rPr lang="pt-BR" sz="1600" dirty="0">
-                <a:solidFill>
-                  <a:schemeClr val="bg1">
-                    <a:lumMod val="85000"/>
-                  </a:schemeClr>
-                </a:solidFill>
-                <a:latin typeface="Consolas" pitchFamily="49" charset="0"/>
-                <a:cs typeface="Consolas" pitchFamily="49" charset="0"/>
-              </a:rPr>
-              <a:t>} </a:t>
-            </a:r>
-          </a:p>
-          <a:p>
-            <a:r>
-              <a:rPr lang="pt-BR" sz="1600" dirty="0">
-                <a:solidFill>
-                  <a:schemeClr val="bg1">
-                    <a:lumMod val="85000"/>
-                  </a:schemeClr>
-                </a:solidFill>
-                <a:latin typeface="Consolas" pitchFamily="49" charset="0"/>
-                <a:cs typeface="Consolas" pitchFamily="49" charset="0"/>
-              </a:rPr>
               <a:t>    </a:t>
             </a:r>
           </a:p>
         </p:txBody>
       </p:sp>
-      <p:pic>
-        <p:nvPicPr>
-          <p:cNvPr id="4" name="Imagem 3"/>
-          <p:cNvPicPr>
-            <a:picLocks noChangeAspect="1"/>
-          </p:cNvPicPr>
-          <p:nvPr/>
-        </p:nvPicPr>
-        <p:blipFill>
-          <a:blip r:embed="rId3">
-            <a:extLst>
-              <a:ext uri="{28A0092B-C50C-407E-A947-70E740481C1C}">
-                <a14:useLocalDpi xmlns:a14="http://schemas.microsoft.com/office/drawing/2010/main" val="0"/>
-              </a:ext>
-            </a:extLst>
-          </a:blip>
-          <a:stretch>
-            <a:fillRect/>
-          </a:stretch>
-        </p:blipFill>
-        <p:spPr>
-          <a:xfrm>
-            <a:off x="7176120" y="2337171"/>
-            <a:ext cx="4013385" cy="4013385"/>
-          </a:xfrm>
-          <a:prstGeom prst="rect">
-            <a:avLst/>
-          </a:prstGeom>
-        </p:spPr>
-      </p:pic>
       <p:grpSp>
         <p:nvGrpSpPr>
           <p:cNvPr id="6" name="Agrupar 5">
@@ -9022,6 +7500,871 @@
           </p:txBody>
         </p:sp>
       </p:grpSp>
+      <p:grpSp>
+        <p:nvGrpSpPr>
+          <p:cNvPr id="33" name="Agrupar 32">
+            <a:extLst>
+              <a:ext uri="{FF2B5EF4-FFF2-40B4-BE49-F238E27FC236}">
+                <a16:creationId xmlns:a16="http://schemas.microsoft.com/office/drawing/2014/main" id="{1166EB71-28EF-4AC8-A9AD-40C8AA930EAA}"/>
+              </a:ext>
+            </a:extLst>
+          </p:cNvPr>
+          <p:cNvGrpSpPr/>
+          <p:nvPr/>
+        </p:nvGrpSpPr>
+        <p:grpSpPr>
+          <a:xfrm>
+            <a:off x="6384032" y="2335417"/>
+            <a:ext cx="2382383" cy="2364109"/>
+            <a:chOff x="7247685" y="3387779"/>
+            <a:chExt cx="2382383" cy="2364109"/>
+          </a:xfrm>
+        </p:grpSpPr>
+        <p:grpSp>
+          <p:nvGrpSpPr>
+            <p:cNvPr id="24" name="Agrupar 23">
+              <a:extLst>
+                <a:ext uri="{FF2B5EF4-FFF2-40B4-BE49-F238E27FC236}">
+                  <a16:creationId xmlns:a16="http://schemas.microsoft.com/office/drawing/2014/main" id="{FDD7F5DA-FE9F-41CE-819E-3040ED1CEF8D}"/>
+                </a:ext>
+              </a:extLst>
+            </p:cNvPr>
+            <p:cNvGrpSpPr/>
+            <p:nvPr/>
+          </p:nvGrpSpPr>
+          <p:grpSpPr>
+            <a:xfrm>
+              <a:off x="8112224" y="4797152"/>
+              <a:ext cx="1449054" cy="954736"/>
+              <a:chOff x="7549317" y="4243244"/>
+              <a:chExt cx="2579131" cy="1699307"/>
+            </a:xfrm>
+          </p:grpSpPr>
+          <p:cxnSp>
+            <p:nvCxnSpPr>
+              <p:cNvPr id="10" name="Conector reto 9">
+                <a:extLst>
+                  <a:ext uri="{FF2B5EF4-FFF2-40B4-BE49-F238E27FC236}">
+                    <a16:creationId xmlns:a16="http://schemas.microsoft.com/office/drawing/2014/main" id="{E30A3BB6-F417-4168-937C-404BF3ECD19D}"/>
+                  </a:ext>
+                </a:extLst>
+              </p:cNvPr>
+              <p:cNvCxnSpPr/>
+              <p:nvPr/>
+            </p:nvCxnSpPr>
+            <p:spPr>
+              <a:xfrm>
+                <a:off x="7896200" y="5445224"/>
+                <a:ext cx="2232248" cy="0"/>
+              </a:xfrm>
+              <a:prstGeom prst="line">
+                <a:avLst/>
+              </a:prstGeom>
+            </p:spPr>
+            <p:style>
+              <a:lnRef idx="1">
+                <a:schemeClr val="accent1"/>
+              </a:lnRef>
+              <a:fillRef idx="0">
+                <a:schemeClr val="accent1"/>
+              </a:fillRef>
+              <a:effectRef idx="0">
+                <a:schemeClr val="accent1"/>
+              </a:effectRef>
+              <a:fontRef idx="minor">
+                <a:schemeClr val="tx1"/>
+              </a:fontRef>
+            </p:style>
+          </p:cxnSp>
+          <p:cxnSp>
+            <p:nvCxnSpPr>
+              <p:cNvPr id="11" name="Conector reto 10">
+                <a:extLst>
+                  <a:ext uri="{FF2B5EF4-FFF2-40B4-BE49-F238E27FC236}">
+                    <a16:creationId xmlns:a16="http://schemas.microsoft.com/office/drawing/2014/main" id="{7150B5F9-AFC9-40FF-96F3-29492BCA3D92}"/>
+                  </a:ext>
+                </a:extLst>
+              </p:cNvPr>
+              <p:cNvCxnSpPr>
+                <a:cxnSpLocks/>
+              </p:cNvCxnSpPr>
+              <p:nvPr/>
+            </p:nvCxnSpPr>
+            <p:spPr>
+              <a:xfrm flipV="1">
+                <a:off x="7896200" y="4243244"/>
+                <a:ext cx="2232248" cy="1201980"/>
+              </a:xfrm>
+              <a:prstGeom prst="line">
+                <a:avLst/>
+              </a:prstGeom>
+            </p:spPr>
+            <p:style>
+              <a:lnRef idx="1">
+                <a:schemeClr val="accent1"/>
+              </a:lnRef>
+              <a:fillRef idx="0">
+                <a:schemeClr val="accent1"/>
+              </a:fillRef>
+              <a:effectRef idx="0">
+                <a:schemeClr val="accent1"/>
+              </a:effectRef>
+              <a:fontRef idx="minor">
+                <a:schemeClr val="tx1"/>
+              </a:fontRef>
+            </p:style>
+          </p:cxnSp>
+          <p:sp>
+            <p:nvSpPr>
+              <p:cNvPr id="13" name="Arco 12">
+                <a:extLst>
+                  <a:ext uri="{FF2B5EF4-FFF2-40B4-BE49-F238E27FC236}">
+                    <a16:creationId xmlns:a16="http://schemas.microsoft.com/office/drawing/2014/main" id="{941BEA52-AB43-4096-929D-4753F71811EE}"/>
+                  </a:ext>
+                </a:extLst>
+              </p:cNvPr>
+              <p:cNvSpPr/>
+              <p:nvPr/>
+            </p:nvSpPr>
+            <p:spPr>
+              <a:xfrm>
+                <a:off x="7549317" y="5002992"/>
+                <a:ext cx="864096" cy="939559"/>
+              </a:xfrm>
+              <a:prstGeom prst="arc">
+                <a:avLst>
+                  <a:gd name="adj1" fmla="val 19351764"/>
+                  <a:gd name="adj2" fmla="val 21475998"/>
+                </a:avLst>
+              </a:prstGeom>
+            </p:spPr>
+            <p:style>
+              <a:lnRef idx="1">
+                <a:schemeClr val="accent1"/>
+              </a:lnRef>
+              <a:fillRef idx="0">
+                <a:schemeClr val="accent1"/>
+              </a:fillRef>
+              <a:effectRef idx="0">
+                <a:schemeClr val="accent1"/>
+              </a:effectRef>
+              <a:fontRef idx="minor">
+                <a:schemeClr val="tx1"/>
+              </a:fontRef>
+            </p:style>
+            <p:txBody>
+              <a:bodyPr rtlCol="0" anchor="ctr"/>
+              <a:lstStyle/>
+              <a:p>
+                <a:pPr algn="ctr"/>
+                <a:endParaRPr lang="pt-BR" sz="1100"/>
+              </a:p>
+            </p:txBody>
+          </p:sp>
+          <p:sp>
+            <p:nvSpPr>
+              <p:cNvPr id="14" name="CaixaDeTexto 13">
+                <a:extLst>
+                  <a:ext uri="{FF2B5EF4-FFF2-40B4-BE49-F238E27FC236}">
+                    <a16:creationId xmlns:a16="http://schemas.microsoft.com/office/drawing/2014/main" id="{3C751714-F46F-426F-B20A-B308BE2E4961}"/>
+                  </a:ext>
+                </a:extLst>
+              </p:cNvPr>
+              <p:cNvSpPr txBox="1"/>
+              <p:nvPr/>
+            </p:nvSpPr>
+            <p:spPr>
+              <a:xfrm>
+                <a:off x="8376171" y="5092447"/>
+                <a:ext cx="482751" cy="465632"/>
+              </a:xfrm>
+              <a:prstGeom prst="rect">
+                <a:avLst/>
+              </a:prstGeom>
+              <a:noFill/>
+            </p:spPr>
+            <p:txBody>
+              <a:bodyPr wrap="none" rtlCol="0">
+                <a:spAutoFit/>
+              </a:bodyPr>
+              <a:lstStyle/>
+              <a:p>
+                <a:r>
+                  <a:rPr lang="el-GR" sz="1050" dirty="0">
+                    <a:solidFill>
+                      <a:schemeClr val="bg1">
+                        <a:lumMod val="85000"/>
+                      </a:schemeClr>
+                    </a:solidFill>
+                  </a:rPr>
+                  <a:t>θ</a:t>
+                </a:r>
+                <a:endParaRPr lang="pt-BR" sz="1050" dirty="0">
+                  <a:solidFill>
+                    <a:schemeClr val="bg1">
+                      <a:lumMod val="85000"/>
+                    </a:schemeClr>
+                  </a:solidFill>
+                </a:endParaRPr>
+              </a:p>
+            </p:txBody>
+          </p:sp>
+          <p:cxnSp>
+            <p:nvCxnSpPr>
+              <p:cNvPr id="16" name="Conector reto 15">
+                <a:extLst>
+                  <a:ext uri="{FF2B5EF4-FFF2-40B4-BE49-F238E27FC236}">
+                    <a16:creationId xmlns:a16="http://schemas.microsoft.com/office/drawing/2014/main" id="{1C961F3B-7F7C-491C-9DDC-41549C540CEF}"/>
+                  </a:ext>
+                </a:extLst>
+              </p:cNvPr>
+              <p:cNvCxnSpPr>
+                <a:cxnSpLocks/>
+              </p:cNvCxnSpPr>
+              <p:nvPr/>
+            </p:nvCxnSpPr>
+            <p:spPr>
+              <a:xfrm flipV="1">
+                <a:off x="10128448" y="4243244"/>
+                <a:ext cx="0" cy="1201980"/>
+              </a:xfrm>
+              <a:prstGeom prst="line">
+                <a:avLst/>
+              </a:prstGeom>
+            </p:spPr>
+            <p:style>
+              <a:lnRef idx="1">
+                <a:schemeClr val="accent1"/>
+              </a:lnRef>
+              <a:fillRef idx="0">
+                <a:schemeClr val="accent1"/>
+              </a:fillRef>
+              <a:effectRef idx="0">
+                <a:schemeClr val="accent1"/>
+              </a:effectRef>
+              <a:fontRef idx="minor">
+                <a:schemeClr val="tx1"/>
+              </a:fontRef>
+            </p:style>
+          </p:cxnSp>
+          <p:grpSp>
+            <p:nvGrpSpPr>
+              <p:cNvPr id="22" name="Agrupar 21">
+                <a:extLst>
+                  <a:ext uri="{FF2B5EF4-FFF2-40B4-BE49-F238E27FC236}">
+                    <a16:creationId xmlns:a16="http://schemas.microsoft.com/office/drawing/2014/main" id="{538F05C3-0A1D-4CE4-A7C8-F2F95160903E}"/>
+                  </a:ext>
+                </a:extLst>
+              </p:cNvPr>
+              <p:cNvGrpSpPr/>
+              <p:nvPr/>
+            </p:nvGrpSpPr>
+            <p:grpSpPr>
+              <a:xfrm>
+                <a:off x="9975047" y="5301208"/>
+                <a:ext cx="153401" cy="144011"/>
+                <a:chOff x="9975047" y="5301208"/>
+                <a:chExt cx="153401" cy="144011"/>
+              </a:xfrm>
+            </p:grpSpPr>
+            <p:sp>
+              <p:nvSpPr>
+                <p:cNvPr id="20" name="Elipse 19">
+                  <a:extLst>
+                    <a:ext uri="{FF2B5EF4-FFF2-40B4-BE49-F238E27FC236}">
+                      <a16:creationId xmlns:a16="http://schemas.microsoft.com/office/drawing/2014/main" id="{83F327DF-0E81-464D-B0F4-F94DDF562831}"/>
+                    </a:ext>
+                  </a:extLst>
+                </p:cNvPr>
+                <p:cNvSpPr/>
+                <p:nvPr/>
+              </p:nvSpPr>
+              <p:spPr>
+                <a:xfrm flipH="1" flipV="1">
+                  <a:off x="10029378" y="5353807"/>
+                  <a:ext cx="45719" cy="45719"/>
+                </a:xfrm>
+                <a:prstGeom prst="ellipse">
+                  <a:avLst/>
+                </a:prstGeom>
+                <a:ln>
+                  <a:noFill/>
+                </a:ln>
+              </p:spPr>
+              <p:style>
+                <a:lnRef idx="2">
+                  <a:schemeClr val="accent1">
+                    <a:shade val="50000"/>
+                  </a:schemeClr>
+                </a:lnRef>
+                <a:fillRef idx="1">
+                  <a:schemeClr val="accent1"/>
+                </a:fillRef>
+                <a:effectRef idx="0">
+                  <a:schemeClr val="accent1"/>
+                </a:effectRef>
+                <a:fontRef idx="minor">
+                  <a:schemeClr val="lt1"/>
+                </a:fontRef>
+              </p:style>
+              <p:txBody>
+                <a:bodyPr rtlCol="0" anchor="ctr"/>
+                <a:lstStyle/>
+                <a:p>
+                  <a:pPr algn="ctr"/>
+                  <a:endParaRPr lang="pt-BR" sz="1100"/>
+                </a:p>
+              </p:txBody>
+            </p:sp>
+            <p:sp>
+              <p:nvSpPr>
+                <p:cNvPr id="21" name="Retângulo 20">
+                  <a:extLst>
+                    <a:ext uri="{FF2B5EF4-FFF2-40B4-BE49-F238E27FC236}">
+                      <a16:creationId xmlns:a16="http://schemas.microsoft.com/office/drawing/2014/main" id="{E9126E5B-837D-417A-9CB8-13187889084F}"/>
+                    </a:ext>
+                  </a:extLst>
+                </p:cNvPr>
+                <p:cNvSpPr/>
+                <p:nvPr/>
+              </p:nvSpPr>
+              <p:spPr>
+                <a:xfrm>
+                  <a:off x="9975047" y="5301208"/>
+                  <a:ext cx="153401" cy="144011"/>
+                </a:xfrm>
+                <a:prstGeom prst="rect">
+                  <a:avLst/>
+                </a:prstGeom>
+                <a:noFill/>
+                <a:ln>
+                  <a:solidFill>
+                    <a:schemeClr val="accent1"/>
+                  </a:solidFill>
+                </a:ln>
+              </p:spPr>
+              <p:style>
+                <a:lnRef idx="1">
+                  <a:schemeClr val="accent1"/>
+                </a:lnRef>
+                <a:fillRef idx="2">
+                  <a:schemeClr val="accent1"/>
+                </a:fillRef>
+                <a:effectRef idx="1">
+                  <a:schemeClr val="accent1"/>
+                </a:effectRef>
+                <a:fontRef idx="minor">
+                  <a:schemeClr val="dk1"/>
+                </a:fontRef>
+              </p:style>
+              <p:txBody>
+                <a:bodyPr rtlCol="0" anchor="ctr"/>
+                <a:lstStyle/>
+                <a:p>
+                  <a:pPr algn="ctr"/>
+                  <a:endParaRPr lang="pt-BR" sz="1100"/>
+                </a:p>
+              </p:txBody>
+            </p:sp>
+          </p:grpSp>
+        </p:grpSp>
+        <p:sp>
+          <p:nvSpPr>
+            <p:cNvPr id="23" name="CaixaDeTexto 22">
+              <a:extLst>
+                <a:ext uri="{FF2B5EF4-FFF2-40B4-BE49-F238E27FC236}">
+                  <a16:creationId xmlns:a16="http://schemas.microsoft.com/office/drawing/2014/main" id="{5A1FD039-B59A-406E-8841-B07AFB433871}"/>
+                </a:ext>
+              </a:extLst>
+            </p:cNvPr>
+            <p:cNvSpPr txBox="1"/>
+            <p:nvPr/>
+          </p:nvSpPr>
+          <p:spPr>
+            <a:xfrm rot="19891856">
+              <a:off x="7247685" y="3387779"/>
+              <a:ext cx="2382383" cy="1692771"/>
+            </a:xfrm>
+            <a:prstGeom prst="rect">
+              <a:avLst/>
+            </a:prstGeom>
+            <a:noFill/>
+          </p:spPr>
+          <p:txBody>
+            <a:bodyPr wrap="none" rtlCol="0">
+              <a:spAutoFit/>
+            </a:bodyPr>
+            <a:lstStyle/>
+            <a:p>
+              <a:r>
+                <a:rPr lang="pt-BR" sz="10400" dirty="0">
+                  <a:solidFill>
+                    <a:schemeClr val="bg1">
+                      <a:lumMod val="75000"/>
+                    </a:schemeClr>
+                  </a:solidFill>
+                  <a:latin typeface="Consolas" panose="020B0609020204030204" pitchFamily="49" charset="0"/>
+                  <a:cs typeface="Courier New" panose="02070309020205020404" pitchFamily="49" charset="0"/>
+                </a:rPr>
+                <a:t>A B</a:t>
+              </a:r>
+            </a:p>
+          </p:txBody>
+        </p:sp>
+        <p:grpSp>
+          <p:nvGrpSpPr>
+            <p:cNvPr id="28" name="Agrupar 27">
+              <a:extLst>
+                <a:ext uri="{FF2B5EF4-FFF2-40B4-BE49-F238E27FC236}">
+                  <a16:creationId xmlns:a16="http://schemas.microsoft.com/office/drawing/2014/main" id="{2C466669-5006-455D-833A-D57BBCF457B7}"/>
+                </a:ext>
+              </a:extLst>
+            </p:cNvPr>
+            <p:cNvGrpSpPr/>
+            <p:nvPr/>
+          </p:nvGrpSpPr>
+          <p:grpSpPr>
+            <a:xfrm rot="19906216">
+              <a:off x="8043341" y="4503354"/>
+              <a:ext cx="1431938" cy="674731"/>
+              <a:chOff x="7968208" y="5562688"/>
+              <a:chExt cx="1431938" cy="674731"/>
+            </a:xfrm>
+          </p:grpSpPr>
+          <p:cxnSp>
+            <p:nvCxnSpPr>
+              <p:cNvPr id="25" name="Conector reto 24">
+                <a:extLst>
+                  <a:ext uri="{FF2B5EF4-FFF2-40B4-BE49-F238E27FC236}">
+                    <a16:creationId xmlns:a16="http://schemas.microsoft.com/office/drawing/2014/main" id="{983C9CF3-A317-41F2-BA0C-7A7A23EB5BDC}"/>
+                  </a:ext>
+                </a:extLst>
+              </p:cNvPr>
+              <p:cNvCxnSpPr>
+                <a:cxnSpLocks/>
+              </p:cNvCxnSpPr>
+              <p:nvPr/>
+            </p:nvCxnSpPr>
+            <p:spPr>
+              <a:xfrm rot="1693784" flipV="1">
+                <a:off x="8053041" y="5562688"/>
+                <a:ext cx="1256799" cy="674731"/>
+              </a:xfrm>
+              <a:prstGeom prst="line">
+                <a:avLst/>
+              </a:prstGeom>
+            </p:spPr>
+            <p:style>
+              <a:lnRef idx="1">
+                <a:schemeClr val="accent1"/>
+              </a:lnRef>
+              <a:fillRef idx="0">
+                <a:schemeClr val="accent1"/>
+              </a:fillRef>
+              <a:effectRef idx="0">
+                <a:schemeClr val="accent1"/>
+              </a:effectRef>
+              <a:fontRef idx="minor">
+                <a:schemeClr val="tx1"/>
+              </a:fontRef>
+            </p:style>
+          </p:cxnSp>
+          <p:cxnSp>
+            <p:nvCxnSpPr>
+              <p:cNvPr id="26" name="Conector reto 25">
+                <a:extLst>
+                  <a:ext uri="{FF2B5EF4-FFF2-40B4-BE49-F238E27FC236}">
+                    <a16:creationId xmlns:a16="http://schemas.microsoft.com/office/drawing/2014/main" id="{15FF15EF-7069-4793-ABC8-FB4C3CFDE65B}"/>
+                  </a:ext>
+                </a:extLst>
+              </p:cNvPr>
+              <p:cNvCxnSpPr/>
+              <p:nvPr/>
+            </p:nvCxnSpPr>
+            <p:spPr>
+              <a:xfrm>
+                <a:off x="7968208" y="5828045"/>
+                <a:ext cx="0" cy="144016"/>
+              </a:xfrm>
+              <a:prstGeom prst="line">
+                <a:avLst/>
+              </a:prstGeom>
+              <a:ln w="19050"/>
+            </p:spPr>
+            <p:style>
+              <a:lnRef idx="1">
+                <a:schemeClr val="accent1"/>
+              </a:lnRef>
+              <a:fillRef idx="0">
+                <a:schemeClr val="accent1"/>
+              </a:fillRef>
+              <a:effectRef idx="0">
+                <a:schemeClr val="accent1"/>
+              </a:effectRef>
+              <a:fontRef idx="minor">
+                <a:schemeClr val="tx1"/>
+              </a:fontRef>
+            </p:style>
+          </p:cxnSp>
+          <p:cxnSp>
+            <p:nvCxnSpPr>
+              <p:cNvPr id="27" name="Conector reto 26">
+                <a:extLst>
+                  <a:ext uri="{FF2B5EF4-FFF2-40B4-BE49-F238E27FC236}">
+                    <a16:creationId xmlns:a16="http://schemas.microsoft.com/office/drawing/2014/main" id="{40B02538-3DAE-4A68-91A6-2B57CEBE6477}"/>
+                  </a:ext>
+                </a:extLst>
+              </p:cNvPr>
+              <p:cNvCxnSpPr/>
+              <p:nvPr/>
+            </p:nvCxnSpPr>
+            <p:spPr>
+              <a:xfrm>
+                <a:off x="9400146" y="5820467"/>
+                <a:ext cx="0" cy="144016"/>
+              </a:xfrm>
+              <a:prstGeom prst="line">
+                <a:avLst/>
+              </a:prstGeom>
+              <a:ln w="19050"/>
+            </p:spPr>
+            <p:style>
+              <a:lnRef idx="1">
+                <a:schemeClr val="accent1"/>
+              </a:lnRef>
+              <a:fillRef idx="0">
+                <a:schemeClr val="accent1"/>
+              </a:fillRef>
+              <a:effectRef idx="0">
+                <a:schemeClr val="accent1"/>
+              </a:effectRef>
+              <a:fontRef idx="minor">
+                <a:schemeClr val="tx1"/>
+              </a:fontRef>
+            </p:style>
+          </p:cxnSp>
+        </p:grpSp>
+        <p:sp>
+          <p:nvSpPr>
+            <p:cNvPr id="32" name="CaixaDeTexto 31">
+              <a:extLst>
+                <a:ext uri="{FF2B5EF4-FFF2-40B4-BE49-F238E27FC236}">
+                  <a16:creationId xmlns:a16="http://schemas.microsoft.com/office/drawing/2014/main" id="{E03F7B50-E888-4677-B3F1-B04EB39D7B54}"/>
+                </a:ext>
+              </a:extLst>
+            </p:cNvPr>
+            <p:cNvSpPr txBox="1"/>
+            <p:nvPr/>
+          </p:nvSpPr>
+          <p:spPr>
+            <a:xfrm rot="19904763">
+              <a:off x="8169320" y="4863717"/>
+              <a:ext cx="1349057" cy="307777"/>
+            </a:xfrm>
+            <a:prstGeom prst="rect">
+              <a:avLst/>
+            </a:prstGeom>
+            <a:noFill/>
+          </p:spPr>
+          <p:txBody>
+            <a:bodyPr wrap="square">
+              <a:spAutoFit/>
+            </a:bodyPr>
+            <a:lstStyle/>
+            <a:p>
+              <a:pPr algn="ctr"/>
+              <a:r>
+                <a:rPr lang="pt-BR" sz="1400" dirty="0">
+                  <a:solidFill>
+                    <a:schemeClr val="bg1">
+                      <a:lumMod val="85000"/>
+                    </a:schemeClr>
+                  </a:solidFill>
+                  <a:latin typeface="Consolas" pitchFamily="49" charset="0"/>
+                  <a:cs typeface="Consolas" pitchFamily="49" charset="0"/>
+                </a:rPr>
+                <a:t>charWidth</a:t>
+              </a:r>
+              <a:endParaRPr lang="pt-BR" sz="1400" dirty="0"/>
+            </a:p>
+          </p:txBody>
+        </p:sp>
+      </p:grpSp>
+      <p:sp>
+        <p:nvSpPr>
+          <p:cNvPr id="35" name="CaixaDeTexto 34">
+            <a:extLst>
+              <a:ext uri="{FF2B5EF4-FFF2-40B4-BE49-F238E27FC236}">
+                <a16:creationId xmlns:a16="http://schemas.microsoft.com/office/drawing/2014/main" id="{A7F2FB16-E6BA-4A68-8763-4D4DBAB3B27C}"/>
+              </a:ext>
+            </a:extLst>
+          </p:cNvPr>
+          <p:cNvSpPr txBox="1"/>
+          <p:nvPr/>
+        </p:nvSpPr>
+        <p:spPr>
+          <a:xfrm>
+            <a:off x="8027532" y="4397866"/>
+            <a:ext cx="304514" cy="307777"/>
+          </a:xfrm>
+          <a:prstGeom prst="rect">
+            <a:avLst/>
+          </a:prstGeom>
+          <a:noFill/>
+        </p:spPr>
+        <p:txBody>
+          <a:bodyPr wrap="square">
+            <a:spAutoFit/>
+          </a:bodyPr>
+          <a:lstStyle/>
+          <a:p>
+            <a:r>
+              <a:rPr lang="pt-BR" sz="1400" dirty="0">
+                <a:solidFill>
+                  <a:schemeClr val="bg1">
+                    <a:lumMod val="85000"/>
+                  </a:schemeClr>
+                </a:solidFill>
+                <a:latin typeface="Consolas" pitchFamily="49" charset="0"/>
+                <a:cs typeface="Consolas" pitchFamily="49" charset="0"/>
+              </a:rPr>
+              <a:t>x</a:t>
+            </a:r>
+            <a:endParaRPr lang="pt-BR" sz="1400" dirty="0"/>
+          </a:p>
+        </p:txBody>
+      </p:sp>
+      <p:sp>
+        <p:nvSpPr>
+          <p:cNvPr id="36" name="CaixaDeTexto 35">
+            <a:extLst>
+              <a:ext uri="{FF2B5EF4-FFF2-40B4-BE49-F238E27FC236}">
+                <a16:creationId xmlns:a16="http://schemas.microsoft.com/office/drawing/2014/main" id="{3E995ECE-FE5A-4498-AABA-24CE0F6F2933}"/>
+              </a:ext>
+            </a:extLst>
+          </p:cNvPr>
+          <p:cNvSpPr txBox="1"/>
+          <p:nvPr/>
+        </p:nvSpPr>
+        <p:spPr>
+          <a:xfrm>
+            <a:off x="8739123" y="3940895"/>
+            <a:ext cx="304514" cy="307777"/>
+          </a:xfrm>
+          <a:prstGeom prst="rect">
+            <a:avLst/>
+          </a:prstGeom>
+          <a:noFill/>
+        </p:spPr>
+        <p:txBody>
+          <a:bodyPr wrap="square">
+            <a:spAutoFit/>
+          </a:bodyPr>
+          <a:lstStyle/>
+          <a:p>
+            <a:r>
+              <a:rPr lang="pt-BR" sz="1400" dirty="0">
+                <a:solidFill>
+                  <a:schemeClr val="bg1">
+                    <a:lumMod val="85000"/>
+                  </a:schemeClr>
+                </a:solidFill>
+                <a:latin typeface="Consolas" pitchFamily="49" charset="0"/>
+                <a:cs typeface="Consolas" pitchFamily="49" charset="0"/>
+              </a:rPr>
+              <a:t>y</a:t>
+            </a:r>
+            <a:endParaRPr lang="pt-BR" sz="1400" dirty="0"/>
+          </a:p>
+        </p:txBody>
+      </p:sp>
+      <p:sp>
+        <p:nvSpPr>
+          <p:cNvPr id="37" name="CaixaDeTexto 36">
+            <a:extLst>
+              <a:ext uri="{FF2B5EF4-FFF2-40B4-BE49-F238E27FC236}">
+                <a16:creationId xmlns:a16="http://schemas.microsoft.com/office/drawing/2014/main" id="{DE5620A2-57D7-4035-AA80-8DC15EC86134}"/>
+              </a:ext>
+            </a:extLst>
+          </p:cNvPr>
+          <p:cNvSpPr txBox="1"/>
+          <p:nvPr/>
+        </p:nvSpPr>
+        <p:spPr>
+          <a:xfrm>
+            <a:off x="6960096" y="4841837"/>
+            <a:ext cx="2376264" cy="307777"/>
+          </a:xfrm>
+          <a:prstGeom prst="rect">
+            <a:avLst/>
+          </a:prstGeom>
+          <a:noFill/>
+        </p:spPr>
+        <p:txBody>
+          <a:bodyPr wrap="square">
+            <a:spAutoFit/>
+          </a:bodyPr>
+          <a:lstStyle/>
+          <a:p>
+            <a:r>
+              <a:rPr lang="pt-BR" sz="1400" dirty="0">
+                <a:solidFill>
+                  <a:schemeClr val="bg1">
+                    <a:lumMod val="85000"/>
+                  </a:schemeClr>
+                </a:solidFill>
+                <a:latin typeface="Consolas" pitchFamily="49" charset="0"/>
+                <a:cs typeface="Consolas" pitchFamily="49" charset="0"/>
+              </a:rPr>
+              <a:t>x = charWidth * cos(</a:t>
+            </a:r>
+            <a:r>
+              <a:rPr lang="el-GR" sz="1400" dirty="0">
+                <a:solidFill>
+                  <a:schemeClr val="bg1">
+                    <a:lumMod val="85000"/>
+                  </a:schemeClr>
+                </a:solidFill>
+              </a:rPr>
+              <a:t>θ</a:t>
+            </a:r>
+            <a:r>
+              <a:rPr lang="pt-BR" sz="1400" dirty="0">
+                <a:solidFill>
+                  <a:schemeClr val="bg1">
+                    <a:lumMod val="85000"/>
+                  </a:schemeClr>
+                </a:solidFill>
+              </a:rPr>
+              <a:t>)</a:t>
+            </a:r>
+            <a:endParaRPr lang="pt-BR" sz="1400" dirty="0"/>
+          </a:p>
+        </p:txBody>
+      </p:sp>
+      <p:sp>
+        <p:nvSpPr>
+          <p:cNvPr id="38" name="CaixaDeTexto 37">
+            <a:extLst>
+              <a:ext uri="{FF2B5EF4-FFF2-40B4-BE49-F238E27FC236}">
+                <a16:creationId xmlns:a16="http://schemas.microsoft.com/office/drawing/2014/main" id="{B4A28A4E-1118-4E50-9EF7-5911F7D69974}"/>
+              </a:ext>
+            </a:extLst>
+          </p:cNvPr>
+          <p:cNvSpPr txBox="1"/>
+          <p:nvPr/>
+        </p:nvSpPr>
+        <p:spPr>
+          <a:xfrm>
+            <a:off x="6960096" y="5149730"/>
+            <a:ext cx="2376264" cy="307777"/>
+          </a:xfrm>
+          <a:prstGeom prst="rect">
+            <a:avLst/>
+          </a:prstGeom>
+          <a:noFill/>
+        </p:spPr>
+        <p:txBody>
+          <a:bodyPr wrap="square">
+            <a:spAutoFit/>
+          </a:bodyPr>
+          <a:lstStyle/>
+          <a:p>
+            <a:r>
+              <a:rPr lang="pt-BR" sz="1400" dirty="0">
+                <a:solidFill>
+                  <a:schemeClr val="bg1">
+                    <a:lumMod val="85000"/>
+                  </a:schemeClr>
+                </a:solidFill>
+                <a:latin typeface="Consolas" pitchFamily="49" charset="0"/>
+                <a:cs typeface="Consolas" pitchFamily="49" charset="0"/>
+              </a:rPr>
+              <a:t>y = charWidth * </a:t>
+            </a:r>
+            <a:r>
+              <a:rPr lang="pt-BR" sz="1400" dirty="0" err="1">
+                <a:solidFill>
+                  <a:schemeClr val="bg1">
+                    <a:lumMod val="85000"/>
+                  </a:schemeClr>
+                </a:solidFill>
+                <a:latin typeface="Consolas" pitchFamily="49" charset="0"/>
+                <a:cs typeface="Consolas" pitchFamily="49" charset="0"/>
+              </a:rPr>
+              <a:t>sin</a:t>
+            </a:r>
+            <a:r>
+              <a:rPr lang="pt-BR" sz="1400" dirty="0">
+                <a:solidFill>
+                  <a:schemeClr val="bg1">
+                    <a:lumMod val="85000"/>
+                  </a:schemeClr>
+                </a:solidFill>
+                <a:latin typeface="Consolas" pitchFamily="49" charset="0"/>
+                <a:cs typeface="Consolas" pitchFamily="49" charset="0"/>
+              </a:rPr>
+              <a:t>(</a:t>
+            </a:r>
+            <a:r>
+              <a:rPr lang="el-GR" sz="1400" dirty="0">
+                <a:solidFill>
+                  <a:schemeClr val="bg1">
+                    <a:lumMod val="85000"/>
+                  </a:schemeClr>
+                </a:solidFill>
+              </a:rPr>
+              <a:t>θ</a:t>
+            </a:r>
+            <a:r>
+              <a:rPr lang="pt-BR" sz="1400" dirty="0">
+                <a:solidFill>
+                  <a:schemeClr val="bg1">
+                    <a:lumMod val="85000"/>
+                  </a:schemeClr>
+                </a:solidFill>
+              </a:rPr>
+              <a:t>)</a:t>
+            </a:r>
+            <a:endParaRPr lang="pt-BR" sz="1400" dirty="0"/>
+          </a:p>
+        </p:txBody>
+      </p:sp>
+      <p:pic>
+        <p:nvPicPr>
+          <p:cNvPr id="39" name="Imagem 38">
+            <a:extLst>
+              <a:ext uri="{FF2B5EF4-FFF2-40B4-BE49-F238E27FC236}">
+                <a16:creationId xmlns:a16="http://schemas.microsoft.com/office/drawing/2014/main" id="{3D31AF20-1066-4C77-994E-73EAB052B774}"/>
+              </a:ext>
+            </a:extLst>
+          </p:cNvPr>
+          <p:cNvPicPr>
+            <a:picLocks noChangeAspect="1"/>
+          </p:cNvPicPr>
+          <p:nvPr/>
+        </p:nvPicPr>
+        <p:blipFill rotWithShape="1">
+          <a:blip r:embed="rId3">
+            <a:extLst>
+              <a:ext uri="{28A0092B-C50C-407E-A947-70E740481C1C}">
+                <a14:useLocalDpi xmlns:a14="http://schemas.microsoft.com/office/drawing/2010/main" val="0"/>
+              </a:ext>
+            </a:extLst>
+          </a:blip>
+          <a:srcRect l="5382" t="25431" r="64632"/>
+          <a:stretch/>
+        </p:blipFill>
+        <p:spPr>
+          <a:xfrm>
+            <a:off x="9887825" y="2468873"/>
+            <a:ext cx="1203455" cy="2992740"/>
+          </a:xfrm>
+          <a:prstGeom prst="rect">
+            <a:avLst/>
+          </a:prstGeom>
+        </p:spPr>
+      </p:pic>
     </p:spTree>
     <p:extLst>
       <p:ext uri="{BB962C8B-B14F-4D97-AF65-F5344CB8AC3E}">
